--- a/JavaCore.pptx
+++ b/JavaCore.pptx
@@ -5,7 +5,7 @@
     <p:sldMasterId id="2147483659" r:id="rId1"/>
   </p:sldMasterIdLst>
   <p:notesMasterIdLst>
-    <p:notesMasterId r:id="rId54"/>
+    <p:notesMasterId r:id="rId78"/>
   </p:notesMasterIdLst>
   <p:sldIdLst>
     <p:sldId id="256" r:id="rId2"/>
@@ -25,63 +25,87 @@
     <p:sldId id="271" r:id="rId16"/>
     <p:sldId id="272" r:id="rId17"/>
     <p:sldId id="274" r:id="rId18"/>
-    <p:sldId id="275" r:id="rId19"/>
-    <p:sldId id="276" r:id="rId20"/>
-    <p:sldId id="305" r:id="rId21"/>
-    <p:sldId id="277" r:id="rId22"/>
-    <p:sldId id="278" r:id="rId23"/>
-    <p:sldId id="279" r:id="rId24"/>
-    <p:sldId id="280" r:id="rId25"/>
-    <p:sldId id="281" r:id="rId26"/>
-    <p:sldId id="282" r:id="rId27"/>
-    <p:sldId id="283" r:id="rId28"/>
-    <p:sldId id="284" r:id="rId29"/>
-    <p:sldId id="285" r:id="rId30"/>
-    <p:sldId id="286" r:id="rId31"/>
-    <p:sldId id="287" r:id="rId32"/>
-    <p:sldId id="288" r:id="rId33"/>
-    <p:sldId id="289" r:id="rId34"/>
-    <p:sldId id="307" r:id="rId35"/>
-    <p:sldId id="291" r:id="rId36"/>
-    <p:sldId id="292" r:id="rId37"/>
-    <p:sldId id="294" r:id="rId38"/>
-    <p:sldId id="295" r:id="rId39"/>
-    <p:sldId id="293" r:id="rId40"/>
-    <p:sldId id="296" r:id="rId41"/>
-    <p:sldId id="297" r:id="rId42"/>
-    <p:sldId id="298" r:id="rId43"/>
-    <p:sldId id="299" r:id="rId44"/>
-    <p:sldId id="300" r:id="rId45"/>
-    <p:sldId id="301" r:id="rId46"/>
-    <p:sldId id="302" r:id="rId47"/>
-    <p:sldId id="303" r:id="rId48"/>
-    <p:sldId id="309" r:id="rId49"/>
-    <p:sldId id="310" r:id="rId50"/>
-    <p:sldId id="311" r:id="rId51"/>
-    <p:sldId id="312" r:id="rId52"/>
-    <p:sldId id="313" r:id="rId53"/>
+    <p:sldId id="317" r:id="rId19"/>
+    <p:sldId id="275" r:id="rId20"/>
+    <p:sldId id="276" r:id="rId21"/>
+    <p:sldId id="314" r:id="rId22"/>
+    <p:sldId id="315" r:id="rId23"/>
+    <p:sldId id="316" r:id="rId24"/>
+    <p:sldId id="305" r:id="rId25"/>
+    <p:sldId id="277" r:id="rId26"/>
+    <p:sldId id="278" r:id="rId27"/>
+    <p:sldId id="279" r:id="rId28"/>
+    <p:sldId id="280" r:id="rId29"/>
+    <p:sldId id="281" r:id="rId30"/>
+    <p:sldId id="282" r:id="rId31"/>
+    <p:sldId id="283" r:id="rId32"/>
+    <p:sldId id="284" r:id="rId33"/>
+    <p:sldId id="318" r:id="rId34"/>
+    <p:sldId id="285" r:id="rId35"/>
+    <p:sldId id="286" r:id="rId36"/>
+    <p:sldId id="319" r:id="rId37"/>
+    <p:sldId id="287" r:id="rId38"/>
+    <p:sldId id="288" r:id="rId39"/>
+    <p:sldId id="289" r:id="rId40"/>
+    <p:sldId id="307" r:id="rId41"/>
+    <p:sldId id="320" r:id="rId42"/>
+    <p:sldId id="291" r:id="rId43"/>
+    <p:sldId id="292" r:id="rId44"/>
+    <p:sldId id="294" r:id="rId45"/>
+    <p:sldId id="295" r:id="rId46"/>
+    <p:sldId id="293" r:id="rId47"/>
+    <p:sldId id="321" r:id="rId48"/>
+    <p:sldId id="322" r:id="rId49"/>
+    <p:sldId id="334" r:id="rId50"/>
+    <p:sldId id="323" r:id="rId51"/>
+    <p:sldId id="296" r:id="rId52"/>
+    <p:sldId id="297" r:id="rId53"/>
+    <p:sldId id="298" r:id="rId54"/>
+    <p:sldId id="299" r:id="rId55"/>
+    <p:sldId id="300" r:id="rId56"/>
+    <p:sldId id="301" r:id="rId57"/>
+    <p:sldId id="302" r:id="rId58"/>
+    <p:sldId id="303" r:id="rId59"/>
+    <p:sldId id="324" r:id="rId60"/>
+    <p:sldId id="325" r:id="rId61"/>
+    <p:sldId id="326" r:id="rId62"/>
+    <p:sldId id="327" r:id="rId63"/>
+    <p:sldId id="328" r:id="rId64"/>
+    <p:sldId id="329" r:id="rId65"/>
+    <p:sldId id="330" r:id="rId66"/>
+    <p:sldId id="331" r:id="rId67"/>
+    <p:sldId id="332" r:id="rId68"/>
+    <p:sldId id="333" r:id="rId69"/>
+    <p:sldId id="335" r:id="rId70"/>
+    <p:sldId id="336" r:id="rId71"/>
+    <p:sldId id="337" r:id="rId72"/>
+    <p:sldId id="309" r:id="rId73"/>
+    <p:sldId id="310" r:id="rId74"/>
+    <p:sldId id="311" r:id="rId75"/>
+    <p:sldId id="312" r:id="rId76"/>
+    <p:sldId id="313" r:id="rId77"/>
   </p:sldIdLst>
   <p:sldSz cx="9144000" cy="5143500" type="screen16x9"/>
   <p:notesSz cx="6858000" cy="9144000"/>
   <p:embeddedFontLst>
     <p:embeddedFont>
-      <p:font typeface="Tahoma" panose="020B0604030504040204" pitchFamily="34" charset="0"/>
-      <p:regular r:id="rId55"/>
-      <p:bold r:id="rId56"/>
+      <p:font typeface="Calibri" panose="020F0502020204030204" pitchFamily="34" charset="0"/>
+      <p:regular r:id="rId79"/>
+      <p:bold r:id="rId80"/>
+      <p:italic r:id="rId81"/>
+      <p:boldItalic r:id="rId82"/>
     </p:embeddedFont>
     <p:embeddedFont>
       <p:font typeface="Cambria" panose="02040503050406030204" pitchFamily="18" charset="0"/>
-      <p:regular r:id="rId57"/>
-      <p:bold r:id="rId58"/>
-      <p:italic r:id="rId59"/>
-      <p:boldItalic r:id="rId60"/>
+      <p:regular r:id="rId83"/>
+      <p:bold r:id="rId84"/>
+      <p:italic r:id="rId85"/>
+      <p:boldItalic r:id="rId86"/>
     </p:embeddedFont>
     <p:embeddedFont>
-      <p:font typeface="Calibri" panose="020F0502020204030204" pitchFamily="34" charset="0"/>
-      <p:regular r:id="rId61"/>
-      <p:bold r:id="rId62"/>
-      <p:italic r:id="rId63"/>
-      <p:boldItalic r:id="rId64"/>
+      <p:font typeface="Tahoma" panose="020B0604030504040204" pitchFamily="34" charset="0"/>
+      <p:regular r:id="rId87"/>
+      <p:bold r:id="rId88"/>
     </p:embeddedFont>
   </p:embeddedFontLst>
   <p:defaultTextStyle>
@@ -885,6 +909,387 @@
 </p:notes>
 </file>
 
+<file path=ppt/notesSlides/notesSlide10.xml><?xml version="1.0" encoding="utf-8"?>
+<p:notes xmlns:a="http://schemas.openxmlformats.org/drawingml/2006/main" xmlns:r="http://schemas.openxmlformats.org/officeDocument/2006/relationships" xmlns:p="http://schemas.openxmlformats.org/presentationml/2006/main" showMasterSp="0" showMasterPhAnim="0">
+  <p:cSld>
+    <p:spTree>
+      <p:nvGrpSpPr>
+        <p:cNvPr id="1" name="Shape 382"/>
+        <p:cNvGrpSpPr/>
+        <p:nvPr/>
+      </p:nvGrpSpPr>
+      <p:grpSpPr>
+        <a:xfrm>
+          <a:off x="0" y="0"/>
+          <a:ext cx="0" cy="0"/>
+          <a:chOff x="0" y="0"/>
+          <a:chExt cx="0" cy="0"/>
+        </a:xfrm>
+      </p:grpSpPr>
+      <p:sp>
+        <p:nvSpPr>
+          <p:cNvPr id="383" name="Google Shape;383;p46:notes"/>
+          <p:cNvSpPr txBox="1">
+            <a:spLocks noGrp="1"/>
+          </p:cNvSpPr>
+          <p:nvPr>
+            <p:ph type="body" idx="1"/>
+          </p:nvPr>
+        </p:nvSpPr>
+        <p:spPr>
+          <a:xfrm>
+            <a:off x="685800" y="4343400"/>
+            <a:ext cx="5486400" cy="4114800"/>
+          </a:xfrm>
+          <a:prstGeom prst="rect">
+            <a:avLst/>
+          </a:prstGeom>
+          <a:noFill/>
+          <a:ln>
+            <a:noFill/>
+          </a:ln>
+        </p:spPr>
+        <p:txBody>
+          <a:bodyPr spcFirstLastPara="1" wrap="square" lIns="91425" tIns="91425" rIns="91425" bIns="91425" anchor="t" anchorCtr="0">
+            <a:noAutofit/>
+          </a:bodyPr>
+          <a:lstStyle/>
+          <a:p>
+            <a:pPr marL="0" lvl="0" indent="0" algn="l" rtl="0">
+              <a:lnSpc>
+                <a:spcPct val="100000"/>
+              </a:lnSpc>
+              <a:spcBef>
+                <a:spcPts val="0"/>
+              </a:spcBef>
+              <a:spcAft>
+                <a:spcPts val="0"/>
+              </a:spcAft>
+              <a:buSzPts val="1100"/>
+              <a:buNone/>
+            </a:pPr>
+            <a:endParaRPr/>
+          </a:p>
+        </p:txBody>
+      </p:sp>
+      <p:sp>
+        <p:nvSpPr>
+          <p:cNvPr id="384" name="Google Shape;384;p46:notes"/>
+          <p:cNvSpPr>
+            <a:spLocks noGrp="1" noRot="1" noChangeAspect="1"/>
+          </p:cNvSpPr>
+          <p:nvPr>
+            <p:ph type="sldImg" idx="2"/>
+          </p:nvPr>
+        </p:nvSpPr>
+        <p:spPr>
+          <a:xfrm>
+            <a:off x="381000" y="685800"/>
+            <a:ext cx="6096000" cy="3429000"/>
+          </a:xfrm>
+          <a:custGeom>
+            <a:avLst/>
+            <a:gdLst/>
+            <a:ahLst/>
+            <a:cxnLst/>
+            <a:rect l="l" t="t" r="r" b="b"/>
+            <a:pathLst>
+              <a:path w="120000" h="120000" extrusionOk="0">
+                <a:moveTo>
+                  <a:pt x="0" y="0"/>
+                </a:moveTo>
+                <a:lnTo>
+                  <a:pt x="120000" y="0"/>
+                </a:lnTo>
+                <a:lnTo>
+                  <a:pt x="120000" y="120000"/>
+                </a:lnTo>
+                <a:lnTo>
+                  <a:pt x="0" y="120000"/>
+                </a:lnTo>
+                <a:close/>
+              </a:path>
+            </a:pathLst>
+          </a:custGeom>
+          <a:noFill/>
+          <a:ln w="9525" cap="flat" cmpd="sng">
+            <a:solidFill>
+              <a:srgbClr val="000000"/>
+            </a:solidFill>
+            <a:prstDash val="solid"/>
+            <a:round/>
+            <a:headEnd type="none" w="sm" len="sm"/>
+            <a:tailEnd type="none" w="sm" len="sm"/>
+          </a:ln>
+        </p:spPr>
+      </p:sp>
+    </p:spTree>
+    <p:extLst>
+      <p:ext uri="{BB962C8B-B14F-4D97-AF65-F5344CB8AC3E}">
+        <p14:creationId xmlns:p14="http://schemas.microsoft.com/office/powerpoint/2010/main" val="4169002368"/>
+      </p:ext>
+    </p:extLst>
+  </p:cSld>
+  <p:clrMapOvr>
+    <a:masterClrMapping/>
+  </p:clrMapOvr>
+</p:notes>
+</file>
+
+<file path=ppt/notesSlides/notesSlide11.xml><?xml version="1.0" encoding="utf-8"?>
+<p:notes xmlns:a="http://schemas.openxmlformats.org/drawingml/2006/main" xmlns:r="http://schemas.openxmlformats.org/officeDocument/2006/relationships" xmlns:p="http://schemas.openxmlformats.org/presentationml/2006/main" showMasterSp="0" showMasterPhAnim="0">
+  <p:cSld>
+    <p:spTree>
+      <p:nvGrpSpPr>
+        <p:cNvPr id="1" name="Shape 389"/>
+        <p:cNvGrpSpPr/>
+        <p:nvPr/>
+      </p:nvGrpSpPr>
+      <p:grpSpPr>
+        <a:xfrm>
+          <a:off x="0" y="0"/>
+          <a:ext cx="0" cy="0"/>
+          <a:chOff x="0" y="0"/>
+          <a:chExt cx="0" cy="0"/>
+        </a:xfrm>
+      </p:grpSpPr>
+      <p:sp>
+        <p:nvSpPr>
+          <p:cNvPr id="390" name="Google Shape;390;p47:notes"/>
+          <p:cNvSpPr txBox="1">
+            <a:spLocks noGrp="1"/>
+          </p:cNvSpPr>
+          <p:nvPr>
+            <p:ph type="body" idx="1"/>
+          </p:nvPr>
+        </p:nvSpPr>
+        <p:spPr>
+          <a:xfrm>
+            <a:off x="685800" y="4343400"/>
+            <a:ext cx="5486400" cy="4114800"/>
+          </a:xfrm>
+          <a:prstGeom prst="rect">
+            <a:avLst/>
+          </a:prstGeom>
+          <a:noFill/>
+          <a:ln>
+            <a:noFill/>
+          </a:ln>
+        </p:spPr>
+        <p:txBody>
+          <a:bodyPr spcFirstLastPara="1" wrap="square" lIns="91425" tIns="91425" rIns="91425" bIns="91425" anchor="t" anchorCtr="0">
+            <a:noAutofit/>
+          </a:bodyPr>
+          <a:lstStyle/>
+          <a:p>
+            <a:pPr marL="0" lvl="0" indent="0" algn="l" rtl="0">
+              <a:lnSpc>
+                <a:spcPct val="100000"/>
+              </a:lnSpc>
+              <a:spcBef>
+                <a:spcPts val="0"/>
+              </a:spcBef>
+              <a:spcAft>
+                <a:spcPts val="0"/>
+              </a:spcAft>
+              <a:buSzPts val="1100"/>
+              <a:buNone/>
+            </a:pPr>
+            <a:endParaRPr/>
+          </a:p>
+        </p:txBody>
+      </p:sp>
+      <p:sp>
+        <p:nvSpPr>
+          <p:cNvPr id="391" name="Google Shape;391;p47:notes"/>
+          <p:cNvSpPr>
+            <a:spLocks noGrp="1" noRot="1" noChangeAspect="1"/>
+          </p:cNvSpPr>
+          <p:nvPr>
+            <p:ph type="sldImg" idx="2"/>
+          </p:nvPr>
+        </p:nvSpPr>
+        <p:spPr>
+          <a:xfrm>
+            <a:off x="381000" y="685800"/>
+            <a:ext cx="6096000" cy="3429000"/>
+          </a:xfrm>
+          <a:custGeom>
+            <a:avLst/>
+            <a:gdLst/>
+            <a:ahLst/>
+            <a:cxnLst/>
+            <a:rect l="l" t="t" r="r" b="b"/>
+            <a:pathLst>
+              <a:path w="120000" h="120000" extrusionOk="0">
+                <a:moveTo>
+                  <a:pt x="0" y="0"/>
+                </a:moveTo>
+                <a:lnTo>
+                  <a:pt x="120000" y="0"/>
+                </a:lnTo>
+                <a:lnTo>
+                  <a:pt x="120000" y="120000"/>
+                </a:lnTo>
+                <a:lnTo>
+                  <a:pt x="0" y="120000"/>
+                </a:lnTo>
+                <a:close/>
+              </a:path>
+            </a:pathLst>
+          </a:custGeom>
+          <a:noFill/>
+          <a:ln w="9525" cap="flat" cmpd="sng">
+            <a:solidFill>
+              <a:srgbClr val="000000"/>
+            </a:solidFill>
+            <a:prstDash val="solid"/>
+            <a:round/>
+            <a:headEnd type="none" w="sm" len="sm"/>
+            <a:tailEnd type="none" w="sm" len="sm"/>
+          </a:ln>
+        </p:spPr>
+      </p:sp>
+    </p:spTree>
+    <p:extLst>
+      <p:ext uri="{BB962C8B-B14F-4D97-AF65-F5344CB8AC3E}">
+        <p14:creationId xmlns:p14="http://schemas.microsoft.com/office/powerpoint/2010/main" val="3331868360"/>
+      </p:ext>
+    </p:extLst>
+  </p:cSld>
+  <p:clrMapOvr>
+    <a:masterClrMapping/>
+  </p:clrMapOvr>
+</p:notes>
+</file>
+
+<file path=ppt/notesSlides/notesSlide12.xml><?xml version="1.0" encoding="utf-8"?>
+<p:notes xmlns:a="http://schemas.openxmlformats.org/drawingml/2006/main" xmlns:r="http://schemas.openxmlformats.org/officeDocument/2006/relationships" xmlns:p="http://schemas.openxmlformats.org/presentationml/2006/main" showMasterSp="0" showMasterPhAnim="0">
+  <p:cSld>
+    <p:spTree>
+      <p:nvGrpSpPr>
+        <p:cNvPr id="1" name="Shape 396"/>
+        <p:cNvGrpSpPr/>
+        <p:nvPr/>
+      </p:nvGrpSpPr>
+      <p:grpSpPr>
+        <a:xfrm>
+          <a:off x="0" y="0"/>
+          <a:ext cx="0" cy="0"/>
+          <a:chOff x="0" y="0"/>
+          <a:chExt cx="0" cy="0"/>
+        </a:xfrm>
+      </p:grpSpPr>
+      <p:sp>
+        <p:nvSpPr>
+          <p:cNvPr id="397" name="Google Shape;397;p48:notes"/>
+          <p:cNvSpPr txBox="1">
+            <a:spLocks noGrp="1"/>
+          </p:cNvSpPr>
+          <p:nvPr>
+            <p:ph type="body" idx="1"/>
+          </p:nvPr>
+        </p:nvSpPr>
+        <p:spPr>
+          <a:xfrm>
+            <a:off x="685800" y="4343400"/>
+            <a:ext cx="5486400" cy="4114800"/>
+          </a:xfrm>
+          <a:prstGeom prst="rect">
+            <a:avLst/>
+          </a:prstGeom>
+          <a:noFill/>
+          <a:ln>
+            <a:noFill/>
+          </a:ln>
+        </p:spPr>
+        <p:txBody>
+          <a:bodyPr spcFirstLastPara="1" wrap="square" lIns="91425" tIns="91425" rIns="91425" bIns="91425" anchor="t" anchorCtr="0">
+            <a:noAutofit/>
+          </a:bodyPr>
+          <a:lstStyle/>
+          <a:p>
+            <a:pPr marL="0" lvl="0" indent="0" algn="l" rtl="0">
+              <a:lnSpc>
+                <a:spcPct val="100000"/>
+              </a:lnSpc>
+              <a:spcBef>
+                <a:spcPts val="0"/>
+              </a:spcBef>
+              <a:spcAft>
+                <a:spcPts val="0"/>
+              </a:spcAft>
+              <a:buSzPts val="1100"/>
+              <a:buNone/>
+            </a:pPr>
+            <a:endParaRPr/>
+          </a:p>
+        </p:txBody>
+      </p:sp>
+      <p:sp>
+        <p:nvSpPr>
+          <p:cNvPr id="398" name="Google Shape;398;p48:notes"/>
+          <p:cNvSpPr>
+            <a:spLocks noGrp="1" noRot="1" noChangeAspect="1"/>
+          </p:cNvSpPr>
+          <p:nvPr>
+            <p:ph type="sldImg" idx="2"/>
+          </p:nvPr>
+        </p:nvSpPr>
+        <p:spPr>
+          <a:xfrm>
+            <a:off x="381000" y="685800"/>
+            <a:ext cx="6096000" cy="3429000"/>
+          </a:xfrm>
+          <a:custGeom>
+            <a:avLst/>
+            <a:gdLst/>
+            <a:ahLst/>
+            <a:cxnLst/>
+            <a:rect l="l" t="t" r="r" b="b"/>
+            <a:pathLst>
+              <a:path w="120000" h="120000" extrusionOk="0">
+                <a:moveTo>
+                  <a:pt x="0" y="0"/>
+                </a:moveTo>
+                <a:lnTo>
+                  <a:pt x="120000" y="0"/>
+                </a:lnTo>
+                <a:lnTo>
+                  <a:pt x="120000" y="120000"/>
+                </a:lnTo>
+                <a:lnTo>
+                  <a:pt x="0" y="120000"/>
+                </a:lnTo>
+                <a:close/>
+              </a:path>
+            </a:pathLst>
+          </a:custGeom>
+          <a:noFill/>
+          <a:ln w="9525" cap="flat" cmpd="sng">
+            <a:solidFill>
+              <a:srgbClr val="000000"/>
+            </a:solidFill>
+            <a:prstDash val="solid"/>
+            <a:round/>
+            <a:headEnd type="none" w="sm" len="sm"/>
+            <a:tailEnd type="none" w="sm" len="sm"/>
+          </a:ln>
+        </p:spPr>
+      </p:sp>
+    </p:spTree>
+    <p:extLst>
+      <p:ext uri="{BB962C8B-B14F-4D97-AF65-F5344CB8AC3E}">
+        <p14:creationId xmlns:p14="http://schemas.microsoft.com/office/powerpoint/2010/main" val="3489464280"/>
+      </p:ext>
+    </p:extLst>
+  </p:cSld>
+  <p:clrMapOvr>
+    <a:masterClrMapping/>
+  </p:clrMapOvr>
+</p:notes>
+</file>
+
 <file path=ppt/notesSlides/notesSlide2.xml><?xml version="1.0" encoding="utf-8"?>
 <p:notes xmlns:a="http://schemas.openxmlformats.org/drawingml/2006/main" xmlns:r="http://schemas.openxmlformats.org/officeDocument/2006/relationships" xmlns:p="http://schemas.openxmlformats.org/presentationml/2006/main" showMasterSp="0" showMasterPhAnim="0">
   <p:cSld>
@@ -985,6 +1390,895 @@
     <p:extLst>
       <p:ext uri="{BB962C8B-B14F-4D97-AF65-F5344CB8AC3E}">
         <p14:creationId xmlns:p14="http://schemas.microsoft.com/office/powerpoint/2010/main" val="1375125451"/>
+      </p:ext>
+    </p:extLst>
+  </p:cSld>
+  <p:clrMapOvr>
+    <a:masterClrMapping/>
+  </p:clrMapOvr>
+</p:notes>
+</file>
+
+<file path=ppt/notesSlides/notesSlide3.xml><?xml version="1.0" encoding="utf-8"?>
+<p:notes xmlns:a="http://schemas.openxmlformats.org/drawingml/2006/main" xmlns:r="http://schemas.openxmlformats.org/officeDocument/2006/relationships" xmlns:p="http://schemas.openxmlformats.org/presentationml/2006/main" showMasterSp="0" showMasterPhAnim="0">
+  <p:cSld>
+    <p:spTree>
+      <p:nvGrpSpPr>
+        <p:cNvPr id="1" name="Shape 199"/>
+        <p:cNvGrpSpPr/>
+        <p:nvPr/>
+      </p:nvGrpSpPr>
+      <p:grpSpPr>
+        <a:xfrm>
+          <a:off x="0" y="0"/>
+          <a:ext cx="0" cy="0"/>
+          <a:chOff x="0" y="0"/>
+          <a:chExt cx="0" cy="0"/>
+        </a:xfrm>
+      </p:grpSpPr>
+      <p:sp>
+        <p:nvSpPr>
+          <p:cNvPr id="200" name="Google Shape;200;p19:notes"/>
+          <p:cNvSpPr txBox="1">
+            <a:spLocks noGrp="1"/>
+          </p:cNvSpPr>
+          <p:nvPr>
+            <p:ph type="body" idx="1"/>
+          </p:nvPr>
+        </p:nvSpPr>
+        <p:spPr>
+          <a:xfrm>
+            <a:off x="685800" y="4343400"/>
+            <a:ext cx="5486400" cy="4114800"/>
+          </a:xfrm>
+          <a:prstGeom prst="rect">
+            <a:avLst/>
+          </a:prstGeom>
+          <a:noFill/>
+          <a:ln>
+            <a:noFill/>
+          </a:ln>
+        </p:spPr>
+        <p:txBody>
+          <a:bodyPr spcFirstLastPara="1" wrap="square" lIns="91425" tIns="91425" rIns="91425" bIns="91425" anchor="t" anchorCtr="0">
+            <a:noAutofit/>
+          </a:bodyPr>
+          <a:lstStyle/>
+          <a:p>
+            <a:pPr marL="0" lvl="0" indent="0" algn="l" rtl="0">
+              <a:lnSpc>
+                <a:spcPct val="100000"/>
+              </a:lnSpc>
+              <a:spcBef>
+                <a:spcPts val="0"/>
+              </a:spcBef>
+              <a:spcAft>
+                <a:spcPts val="0"/>
+              </a:spcAft>
+              <a:buSzPts val="1100"/>
+              <a:buNone/>
+            </a:pPr>
+            <a:endParaRPr/>
+          </a:p>
+        </p:txBody>
+      </p:sp>
+      <p:sp>
+        <p:nvSpPr>
+          <p:cNvPr id="201" name="Google Shape;201;p19:notes"/>
+          <p:cNvSpPr>
+            <a:spLocks noGrp="1" noRot="1" noChangeAspect="1"/>
+          </p:cNvSpPr>
+          <p:nvPr>
+            <p:ph type="sldImg" idx="2"/>
+          </p:nvPr>
+        </p:nvSpPr>
+        <p:spPr>
+          <a:xfrm>
+            <a:off x="381000" y="685800"/>
+            <a:ext cx="6096000" cy="3429000"/>
+          </a:xfrm>
+          <a:custGeom>
+            <a:avLst/>
+            <a:gdLst/>
+            <a:ahLst/>
+            <a:cxnLst/>
+            <a:rect l="l" t="t" r="r" b="b"/>
+            <a:pathLst>
+              <a:path w="120000" h="120000" extrusionOk="0">
+                <a:moveTo>
+                  <a:pt x="0" y="0"/>
+                </a:moveTo>
+                <a:lnTo>
+                  <a:pt x="120000" y="0"/>
+                </a:lnTo>
+                <a:lnTo>
+                  <a:pt x="120000" y="120000"/>
+                </a:lnTo>
+                <a:lnTo>
+                  <a:pt x="0" y="120000"/>
+                </a:lnTo>
+                <a:close/>
+              </a:path>
+            </a:pathLst>
+          </a:custGeom>
+          <a:noFill/>
+          <a:ln w="9525" cap="flat" cmpd="sng">
+            <a:solidFill>
+              <a:srgbClr val="000000"/>
+            </a:solidFill>
+            <a:prstDash val="solid"/>
+            <a:round/>
+            <a:headEnd type="none" w="sm" len="sm"/>
+            <a:tailEnd type="none" w="sm" len="sm"/>
+          </a:ln>
+        </p:spPr>
+      </p:sp>
+    </p:spTree>
+    <p:extLst>
+      <p:ext uri="{BB962C8B-B14F-4D97-AF65-F5344CB8AC3E}">
+        <p14:creationId xmlns:p14="http://schemas.microsoft.com/office/powerpoint/2010/main" val="3966765944"/>
+      </p:ext>
+    </p:extLst>
+  </p:cSld>
+  <p:clrMapOvr>
+    <a:masterClrMapping/>
+  </p:clrMapOvr>
+</p:notes>
+</file>
+
+<file path=ppt/notesSlides/notesSlide4.xml><?xml version="1.0" encoding="utf-8"?>
+<p:notes xmlns:a="http://schemas.openxmlformats.org/drawingml/2006/main" xmlns:r="http://schemas.openxmlformats.org/officeDocument/2006/relationships" xmlns:p="http://schemas.openxmlformats.org/presentationml/2006/main" showMasterSp="0" showMasterPhAnim="0">
+  <p:cSld>
+    <p:spTree>
+      <p:nvGrpSpPr>
+        <p:cNvPr id="1" name="Shape 213"/>
+        <p:cNvGrpSpPr/>
+        <p:nvPr/>
+      </p:nvGrpSpPr>
+      <p:grpSpPr>
+        <a:xfrm>
+          <a:off x="0" y="0"/>
+          <a:ext cx="0" cy="0"/>
+          <a:chOff x="0" y="0"/>
+          <a:chExt cx="0" cy="0"/>
+        </a:xfrm>
+      </p:grpSpPr>
+      <p:sp>
+        <p:nvSpPr>
+          <p:cNvPr id="214" name="Google Shape;214;p21:notes"/>
+          <p:cNvSpPr txBox="1">
+            <a:spLocks noGrp="1"/>
+          </p:cNvSpPr>
+          <p:nvPr>
+            <p:ph type="body" idx="1"/>
+          </p:nvPr>
+        </p:nvSpPr>
+        <p:spPr>
+          <a:xfrm>
+            <a:off x="685800" y="4343400"/>
+            <a:ext cx="5486400" cy="4114800"/>
+          </a:xfrm>
+          <a:prstGeom prst="rect">
+            <a:avLst/>
+          </a:prstGeom>
+          <a:noFill/>
+          <a:ln>
+            <a:noFill/>
+          </a:ln>
+        </p:spPr>
+        <p:txBody>
+          <a:bodyPr spcFirstLastPara="1" wrap="square" lIns="91425" tIns="91425" rIns="91425" bIns="91425" anchor="t" anchorCtr="0">
+            <a:noAutofit/>
+          </a:bodyPr>
+          <a:lstStyle/>
+          <a:p>
+            <a:pPr marL="0" lvl="0" indent="0" algn="l" rtl="0">
+              <a:lnSpc>
+                <a:spcPct val="100000"/>
+              </a:lnSpc>
+              <a:spcBef>
+                <a:spcPts val="0"/>
+              </a:spcBef>
+              <a:spcAft>
+                <a:spcPts val="0"/>
+              </a:spcAft>
+              <a:buSzPts val="1100"/>
+              <a:buNone/>
+            </a:pPr>
+            <a:endParaRPr/>
+          </a:p>
+        </p:txBody>
+      </p:sp>
+      <p:sp>
+        <p:nvSpPr>
+          <p:cNvPr id="215" name="Google Shape;215;p21:notes"/>
+          <p:cNvSpPr>
+            <a:spLocks noGrp="1" noRot="1" noChangeAspect="1"/>
+          </p:cNvSpPr>
+          <p:nvPr>
+            <p:ph type="sldImg" idx="2"/>
+          </p:nvPr>
+        </p:nvSpPr>
+        <p:spPr>
+          <a:xfrm>
+            <a:off x="381000" y="685800"/>
+            <a:ext cx="6096000" cy="3429000"/>
+          </a:xfrm>
+          <a:custGeom>
+            <a:avLst/>
+            <a:gdLst/>
+            <a:ahLst/>
+            <a:cxnLst/>
+            <a:rect l="l" t="t" r="r" b="b"/>
+            <a:pathLst>
+              <a:path w="120000" h="120000" extrusionOk="0">
+                <a:moveTo>
+                  <a:pt x="0" y="0"/>
+                </a:moveTo>
+                <a:lnTo>
+                  <a:pt x="120000" y="0"/>
+                </a:lnTo>
+                <a:lnTo>
+                  <a:pt x="120000" y="120000"/>
+                </a:lnTo>
+                <a:lnTo>
+                  <a:pt x="0" y="120000"/>
+                </a:lnTo>
+                <a:close/>
+              </a:path>
+            </a:pathLst>
+          </a:custGeom>
+          <a:noFill/>
+          <a:ln w="9525" cap="flat" cmpd="sng">
+            <a:solidFill>
+              <a:srgbClr val="000000"/>
+            </a:solidFill>
+            <a:prstDash val="solid"/>
+            <a:round/>
+            <a:headEnd type="none" w="sm" len="sm"/>
+            <a:tailEnd type="none" w="sm" len="sm"/>
+          </a:ln>
+        </p:spPr>
+      </p:sp>
+    </p:spTree>
+    <p:extLst>
+      <p:ext uri="{BB962C8B-B14F-4D97-AF65-F5344CB8AC3E}">
+        <p14:creationId xmlns:p14="http://schemas.microsoft.com/office/powerpoint/2010/main" val="3278732681"/>
+      </p:ext>
+    </p:extLst>
+  </p:cSld>
+  <p:clrMapOvr>
+    <a:masterClrMapping/>
+  </p:clrMapOvr>
+</p:notes>
+</file>
+
+<file path=ppt/notesSlides/notesSlide5.xml><?xml version="1.0" encoding="utf-8"?>
+<p:notes xmlns:a="http://schemas.openxmlformats.org/drawingml/2006/main" xmlns:r="http://schemas.openxmlformats.org/officeDocument/2006/relationships" xmlns:p="http://schemas.openxmlformats.org/presentationml/2006/main" showMasterSp="0" showMasterPhAnim="0">
+  <p:cSld>
+    <p:spTree>
+      <p:nvGrpSpPr>
+        <p:cNvPr id="1" name="Shape 220"/>
+        <p:cNvGrpSpPr/>
+        <p:nvPr/>
+      </p:nvGrpSpPr>
+      <p:grpSpPr>
+        <a:xfrm>
+          <a:off x="0" y="0"/>
+          <a:ext cx="0" cy="0"/>
+          <a:chOff x="0" y="0"/>
+          <a:chExt cx="0" cy="0"/>
+        </a:xfrm>
+      </p:grpSpPr>
+      <p:sp>
+        <p:nvSpPr>
+          <p:cNvPr id="221" name="Google Shape;221;p22:notes"/>
+          <p:cNvSpPr txBox="1">
+            <a:spLocks noGrp="1"/>
+          </p:cNvSpPr>
+          <p:nvPr>
+            <p:ph type="body" idx="1"/>
+          </p:nvPr>
+        </p:nvSpPr>
+        <p:spPr>
+          <a:xfrm>
+            <a:off x="685800" y="4343400"/>
+            <a:ext cx="5486400" cy="4114800"/>
+          </a:xfrm>
+          <a:prstGeom prst="rect">
+            <a:avLst/>
+          </a:prstGeom>
+          <a:noFill/>
+          <a:ln>
+            <a:noFill/>
+          </a:ln>
+        </p:spPr>
+        <p:txBody>
+          <a:bodyPr spcFirstLastPara="1" wrap="square" lIns="91425" tIns="91425" rIns="91425" bIns="91425" anchor="t" anchorCtr="0">
+            <a:noAutofit/>
+          </a:bodyPr>
+          <a:lstStyle/>
+          <a:p>
+            <a:pPr marL="0" lvl="0" indent="0" algn="l" rtl="0">
+              <a:lnSpc>
+                <a:spcPct val="100000"/>
+              </a:lnSpc>
+              <a:spcBef>
+                <a:spcPts val="0"/>
+              </a:spcBef>
+              <a:spcAft>
+                <a:spcPts val="0"/>
+              </a:spcAft>
+              <a:buSzPts val="1100"/>
+              <a:buNone/>
+            </a:pPr>
+            <a:endParaRPr/>
+          </a:p>
+        </p:txBody>
+      </p:sp>
+      <p:sp>
+        <p:nvSpPr>
+          <p:cNvPr id="222" name="Google Shape;222;p22:notes"/>
+          <p:cNvSpPr>
+            <a:spLocks noGrp="1" noRot="1" noChangeAspect="1"/>
+          </p:cNvSpPr>
+          <p:nvPr>
+            <p:ph type="sldImg" idx="2"/>
+          </p:nvPr>
+        </p:nvSpPr>
+        <p:spPr>
+          <a:xfrm>
+            <a:off x="381000" y="685800"/>
+            <a:ext cx="6096000" cy="3429000"/>
+          </a:xfrm>
+          <a:custGeom>
+            <a:avLst/>
+            <a:gdLst/>
+            <a:ahLst/>
+            <a:cxnLst/>
+            <a:rect l="l" t="t" r="r" b="b"/>
+            <a:pathLst>
+              <a:path w="120000" h="120000" extrusionOk="0">
+                <a:moveTo>
+                  <a:pt x="0" y="0"/>
+                </a:moveTo>
+                <a:lnTo>
+                  <a:pt x="120000" y="0"/>
+                </a:lnTo>
+                <a:lnTo>
+                  <a:pt x="120000" y="120000"/>
+                </a:lnTo>
+                <a:lnTo>
+                  <a:pt x="0" y="120000"/>
+                </a:lnTo>
+                <a:close/>
+              </a:path>
+            </a:pathLst>
+          </a:custGeom>
+          <a:noFill/>
+          <a:ln w="9525" cap="flat" cmpd="sng">
+            <a:solidFill>
+              <a:srgbClr val="000000"/>
+            </a:solidFill>
+            <a:prstDash val="solid"/>
+            <a:round/>
+            <a:headEnd type="none" w="sm" len="sm"/>
+            <a:tailEnd type="none" w="sm" len="sm"/>
+          </a:ln>
+        </p:spPr>
+      </p:sp>
+    </p:spTree>
+    <p:extLst>
+      <p:ext uri="{BB962C8B-B14F-4D97-AF65-F5344CB8AC3E}">
+        <p14:creationId xmlns:p14="http://schemas.microsoft.com/office/powerpoint/2010/main" val="3459082711"/>
+      </p:ext>
+    </p:extLst>
+  </p:cSld>
+  <p:clrMapOvr>
+    <a:masterClrMapping/>
+  </p:clrMapOvr>
+</p:notes>
+</file>
+
+<file path=ppt/notesSlides/notesSlide6.xml><?xml version="1.0" encoding="utf-8"?>
+<p:notes xmlns:a="http://schemas.openxmlformats.org/drawingml/2006/main" xmlns:r="http://schemas.openxmlformats.org/officeDocument/2006/relationships" xmlns:p="http://schemas.openxmlformats.org/presentationml/2006/main" showMasterSp="0" showMasterPhAnim="0">
+  <p:cSld>
+    <p:spTree>
+      <p:nvGrpSpPr>
+        <p:cNvPr id="1" name="Shape 226"/>
+        <p:cNvGrpSpPr/>
+        <p:nvPr/>
+      </p:nvGrpSpPr>
+      <p:grpSpPr>
+        <a:xfrm>
+          <a:off x="0" y="0"/>
+          <a:ext cx="0" cy="0"/>
+          <a:chOff x="0" y="0"/>
+          <a:chExt cx="0" cy="0"/>
+        </a:xfrm>
+      </p:grpSpPr>
+      <p:sp>
+        <p:nvSpPr>
+          <p:cNvPr id="227" name="Google Shape;227;p23:notes"/>
+          <p:cNvSpPr txBox="1">
+            <a:spLocks noGrp="1"/>
+          </p:cNvSpPr>
+          <p:nvPr>
+            <p:ph type="body" idx="1"/>
+          </p:nvPr>
+        </p:nvSpPr>
+        <p:spPr>
+          <a:xfrm>
+            <a:off x="685800" y="4343400"/>
+            <a:ext cx="5486400" cy="4114800"/>
+          </a:xfrm>
+          <a:prstGeom prst="rect">
+            <a:avLst/>
+          </a:prstGeom>
+          <a:noFill/>
+          <a:ln>
+            <a:noFill/>
+          </a:ln>
+        </p:spPr>
+        <p:txBody>
+          <a:bodyPr spcFirstLastPara="1" wrap="square" lIns="91425" tIns="91425" rIns="91425" bIns="91425" anchor="t" anchorCtr="0">
+            <a:noAutofit/>
+          </a:bodyPr>
+          <a:lstStyle/>
+          <a:p>
+            <a:pPr marL="0" lvl="0" indent="0" algn="l" rtl="0">
+              <a:lnSpc>
+                <a:spcPct val="100000"/>
+              </a:lnSpc>
+              <a:spcBef>
+                <a:spcPts val="0"/>
+              </a:spcBef>
+              <a:spcAft>
+                <a:spcPts val="0"/>
+              </a:spcAft>
+              <a:buSzPts val="1100"/>
+              <a:buNone/>
+            </a:pPr>
+            <a:endParaRPr/>
+          </a:p>
+        </p:txBody>
+      </p:sp>
+      <p:sp>
+        <p:nvSpPr>
+          <p:cNvPr id="228" name="Google Shape;228;p23:notes"/>
+          <p:cNvSpPr>
+            <a:spLocks noGrp="1" noRot="1" noChangeAspect="1"/>
+          </p:cNvSpPr>
+          <p:nvPr>
+            <p:ph type="sldImg" idx="2"/>
+          </p:nvPr>
+        </p:nvSpPr>
+        <p:spPr>
+          <a:xfrm>
+            <a:off x="381000" y="685800"/>
+            <a:ext cx="6096000" cy="3429000"/>
+          </a:xfrm>
+          <a:custGeom>
+            <a:avLst/>
+            <a:gdLst/>
+            <a:ahLst/>
+            <a:cxnLst/>
+            <a:rect l="l" t="t" r="r" b="b"/>
+            <a:pathLst>
+              <a:path w="120000" h="120000" extrusionOk="0">
+                <a:moveTo>
+                  <a:pt x="0" y="0"/>
+                </a:moveTo>
+                <a:lnTo>
+                  <a:pt x="120000" y="0"/>
+                </a:lnTo>
+                <a:lnTo>
+                  <a:pt x="120000" y="120000"/>
+                </a:lnTo>
+                <a:lnTo>
+                  <a:pt x="0" y="120000"/>
+                </a:lnTo>
+                <a:close/>
+              </a:path>
+            </a:pathLst>
+          </a:custGeom>
+          <a:noFill/>
+          <a:ln w="9525" cap="flat" cmpd="sng">
+            <a:solidFill>
+              <a:srgbClr val="000000"/>
+            </a:solidFill>
+            <a:prstDash val="solid"/>
+            <a:round/>
+            <a:headEnd type="none" w="sm" len="sm"/>
+            <a:tailEnd type="none" w="sm" len="sm"/>
+          </a:ln>
+        </p:spPr>
+      </p:sp>
+    </p:spTree>
+    <p:extLst>
+      <p:ext uri="{BB962C8B-B14F-4D97-AF65-F5344CB8AC3E}">
+        <p14:creationId xmlns:p14="http://schemas.microsoft.com/office/powerpoint/2010/main" val="315760868"/>
+      </p:ext>
+    </p:extLst>
+  </p:cSld>
+  <p:clrMapOvr>
+    <a:masterClrMapping/>
+  </p:clrMapOvr>
+</p:notes>
+</file>
+
+<file path=ppt/notesSlides/notesSlide7.xml><?xml version="1.0" encoding="utf-8"?>
+<p:notes xmlns:a="http://schemas.openxmlformats.org/drawingml/2006/main" xmlns:r="http://schemas.openxmlformats.org/officeDocument/2006/relationships" xmlns:p="http://schemas.openxmlformats.org/presentationml/2006/main" showMasterSp="0" showMasterPhAnim="0">
+  <p:cSld>
+    <p:spTree>
+      <p:nvGrpSpPr>
+        <p:cNvPr id="1" name="Shape 296"/>
+        <p:cNvGrpSpPr/>
+        <p:nvPr/>
+      </p:nvGrpSpPr>
+      <p:grpSpPr>
+        <a:xfrm>
+          <a:off x="0" y="0"/>
+          <a:ext cx="0" cy="0"/>
+          <a:chOff x="0" y="0"/>
+          <a:chExt cx="0" cy="0"/>
+        </a:xfrm>
+      </p:grpSpPr>
+      <p:sp>
+        <p:nvSpPr>
+          <p:cNvPr id="297" name="Google Shape;297;p33:notes"/>
+          <p:cNvSpPr txBox="1">
+            <a:spLocks noGrp="1"/>
+          </p:cNvSpPr>
+          <p:nvPr>
+            <p:ph type="body" idx="1"/>
+          </p:nvPr>
+        </p:nvSpPr>
+        <p:spPr>
+          <a:xfrm>
+            <a:off x="685800" y="4343400"/>
+            <a:ext cx="5486400" cy="4114800"/>
+          </a:xfrm>
+          <a:prstGeom prst="rect">
+            <a:avLst/>
+          </a:prstGeom>
+          <a:noFill/>
+          <a:ln>
+            <a:noFill/>
+          </a:ln>
+        </p:spPr>
+        <p:txBody>
+          <a:bodyPr spcFirstLastPara="1" wrap="square" lIns="91425" tIns="91425" rIns="91425" bIns="91425" anchor="t" anchorCtr="0">
+            <a:noAutofit/>
+          </a:bodyPr>
+          <a:lstStyle/>
+          <a:p>
+            <a:pPr marL="0" lvl="0" indent="0" algn="l" rtl="0">
+              <a:lnSpc>
+                <a:spcPct val="100000"/>
+              </a:lnSpc>
+              <a:spcBef>
+                <a:spcPts val="0"/>
+              </a:spcBef>
+              <a:spcAft>
+                <a:spcPts val="0"/>
+              </a:spcAft>
+              <a:buSzPts val="1100"/>
+              <a:buNone/>
+            </a:pPr>
+            <a:endParaRPr/>
+          </a:p>
+        </p:txBody>
+      </p:sp>
+      <p:sp>
+        <p:nvSpPr>
+          <p:cNvPr id="298" name="Google Shape;298;p33:notes"/>
+          <p:cNvSpPr>
+            <a:spLocks noGrp="1" noRot="1" noChangeAspect="1"/>
+          </p:cNvSpPr>
+          <p:nvPr>
+            <p:ph type="sldImg" idx="2"/>
+          </p:nvPr>
+        </p:nvSpPr>
+        <p:spPr>
+          <a:xfrm>
+            <a:off x="381000" y="685800"/>
+            <a:ext cx="6096000" cy="3429000"/>
+          </a:xfrm>
+          <a:custGeom>
+            <a:avLst/>
+            <a:gdLst/>
+            <a:ahLst/>
+            <a:cxnLst/>
+            <a:rect l="l" t="t" r="r" b="b"/>
+            <a:pathLst>
+              <a:path w="120000" h="120000" extrusionOk="0">
+                <a:moveTo>
+                  <a:pt x="0" y="0"/>
+                </a:moveTo>
+                <a:lnTo>
+                  <a:pt x="120000" y="0"/>
+                </a:lnTo>
+                <a:lnTo>
+                  <a:pt x="120000" y="120000"/>
+                </a:lnTo>
+                <a:lnTo>
+                  <a:pt x="0" y="120000"/>
+                </a:lnTo>
+                <a:close/>
+              </a:path>
+            </a:pathLst>
+          </a:custGeom>
+          <a:noFill/>
+          <a:ln w="9525" cap="flat" cmpd="sng">
+            <a:solidFill>
+              <a:srgbClr val="000000"/>
+            </a:solidFill>
+            <a:prstDash val="solid"/>
+            <a:round/>
+            <a:headEnd type="none" w="sm" len="sm"/>
+            <a:tailEnd type="none" w="sm" len="sm"/>
+          </a:ln>
+        </p:spPr>
+      </p:sp>
+    </p:spTree>
+    <p:extLst>
+      <p:ext uri="{BB962C8B-B14F-4D97-AF65-F5344CB8AC3E}">
+        <p14:creationId xmlns:p14="http://schemas.microsoft.com/office/powerpoint/2010/main" val="1544178606"/>
+      </p:ext>
+    </p:extLst>
+  </p:cSld>
+  <p:clrMapOvr>
+    <a:masterClrMapping/>
+  </p:clrMapOvr>
+</p:notes>
+</file>
+
+<file path=ppt/notesSlides/notesSlide8.xml><?xml version="1.0" encoding="utf-8"?>
+<p:notes xmlns:a="http://schemas.openxmlformats.org/drawingml/2006/main" xmlns:r="http://schemas.openxmlformats.org/officeDocument/2006/relationships" xmlns:p="http://schemas.openxmlformats.org/presentationml/2006/main" showMasterSp="0" showMasterPhAnim="0">
+  <p:cSld>
+    <p:spTree>
+      <p:nvGrpSpPr>
+        <p:cNvPr id="1" name="Shape 316"/>
+        <p:cNvGrpSpPr/>
+        <p:nvPr/>
+      </p:nvGrpSpPr>
+      <p:grpSpPr>
+        <a:xfrm>
+          <a:off x="0" y="0"/>
+          <a:ext cx="0" cy="0"/>
+          <a:chOff x="0" y="0"/>
+          <a:chExt cx="0" cy="0"/>
+        </a:xfrm>
+      </p:grpSpPr>
+      <p:sp>
+        <p:nvSpPr>
+          <p:cNvPr id="317" name="Google Shape;317;p36:notes"/>
+          <p:cNvSpPr txBox="1">
+            <a:spLocks noGrp="1"/>
+          </p:cNvSpPr>
+          <p:nvPr>
+            <p:ph type="body" idx="1"/>
+          </p:nvPr>
+        </p:nvSpPr>
+        <p:spPr>
+          <a:xfrm>
+            <a:off x="685800" y="4343400"/>
+            <a:ext cx="5486400" cy="4114800"/>
+          </a:xfrm>
+          <a:prstGeom prst="rect">
+            <a:avLst/>
+          </a:prstGeom>
+          <a:noFill/>
+          <a:ln>
+            <a:noFill/>
+          </a:ln>
+        </p:spPr>
+        <p:txBody>
+          <a:bodyPr spcFirstLastPara="1" wrap="square" lIns="91425" tIns="91425" rIns="91425" bIns="91425" anchor="t" anchorCtr="0">
+            <a:noAutofit/>
+          </a:bodyPr>
+          <a:lstStyle/>
+          <a:p>
+            <a:pPr marL="0" lvl="0" indent="0" algn="l" rtl="0">
+              <a:lnSpc>
+                <a:spcPct val="100000"/>
+              </a:lnSpc>
+              <a:spcBef>
+                <a:spcPts val="0"/>
+              </a:spcBef>
+              <a:spcAft>
+                <a:spcPts val="0"/>
+              </a:spcAft>
+              <a:buSzPts val="1100"/>
+              <a:buNone/>
+            </a:pPr>
+            <a:endParaRPr/>
+          </a:p>
+        </p:txBody>
+      </p:sp>
+      <p:sp>
+        <p:nvSpPr>
+          <p:cNvPr id="318" name="Google Shape;318;p36:notes"/>
+          <p:cNvSpPr>
+            <a:spLocks noGrp="1" noRot="1" noChangeAspect="1"/>
+          </p:cNvSpPr>
+          <p:nvPr>
+            <p:ph type="sldImg" idx="2"/>
+          </p:nvPr>
+        </p:nvSpPr>
+        <p:spPr>
+          <a:xfrm>
+            <a:off x="381000" y="685800"/>
+            <a:ext cx="6096000" cy="3429000"/>
+          </a:xfrm>
+          <a:custGeom>
+            <a:avLst/>
+            <a:gdLst/>
+            <a:ahLst/>
+            <a:cxnLst/>
+            <a:rect l="l" t="t" r="r" b="b"/>
+            <a:pathLst>
+              <a:path w="120000" h="120000" extrusionOk="0">
+                <a:moveTo>
+                  <a:pt x="0" y="0"/>
+                </a:moveTo>
+                <a:lnTo>
+                  <a:pt x="120000" y="0"/>
+                </a:lnTo>
+                <a:lnTo>
+                  <a:pt x="120000" y="120000"/>
+                </a:lnTo>
+                <a:lnTo>
+                  <a:pt x="0" y="120000"/>
+                </a:lnTo>
+                <a:close/>
+              </a:path>
+            </a:pathLst>
+          </a:custGeom>
+          <a:noFill/>
+          <a:ln w="9525" cap="flat" cmpd="sng">
+            <a:solidFill>
+              <a:srgbClr val="000000"/>
+            </a:solidFill>
+            <a:prstDash val="solid"/>
+            <a:round/>
+            <a:headEnd type="none" w="sm" len="sm"/>
+            <a:tailEnd type="none" w="sm" len="sm"/>
+          </a:ln>
+        </p:spPr>
+      </p:sp>
+    </p:spTree>
+    <p:extLst>
+      <p:ext uri="{BB962C8B-B14F-4D97-AF65-F5344CB8AC3E}">
+        <p14:creationId xmlns:p14="http://schemas.microsoft.com/office/powerpoint/2010/main" val="1467927979"/>
+      </p:ext>
+    </p:extLst>
+  </p:cSld>
+  <p:clrMapOvr>
+    <a:masterClrMapping/>
+  </p:clrMapOvr>
+</p:notes>
+</file>
+
+<file path=ppt/notesSlides/notesSlide9.xml><?xml version="1.0" encoding="utf-8"?>
+<p:notes xmlns:a="http://schemas.openxmlformats.org/drawingml/2006/main" xmlns:r="http://schemas.openxmlformats.org/officeDocument/2006/relationships" xmlns:p="http://schemas.openxmlformats.org/presentationml/2006/main" showMasterSp="0" showMasterPhAnim="0">
+  <p:cSld>
+    <p:spTree>
+      <p:nvGrpSpPr>
+        <p:cNvPr id="1" name="Shape 348"/>
+        <p:cNvGrpSpPr/>
+        <p:nvPr/>
+      </p:nvGrpSpPr>
+      <p:grpSpPr>
+        <a:xfrm>
+          <a:off x="0" y="0"/>
+          <a:ext cx="0" cy="0"/>
+          <a:chOff x="0" y="0"/>
+          <a:chExt cx="0" cy="0"/>
+        </a:xfrm>
+      </p:grpSpPr>
+      <p:sp>
+        <p:nvSpPr>
+          <p:cNvPr id="349" name="Google Shape;349;p41:notes"/>
+          <p:cNvSpPr txBox="1">
+            <a:spLocks noGrp="1"/>
+          </p:cNvSpPr>
+          <p:nvPr>
+            <p:ph type="body" idx="1"/>
+          </p:nvPr>
+        </p:nvSpPr>
+        <p:spPr>
+          <a:xfrm>
+            <a:off x="685800" y="4343400"/>
+            <a:ext cx="5486400" cy="4114800"/>
+          </a:xfrm>
+          <a:prstGeom prst="rect">
+            <a:avLst/>
+          </a:prstGeom>
+          <a:noFill/>
+          <a:ln>
+            <a:noFill/>
+          </a:ln>
+        </p:spPr>
+        <p:txBody>
+          <a:bodyPr spcFirstLastPara="1" wrap="square" lIns="91425" tIns="91425" rIns="91425" bIns="91425" anchor="t" anchorCtr="0">
+            <a:noAutofit/>
+          </a:bodyPr>
+          <a:lstStyle/>
+          <a:p>
+            <a:pPr marL="0" lvl="0" indent="0" algn="l" rtl="0">
+              <a:lnSpc>
+                <a:spcPct val="100000"/>
+              </a:lnSpc>
+              <a:spcBef>
+                <a:spcPts val="0"/>
+              </a:spcBef>
+              <a:spcAft>
+                <a:spcPts val="0"/>
+              </a:spcAft>
+              <a:buSzPts val="1100"/>
+              <a:buNone/>
+            </a:pPr>
+            <a:endParaRPr/>
+          </a:p>
+        </p:txBody>
+      </p:sp>
+      <p:sp>
+        <p:nvSpPr>
+          <p:cNvPr id="350" name="Google Shape;350;p41:notes"/>
+          <p:cNvSpPr>
+            <a:spLocks noGrp="1" noRot="1" noChangeAspect="1"/>
+          </p:cNvSpPr>
+          <p:nvPr>
+            <p:ph type="sldImg" idx="2"/>
+          </p:nvPr>
+        </p:nvSpPr>
+        <p:spPr>
+          <a:xfrm>
+            <a:off x="381000" y="685800"/>
+            <a:ext cx="6096000" cy="3429000"/>
+          </a:xfrm>
+          <a:custGeom>
+            <a:avLst/>
+            <a:gdLst/>
+            <a:ahLst/>
+            <a:cxnLst/>
+            <a:rect l="l" t="t" r="r" b="b"/>
+            <a:pathLst>
+              <a:path w="120000" h="120000" extrusionOk="0">
+                <a:moveTo>
+                  <a:pt x="0" y="0"/>
+                </a:moveTo>
+                <a:lnTo>
+                  <a:pt x="120000" y="0"/>
+                </a:lnTo>
+                <a:lnTo>
+                  <a:pt x="120000" y="120000"/>
+                </a:lnTo>
+                <a:lnTo>
+                  <a:pt x="0" y="120000"/>
+                </a:lnTo>
+                <a:close/>
+              </a:path>
+            </a:pathLst>
+          </a:custGeom>
+          <a:noFill/>
+          <a:ln w="9525" cap="flat" cmpd="sng">
+            <a:solidFill>
+              <a:srgbClr val="000000"/>
+            </a:solidFill>
+            <a:prstDash val="solid"/>
+            <a:round/>
+            <a:headEnd type="none" w="sm" len="sm"/>
+            <a:tailEnd type="none" w="sm" len="sm"/>
+          </a:ln>
+        </p:spPr>
+      </p:sp>
+    </p:spTree>
+    <p:extLst>
+      <p:ext uri="{BB962C8B-B14F-4D97-AF65-F5344CB8AC3E}">
+        <p14:creationId xmlns:p14="http://schemas.microsoft.com/office/powerpoint/2010/main" val="1340746511"/>
       </p:ext>
     </p:extLst>
   </p:cSld>
@@ -14255,17 +15549,13 @@
             </a:pPr>
             <a:r>
               <a:rPr lang="en-US" dirty="0"/>
-              <a:t>Java </a:t>
-            </a:r>
-            <a:r>
-              <a:rPr lang="en-US" dirty="0" smtClean="0"/>
-              <a:t>Core</a:t>
+              <a:t>Java Core</a:t>
             </a:r>
             <a:br>
-              <a:rPr lang="en-US" dirty="0" smtClean="0"/>
+              <a:rPr lang="en-US" dirty="0"/>
             </a:br>
             <a:r>
-              <a:rPr lang="en-US" dirty="0" smtClean="0"/>
+              <a:rPr lang="en-US" dirty="0"/>
               <a:t>DAO, DTO</a:t>
             </a:r>
             <a:endParaRPr dirty="0"/>
@@ -14319,13 +15609,6 @@
   <p:clrMapOvr>
     <a:masterClrMapping/>
   </p:clrMapOvr>
-  <p:timing>
-    <p:tnLst>
-      <p:par>
-        <p:cTn id="1" dur="indefinite" restart="never" nodeType="tmRoot"/>
-      </p:par>
-    </p:tnLst>
-  </p:timing>
 </p:sld>
 </file>
 
@@ -14446,13 +15729,6 @@
   <p:clrMapOvr>
     <a:masterClrMapping/>
   </p:clrMapOvr>
-  <p:timing>
-    <p:tnLst>
-      <p:par>
-        <p:cTn id="1" dur="indefinite" restart="never" nodeType="tmRoot"/>
-      </p:par>
-    </p:tnLst>
-  </p:timing>
 </p:sld>
 </file>
 
@@ -14551,13 +15827,6 @@
   <p:clrMapOvr>
     <a:masterClrMapping/>
   </p:clrMapOvr>
-  <p:timing>
-    <p:tnLst>
-      <p:par>
-        <p:cTn id="1" dur="indefinite" restart="never" nodeType="tmRoot"/>
-      </p:par>
-    </p:tnLst>
-  </p:timing>
 </p:sld>
 </file>
 
@@ -14717,13 +15986,6 @@
   <p:clrMapOvr>
     <a:masterClrMapping/>
   </p:clrMapOvr>
-  <p:timing>
-    <p:tnLst>
-      <p:par>
-        <p:cTn id="1" dur="indefinite" restart="never" nodeType="tmRoot"/>
-      </p:par>
-    </p:tnLst>
-  </p:timing>
 </p:sld>
 </file>
 
@@ -14785,14 +16047,14 @@
           <a:lstStyle/>
           <a:p>
             <a:r>
-              <a:rPr lang="vi-VN" sz="2000" dirty="0" smtClean="0"/>
+              <a:rPr lang="vi-VN" sz="2000" dirty="0"/>
               <a:t>Từ khóa </a:t>
             </a:r>
             <a:r>
-              <a:rPr lang="en-US" sz="2000" dirty="0" smtClean="0"/>
+              <a:rPr lang="en-US" sz="2000" dirty="0"/>
               <a:t>final</a:t>
             </a:r>
-            <a:endParaRPr lang="vi-VN" sz="2000" dirty="0" smtClean="0"/>
+            <a:endParaRPr lang="vi-VN" sz="2000" dirty="0"/>
           </a:p>
           <a:p>
             <a:pPr lvl="1"/>
@@ -14842,14 +16104,7 @@
                 <a:latin typeface="Cambria" panose="02040503050406030204" pitchFamily="18" charset="0"/>
                 <a:ea typeface="Cambria" panose="02040503050406030204" pitchFamily="18" charset="0"/>
               </a:rPr>
-              <a:t> bạn không thể kế thừa lớp final</a:t>
-            </a:r>
-            <a:r>
-              <a:rPr lang="vi-VN" dirty="0" smtClean="0">
-                <a:latin typeface="Cambria" panose="02040503050406030204" pitchFamily="18" charset="0"/>
-                <a:ea typeface="Cambria" panose="02040503050406030204" pitchFamily="18" charset="0"/>
-              </a:rPr>
-              <a:t>.</a:t>
+              <a:t> bạn không thể kế thừa lớp final.</a:t>
             </a:r>
             <a:endParaRPr lang="en-US" sz="1700" dirty="0">
               <a:latin typeface="Cambria" panose="02040503050406030204" pitchFamily="18" charset="0"/>
@@ -14943,13 +16198,6 @@
   <p:clrMapOvr>
     <a:masterClrMapping/>
   </p:clrMapOvr>
-  <p:timing>
-    <p:tnLst>
-      <p:par>
-        <p:cTn id="1" dur="indefinite" restart="never" nodeType="tmRoot"/>
-      </p:par>
-    </p:tnLst>
-  </p:timing>
 </p:sld>
 </file>
 
@@ -15058,13 +16306,6 @@
   <p:clrMapOvr>
     <a:masterClrMapping/>
   </p:clrMapOvr>
-  <p:timing>
-    <p:tnLst>
-      <p:par>
-        <p:cTn id="1" dur="indefinite" restart="never" nodeType="tmRoot"/>
-      </p:par>
-    </p:tnLst>
-  </p:timing>
 </p:sld>
 </file>
 
@@ -15202,13 +16443,6 @@
   <p:clrMapOvr>
     <a:masterClrMapping/>
   </p:clrMapOvr>
-  <p:timing>
-    <p:tnLst>
-      <p:par>
-        <p:cTn id="1" dur="indefinite" restart="never" nodeType="tmRoot"/>
-      </p:par>
-    </p:tnLst>
-  </p:timing>
 </p:sld>
 </file>
 
@@ -15398,17 +16632,6 @@
             <a:pPr marL="571500" lvl="1" indent="0">
               <a:buNone/>
             </a:pPr>
-            <a:r>
-              <a:rPr lang="en-US" dirty="0">
-                <a:solidFill>
-                  <a:schemeClr val="tx1"/>
-                </a:solidFill>
-                <a:latin typeface="Cambria" panose="02040503050406030204" pitchFamily="18" charset="0"/>
-                <a:ea typeface="Cambria" panose="02040503050406030204" pitchFamily="18" charset="0"/>
-                <a:cs typeface="Tahoma" pitchFamily="34" charset="0"/>
-              </a:rPr>
-              <a:t/>
-            </a:r>
             <a:br>
               <a:rPr lang="en-US" dirty="0">
                 <a:solidFill>
@@ -15473,13 +16696,6 @@
   <p:clrMapOvr>
     <a:masterClrMapping/>
   </p:clrMapOvr>
-  <p:timing>
-    <p:tnLst>
-      <p:par>
-        <p:cTn id="1" dur="indefinite" restart="never" nodeType="tmRoot"/>
-      </p:par>
-    </p:tnLst>
-  </p:timing>
 </p:sld>
 </file>
 
@@ -15617,17 +16833,356 @@
   <p:clrMapOvr>
     <a:masterClrMapping/>
   </p:clrMapOvr>
-  <p:timing>
-    <p:tnLst>
-      <p:par>
-        <p:cTn id="1" dur="indefinite" restart="never" nodeType="tmRoot"/>
-      </p:par>
-    </p:tnLst>
-  </p:timing>
 </p:sld>
 </file>
 
 <file path=ppt/slides/slide18.xml><?xml version="1.0" encoding="utf-8"?>
+<p:sld xmlns:a="http://schemas.openxmlformats.org/drawingml/2006/main" xmlns:r="http://schemas.openxmlformats.org/officeDocument/2006/relationships" xmlns:p="http://schemas.openxmlformats.org/presentationml/2006/main">
+  <p:cSld>
+    <p:spTree>
+      <p:nvGrpSpPr>
+        <p:cNvPr id="1" name="Shape 202"/>
+        <p:cNvGrpSpPr/>
+        <p:nvPr/>
+      </p:nvGrpSpPr>
+      <p:grpSpPr>
+        <a:xfrm>
+          <a:off x="0" y="0"/>
+          <a:ext cx="0" cy="0"/>
+          <a:chOff x="0" y="0"/>
+          <a:chExt cx="0" cy="0"/>
+        </a:xfrm>
+      </p:grpSpPr>
+      <p:sp>
+        <p:nvSpPr>
+          <p:cNvPr id="203" name="Google Shape;203;p19"/>
+          <p:cNvSpPr txBox="1">
+            <a:spLocks noGrp="1"/>
+          </p:cNvSpPr>
+          <p:nvPr>
+            <p:ph type="title"/>
+          </p:nvPr>
+        </p:nvSpPr>
+        <p:spPr>
+          <a:xfrm>
+            <a:off x="1676400" y="273844"/>
+            <a:ext cx="6934200" cy="640200"/>
+          </a:xfrm>
+          <a:prstGeom prst="rect">
+            <a:avLst/>
+          </a:prstGeom>
+          <a:noFill/>
+          <a:ln>
+            <a:noFill/>
+          </a:ln>
+        </p:spPr>
+        <p:txBody>
+          <a:bodyPr spcFirstLastPara="1" wrap="square" lIns="68575" tIns="68575" rIns="68575" bIns="68575" anchor="ctr" anchorCtr="0">
+            <a:noAutofit/>
+          </a:bodyPr>
+          <a:lstStyle/>
+          <a:p>
+            <a:pPr marL="0" marR="0" lvl="0" indent="0" algn="r" rtl="0">
+              <a:lnSpc>
+                <a:spcPct val="90000"/>
+              </a:lnSpc>
+              <a:spcBef>
+                <a:spcPts val="0"/>
+              </a:spcBef>
+              <a:spcAft>
+                <a:spcPts val="0"/>
+              </a:spcAft>
+              <a:buClr>
+                <a:schemeClr val="dk1"/>
+              </a:buClr>
+              <a:buSzPts val="1100"/>
+              <a:buFont typeface="Calibri"/>
+              <a:buNone/>
+            </a:pPr>
+            <a:r>
+              <a:rPr lang="en-US" sz="3200" b="1"/>
+              <a:t>Toán tử</a:t>
+            </a:r>
+            <a:endParaRPr sz="3200" b="1"/>
+          </a:p>
+        </p:txBody>
+      </p:sp>
+      <p:sp>
+        <p:nvSpPr>
+          <p:cNvPr id="204" name="Google Shape;204;p19"/>
+          <p:cNvSpPr txBox="1">
+            <a:spLocks noGrp="1"/>
+          </p:cNvSpPr>
+          <p:nvPr>
+            <p:ph type="body" idx="1"/>
+          </p:nvPr>
+        </p:nvSpPr>
+        <p:spPr>
+          <a:xfrm>
+            <a:off x="628650" y="1369219"/>
+            <a:ext cx="7886700" cy="3263400"/>
+          </a:xfrm>
+          <a:prstGeom prst="rect">
+            <a:avLst/>
+          </a:prstGeom>
+          <a:noFill/>
+          <a:ln>
+            <a:noFill/>
+          </a:ln>
+        </p:spPr>
+        <p:txBody>
+          <a:bodyPr spcFirstLastPara="1" wrap="square" lIns="68575" tIns="68575" rIns="68575" bIns="68575" anchor="t" anchorCtr="0">
+            <a:noAutofit/>
+          </a:bodyPr>
+          <a:lstStyle/>
+          <a:p>
+            <a:pPr marL="457200" marR="0" lvl="0" indent="-361950" algn="l" rtl="0">
+              <a:lnSpc>
+                <a:spcPct val="90000"/>
+              </a:lnSpc>
+              <a:spcBef>
+                <a:spcPts val="800"/>
+              </a:spcBef>
+              <a:spcAft>
+                <a:spcPts val="0"/>
+              </a:spcAft>
+              <a:buClr>
+                <a:schemeClr val="dk1"/>
+              </a:buClr>
+              <a:buSzPts val="2100"/>
+              <a:buFont typeface="Arial"/>
+              <a:buChar char="•"/>
+            </a:pPr>
+            <a:r>
+              <a:rPr lang="en-US" sz="2000">
+                <a:solidFill>
+                  <a:schemeClr val="dk1"/>
+                </a:solidFill>
+                <a:latin typeface="Cambria"/>
+                <a:ea typeface="Cambria"/>
+                <a:cs typeface="Cambria"/>
+                <a:sym typeface="Cambria"/>
+              </a:rPr>
+              <a:t>Java cung cấp các loại toán tử sau để thao tác với biến</a:t>
+            </a:r>
+            <a:endParaRPr sz="2000">
+              <a:solidFill>
+                <a:schemeClr val="dk1"/>
+              </a:solidFill>
+              <a:latin typeface="Cambria"/>
+              <a:ea typeface="Cambria"/>
+              <a:cs typeface="Cambria"/>
+              <a:sym typeface="Cambria"/>
+            </a:endParaRPr>
+          </a:p>
+          <a:p>
+            <a:pPr marL="914400" lvl="1" indent="-342900" algn="l" rtl="0">
+              <a:lnSpc>
+                <a:spcPct val="90000"/>
+              </a:lnSpc>
+              <a:spcBef>
+                <a:spcPts val="400"/>
+              </a:spcBef>
+              <a:spcAft>
+                <a:spcPts val="0"/>
+              </a:spcAft>
+              <a:buSzPts val="1800"/>
+              <a:buChar char="•"/>
+            </a:pPr>
+            <a:r>
+              <a:rPr lang="en-US">
+                <a:solidFill>
+                  <a:schemeClr val="dk1"/>
+                </a:solidFill>
+                <a:latin typeface="Cambria"/>
+                <a:ea typeface="Cambria"/>
+                <a:cs typeface="Cambria"/>
+                <a:sym typeface="Cambria"/>
+              </a:rPr>
+              <a:t>Arithmetic Operators</a:t>
+            </a:r>
+            <a:endParaRPr/>
+          </a:p>
+          <a:p>
+            <a:pPr marL="914400" lvl="1" indent="-342900" algn="l" rtl="0">
+              <a:lnSpc>
+                <a:spcPct val="90000"/>
+              </a:lnSpc>
+              <a:spcBef>
+                <a:spcPts val="400"/>
+              </a:spcBef>
+              <a:spcAft>
+                <a:spcPts val="0"/>
+              </a:spcAft>
+              <a:buSzPts val="1800"/>
+              <a:buChar char="•"/>
+            </a:pPr>
+            <a:r>
+              <a:rPr lang="en-US">
+                <a:solidFill>
+                  <a:schemeClr val="dk1"/>
+                </a:solidFill>
+                <a:latin typeface="Cambria"/>
+                <a:ea typeface="Cambria"/>
+                <a:cs typeface="Cambria"/>
+                <a:sym typeface="Cambria"/>
+              </a:rPr>
+              <a:t>Relational Operators</a:t>
+            </a:r>
+            <a:endParaRPr/>
+          </a:p>
+          <a:p>
+            <a:pPr marL="914400" lvl="1" indent="-342900" algn="l" rtl="0">
+              <a:lnSpc>
+                <a:spcPct val="90000"/>
+              </a:lnSpc>
+              <a:spcBef>
+                <a:spcPts val="400"/>
+              </a:spcBef>
+              <a:spcAft>
+                <a:spcPts val="0"/>
+              </a:spcAft>
+              <a:buSzPts val="1800"/>
+              <a:buChar char="•"/>
+            </a:pPr>
+            <a:r>
+              <a:rPr lang="en-US">
+                <a:solidFill>
+                  <a:schemeClr val="dk1"/>
+                </a:solidFill>
+                <a:latin typeface="Cambria"/>
+                <a:ea typeface="Cambria"/>
+                <a:cs typeface="Cambria"/>
+                <a:sym typeface="Cambria"/>
+              </a:rPr>
+              <a:t>Bitwise Operators</a:t>
+            </a:r>
+            <a:endParaRPr/>
+          </a:p>
+          <a:p>
+            <a:pPr marL="914400" lvl="1" indent="-342900" algn="l" rtl="0">
+              <a:lnSpc>
+                <a:spcPct val="90000"/>
+              </a:lnSpc>
+              <a:spcBef>
+                <a:spcPts val="400"/>
+              </a:spcBef>
+              <a:spcAft>
+                <a:spcPts val="0"/>
+              </a:spcAft>
+              <a:buSzPts val="1800"/>
+              <a:buChar char="•"/>
+            </a:pPr>
+            <a:r>
+              <a:rPr lang="en-US">
+                <a:solidFill>
+                  <a:schemeClr val="dk1"/>
+                </a:solidFill>
+                <a:latin typeface="Cambria"/>
+                <a:ea typeface="Cambria"/>
+                <a:cs typeface="Cambria"/>
+                <a:sym typeface="Cambria"/>
+              </a:rPr>
+              <a:t>Logical Operators</a:t>
+            </a:r>
+            <a:endParaRPr/>
+          </a:p>
+          <a:p>
+            <a:pPr marL="914400" lvl="1" indent="-342900" algn="l" rtl="0">
+              <a:lnSpc>
+                <a:spcPct val="90000"/>
+              </a:lnSpc>
+              <a:spcBef>
+                <a:spcPts val="400"/>
+              </a:spcBef>
+              <a:spcAft>
+                <a:spcPts val="0"/>
+              </a:spcAft>
+              <a:buSzPts val="1800"/>
+              <a:buChar char="•"/>
+            </a:pPr>
+            <a:r>
+              <a:rPr lang="en-US">
+                <a:solidFill>
+                  <a:schemeClr val="dk1"/>
+                </a:solidFill>
+                <a:latin typeface="Cambria"/>
+                <a:ea typeface="Cambria"/>
+                <a:cs typeface="Cambria"/>
+                <a:sym typeface="Cambria"/>
+              </a:rPr>
+              <a:t>Assignment Operators</a:t>
+            </a:r>
+            <a:endParaRPr/>
+          </a:p>
+          <a:p>
+            <a:pPr marL="914400" lvl="1" indent="-342900" algn="l" rtl="0">
+              <a:lnSpc>
+                <a:spcPct val="90000"/>
+              </a:lnSpc>
+              <a:spcBef>
+                <a:spcPts val="400"/>
+              </a:spcBef>
+              <a:spcAft>
+                <a:spcPts val="0"/>
+              </a:spcAft>
+              <a:buSzPts val="1800"/>
+              <a:buChar char="•"/>
+            </a:pPr>
+            <a:r>
+              <a:rPr lang="en-US">
+                <a:solidFill>
+                  <a:schemeClr val="dk1"/>
+                </a:solidFill>
+                <a:latin typeface="Cambria"/>
+                <a:ea typeface="Cambria"/>
+                <a:cs typeface="Cambria"/>
+                <a:sym typeface="Cambria"/>
+              </a:rPr>
+              <a:t>Misc Operators</a:t>
+            </a:r>
+            <a:endParaRPr/>
+          </a:p>
+          <a:p>
+            <a:pPr marL="457200" marR="0" lvl="0" indent="-361950" algn="l" rtl="0">
+              <a:lnSpc>
+                <a:spcPct val="90000"/>
+              </a:lnSpc>
+              <a:spcBef>
+                <a:spcPts val="800"/>
+              </a:spcBef>
+              <a:spcAft>
+                <a:spcPts val="0"/>
+              </a:spcAft>
+              <a:buClr>
+                <a:schemeClr val="dk1"/>
+              </a:buClr>
+              <a:buSzPts val="2100"/>
+              <a:buFont typeface="Arial"/>
+              <a:buChar char="•"/>
+            </a:pPr>
+            <a:r>
+              <a:rPr lang="en-US" sz="2000" u="sng">
+                <a:solidFill>
+                  <a:schemeClr val="hlink"/>
+                </a:solidFill>
+                <a:hlinkClick r:id="rId3"/>
+              </a:rPr>
+              <a:t>https://www.w3schools.com/java/java_operators.asp</a:t>
+            </a:r>
+            <a:endParaRPr sz="2000"/>
+          </a:p>
+        </p:txBody>
+      </p:sp>
+    </p:spTree>
+  </p:cSld>
+  <p:clrMapOvr>
+    <a:masterClrMapping/>
+  </p:clrMapOvr>
+</p:sld>
+</file>
+
+<file path=ppt/slides/slide19.xml><?xml version="1.0" encoding="utf-8"?>
 <p:sld xmlns:a="http://schemas.openxmlformats.org/drawingml/2006/main" xmlns:r="http://schemas.openxmlformats.org/officeDocument/2006/relationships" xmlns:p="http://schemas.openxmlformats.org/presentationml/2006/main">
   <p:cSld>
     <p:spTree>
@@ -15816,17 +17371,128 @@
   <p:clrMapOvr>
     <a:masterClrMapping/>
   </p:clrMapOvr>
-  <p:timing>
-    <p:tnLst>
-      <p:par>
-        <p:cTn id="1" dur="indefinite" restart="never" nodeType="tmRoot"/>
-      </p:par>
-    </p:tnLst>
-  </p:timing>
 </p:sld>
 </file>
 
-<file path=ppt/slides/slide19.xml><?xml version="1.0" encoding="utf-8"?>
+<file path=ppt/slides/slide2.xml><?xml version="1.0" encoding="utf-8"?>
+<p:sld xmlns:a="http://schemas.openxmlformats.org/drawingml/2006/main" xmlns:r="http://schemas.openxmlformats.org/officeDocument/2006/relationships" xmlns:p="http://schemas.openxmlformats.org/presentationml/2006/main">
+  <p:cSld>
+    <p:spTree>
+      <p:nvGrpSpPr>
+        <p:cNvPr id="1" name=""/>
+        <p:cNvGrpSpPr/>
+        <p:nvPr/>
+      </p:nvGrpSpPr>
+      <p:grpSpPr>
+        <a:xfrm>
+          <a:off x="0" y="0"/>
+          <a:ext cx="0" cy="0"/>
+          <a:chOff x="0" y="0"/>
+          <a:chExt cx="0" cy="0"/>
+        </a:xfrm>
+      </p:grpSpPr>
+      <p:sp>
+        <p:nvSpPr>
+          <p:cNvPr id="2" name="Title 1"/>
+          <p:cNvSpPr>
+            <a:spLocks noGrp="1"/>
+          </p:cNvSpPr>
+          <p:nvPr>
+            <p:ph type="title"/>
+          </p:nvPr>
+        </p:nvSpPr>
+        <p:spPr/>
+        <p:txBody>
+          <a:bodyPr/>
+          <a:lstStyle/>
+          <a:p>
+            <a:r>
+              <a:rPr lang="en-US" dirty="0"/>
+              <a:t>References</a:t>
+            </a:r>
+          </a:p>
+        </p:txBody>
+      </p:sp>
+      <p:sp>
+        <p:nvSpPr>
+          <p:cNvPr id="3" name="Text Placeholder 2"/>
+          <p:cNvSpPr>
+            <a:spLocks noGrp="1"/>
+          </p:cNvSpPr>
+          <p:nvPr>
+            <p:ph type="body" idx="1"/>
+          </p:nvPr>
+        </p:nvSpPr>
+        <p:spPr/>
+        <p:txBody>
+          <a:bodyPr/>
+          <a:lstStyle/>
+          <a:p>
+            <a:r>
+              <a:rPr lang="en-US" dirty="0">
+                <a:hlinkClick r:id="rId2"/>
+              </a:rPr>
+              <a:t>https://viettuts.vn/java</a:t>
+            </a:r>
+            <a:endParaRPr lang="vi-VN" dirty="0">
+              <a:hlinkClick r:id="rId3"/>
+            </a:endParaRPr>
+          </a:p>
+          <a:p>
+            <a:r>
+              <a:rPr lang="en-US" dirty="0">
+                <a:hlinkClick r:id="rId4"/>
+              </a:rPr>
+              <a:t>https://www.w3schools.com/java/</a:t>
+            </a:r>
+            <a:endParaRPr lang="vi-VN" dirty="0"/>
+          </a:p>
+          <a:p>
+            <a:r>
+              <a:rPr lang="en-US" dirty="0">
+                <a:hlinkClick r:id="rId3"/>
+              </a:rPr>
+              <a:t>https://o7planning.org/vi/12571/lich-su-cua-java-va-su-khac-biet-giua-oracle-jdk-va-openjdk</a:t>
+            </a:r>
+            <a:endParaRPr lang="vi-VN" dirty="0"/>
+          </a:p>
+          <a:p>
+            <a:r>
+              <a:rPr lang="vi-VN" dirty="0"/>
+              <a:t>Github</a:t>
+            </a:r>
+          </a:p>
+          <a:p>
+            <a:pPr lvl="1"/>
+            <a:r>
+              <a:rPr lang="en-US" dirty="0">
+                <a:latin typeface="Cambria" panose="02040503050406030204" pitchFamily="18" charset="0"/>
+                <a:ea typeface="Cambria" panose="02040503050406030204" pitchFamily="18" charset="0"/>
+                <a:hlinkClick r:id="rId5"/>
+              </a:rPr>
+              <a:t>https://github.com/giaule91/java-core-demo.git</a:t>
+            </a:r>
+            <a:endParaRPr lang="vi-VN" dirty="0">
+              <a:latin typeface="Cambria" panose="02040503050406030204" pitchFamily="18" charset="0"/>
+              <a:ea typeface="Cambria" panose="02040503050406030204" pitchFamily="18" charset="0"/>
+            </a:endParaRPr>
+          </a:p>
+        </p:txBody>
+      </p:sp>
+    </p:spTree>
+    <p:extLst>
+      <p:ext uri="{BB962C8B-B14F-4D97-AF65-F5344CB8AC3E}">
+        <p14:creationId xmlns:p14="http://schemas.microsoft.com/office/powerpoint/2010/main" val="1248162309"/>
+      </p:ext>
+    </p:extLst>
+  </p:cSld>
+  <p:clrMapOvr>
+    <a:masterClrMapping/>
+  </p:clrMapOvr>
+</p:sld>
+</file>
+
+<file path=ppt/slides/slide20.xml><?xml version="1.0" encoding="utf-8"?>
 <p:sld xmlns:a="http://schemas.openxmlformats.org/drawingml/2006/main" xmlns:r="http://schemas.openxmlformats.org/officeDocument/2006/relationships" xmlns:p="http://schemas.openxmlformats.org/presentationml/2006/main">
   <p:cSld>
     <p:spTree>
@@ -15957,17 +17623,1097 @@
   <p:clrMapOvr>
     <a:masterClrMapping/>
   </p:clrMapOvr>
-  <p:timing>
-    <p:tnLst>
-      <p:par>
-        <p:cTn id="1" dur="indefinite" restart="never" nodeType="tmRoot"/>
-      </p:par>
-    </p:tnLst>
-  </p:timing>
 </p:sld>
 </file>
 
-<file path=ppt/slides/slide2.xml><?xml version="1.0" encoding="utf-8"?>
+<file path=ppt/slides/slide21.xml><?xml version="1.0" encoding="utf-8"?>
+<p:sld xmlns:a="http://schemas.openxmlformats.org/drawingml/2006/main" xmlns:r="http://schemas.openxmlformats.org/officeDocument/2006/relationships" xmlns:p="http://schemas.openxmlformats.org/presentationml/2006/main">
+  <p:cSld>
+    <p:spTree>
+      <p:nvGrpSpPr>
+        <p:cNvPr id="1" name="Shape 216"/>
+        <p:cNvGrpSpPr/>
+        <p:nvPr/>
+      </p:nvGrpSpPr>
+      <p:grpSpPr>
+        <a:xfrm>
+          <a:off x="0" y="0"/>
+          <a:ext cx="0" cy="0"/>
+          <a:chOff x="0" y="0"/>
+          <a:chExt cx="0" cy="0"/>
+        </a:xfrm>
+      </p:grpSpPr>
+      <p:sp>
+        <p:nvSpPr>
+          <p:cNvPr id="217" name="Google Shape;217;p21"/>
+          <p:cNvSpPr txBox="1">
+            <a:spLocks noGrp="1"/>
+          </p:cNvSpPr>
+          <p:nvPr>
+            <p:ph type="title"/>
+          </p:nvPr>
+        </p:nvSpPr>
+        <p:spPr>
+          <a:xfrm>
+            <a:off x="3436705" y="273844"/>
+            <a:ext cx="5078700" cy="640200"/>
+          </a:xfrm>
+          <a:prstGeom prst="rect">
+            <a:avLst/>
+          </a:prstGeom>
+          <a:noFill/>
+          <a:ln>
+            <a:noFill/>
+          </a:ln>
+        </p:spPr>
+        <p:txBody>
+          <a:bodyPr spcFirstLastPara="1" wrap="square" lIns="68575" tIns="68575" rIns="68575" bIns="68575" anchor="ctr" anchorCtr="0">
+            <a:noAutofit/>
+          </a:bodyPr>
+          <a:lstStyle/>
+          <a:p>
+            <a:pPr marL="0" marR="0" lvl="0" indent="0" algn="r" rtl="0">
+              <a:lnSpc>
+                <a:spcPct val="90000"/>
+              </a:lnSpc>
+              <a:spcBef>
+                <a:spcPts val="0"/>
+              </a:spcBef>
+              <a:spcAft>
+                <a:spcPts val="0"/>
+              </a:spcAft>
+              <a:buClr>
+                <a:schemeClr val="dk1"/>
+              </a:buClr>
+              <a:buSzPts val="1100"/>
+              <a:buFont typeface="Calibri"/>
+              <a:buNone/>
+            </a:pPr>
+            <a:r>
+              <a:rPr lang="en-US"/>
+              <a:t>Package</a:t>
+            </a:r>
+            <a:endParaRPr/>
+          </a:p>
+        </p:txBody>
+      </p:sp>
+      <p:sp>
+        <p:nvSpPr>
+          <p:cNvPr id="218" name="Google Shape;218;p21"/>
+          <p:cNvSpPr txBox="1">
+            <a:spLocks noGrp="1"/>
+          </p:cNvSpPr>
+          <p:nvPr>
+            <p:ph type="body" idx="1"/>
+          </p:nvPr>
+        </p:nvSpPr>
+        <p:spPr>
+          <a:xfrm>
+            <a:off x="628650" y="1369219"/>
+            <a:ext cx="7872115" cy="3232141"/>
+          </a:xfrm>
+          <a:prstGeom prst="rect">
+            <a:avLst/>
+          </a:prstGeom>
+          <a:noFill/>
+          <a:ln>
+            <a:noFill/>
+          </a:ln>
+        </p:spPr>
+        <p:txBody>
+          <a:bodyPr spcFirstLastPara="1" wrap="square" lIns="68575" tIns="68575" rIns="68575" bIns="68575" anchor="t" anchorCtr="0">
+            <a:noAutofit/>
+          </a:bodyPr>
+          <a:lstStyle/>
+          <a:p>
+            <a:pPr marL="457200" marR="0" lvl="0" indent="-361950" algn="l" rtl="0">
+              <a:lnSpc>
+                <a:spcPct val="90000"/>
+              </a:lnSpc>
+              <a:spcBef>
+                <a:spcPts val="800"/>
+              </a:spcBef>
+              <a:spcAft>
+                <a:spcPts val="0"/>
+              </a:spcAft>
+              <a:buClr>
+                <a:schemeClr val="dk1"/>
+              </a:buClr>
+              <a:buSzPts val="2100"/>
+              <a:buFont typeface="Arial"/>
+              <a:buChar char="•"/>
+            </a:pPr>
+            <a:r>
+              <a:rPr lang="en-US" b="1"/>
+              <a:t>Package trong java</a:t>
+            </a:r>
+            <a:r>
+              <a:rPr lang="en-US"/>
+              <a:t> có thể được phân loại theo hai hình thức, package được dựng sẵn và package do người dùng định nghĩa.</a:t>
+            </a:r>
+            <a:endParaRPr/>
+          </a:p>
+          <a:p>
+            <a:pPr marL="914400" lvl="1" indent="-342900" algn="l" rtl="0">
+              <a:lnSpc>
+                <a:spcPct val="90000"/>
+              </a:lnSpc>
+              <a:spcBef>
+                <a:spcPts val="400"/>
+              </a:spcBef>
+              <a:spcAft>
+                <a:spcPts val="0"/>
+              </a:spcAft>
+              <a:buSzPts val="1800"/>
+              <a:buChar char="•"/>
+            </a:pPr>
+            <a:r>
+              <a:rPr lang="en-US"/>
+              <a:t>Có rất nhiều package được dựng sẵn như java, lang, AWT, javax, swing, net, io, util, sql, ...</a:t>
+            </a:r>
+            <a:endParaRPr/>
+          </a:p>
+          <a:p>
+            <a:pPr marL="457200" marR="0" lvl="0" indent="-228600" algn="l" rtl="0">
+              <a:lnSpc>
+                <a:spcPct val="90000"/>
+              </a:lnSpc>
+              <a:spcBef>
+                <a:spcPts val="800"/>
+              </a:spcBef>
+              <a:spcAft>
+                <a:spcPts val="0"/>
+              </a:spcAft>
+              <a:buClr>
+                <a:schemeClr val="dk1"/>
+              </a:buClr>
+              <a:buSzPts val="2100"/>
+              <a:buFont typeface="Arial"/>
+              <a:buNone/>
+            </a:pPr>
+            <a:endParaRPr/>
+          </a:p>
+          <a:p>
+            <a:pPr marL="457200" marR="0" lvl="0" indent="-228600" algn="l" rtl="0">
+              <a:lnSpc>
+                <a:spcPct val="90000"/>
+              </a:lnSpc>
+              <a:spcBef>
+                <a:spcPts val="800"/>
+              </a:spcBef>
+              <a:spcAft>
+                <a:spcPts val="0"/>
+              </a:spcAft>
+              <a:buClr>
+                <a:schemeClr val="dk1"/>
+              </a:buClr>
+              <a:buSzPts val="2100"/>
+              <a:buFont typeface="Arial"/>
+              <a:buNone/>
+            </a:pPr>
+            <a:endParaRPr/>
+          </a:p>
+        </p:txBody>
+      </p:sp>
+      <p:pic>
+        <p:nvPicPr>
+          <p:cNvPr id="219" name="Google Shape;219;p21" descr="Package trong java"/>
+          <p:cNvPicPr preferRelativeResize="0"/>
+          <p:nvPr/>
+        </p:nvPicPr>
+        <p:blipFill rotWithShape="1">
+          <a:blip r:embed="rId3">
+            <a:alphaModFix/>
+          </a:blip>
+          <a:srcRect/>
+          <a:stretch/>
+        </p:blipFill>
+        <p:spPr>
+          <a:xfrm>
+            <a:off x="4140901" y="2495550"/>
+            <a:ext cx="4092817" cy="2469315"/>
+          </a:xfrm>
+          <a:prstGeom prst="rect">
+            <a:avLst/>
+          </a:prstGeom>
+          <a:noFill/>
+          <a:ln>
+            <a:noFill/>
+          </a:ln>
+        </p:spPr>
+      </p:pic>
+    </p:spTree>
+  </p:cSld>
+  <p:clrMapOvr>
+    <a:masterClrMapping/>
+  </p:clrMapOvr>
+</p:sld>
+</file>
+
+<file path=ppt/slides/slide22.xml><?xml version="1.0" encoding="utf-8"?>
+<p:sld xmlns:a="http://schemas.openxmlformats.org/drawingml/2006/main" xmlns:r="http://schemas.openxmlformats.org/officeDocument/2006/relationships" xmlns:p="http://schemas.openxmlformats.org/presentationml/2006/main">
+  <p:cSld>
+    <p:spTree>
+      <p:nvGrpSpPr>
+        <p:cNvPr id="1" name="Shape 223"/>
+        <p:cNvGrpSpPr/>
+        <p:nvPr/>
+      </p:nvGrpSpPr>
+      <p:grpSpPr>
+        <a:xfrm>
+          <a:off x="0" y="0"/>
+          <a:ext cx="0" cy="0"/>
+          <a:chOff x="0" y="0"/>
+          <a:chExt cx="0" cy="0"/>
+        </a:xfrm>
+      </p:grpSpPr>
+      <p:sp>
+        <p:nvSpPr>
+          <p:cNvPr id="224" name="Google Shape;224;p22"/>
+          <p:cNvSpPr txBox="1">
+            <a:spLocks noGrp="1"/>
+          </p:cNvSpPr>
+          <p:nvPr>
+            <p:ph type="title"/>
+          </p:nvPr>
+        </p:nvSpPr>
+        <p:spPr>
+          <a:xfrm>
+            <a:off x="723901" y="286789"/>
+            <a:ext cx="7810500" cy="1119099"/>
+          </a:xfrm>
+          <a:prstGeom prst="rect">
+            <a:avLst/>
+          </a:prstGeom>
+          <a:noFill/>
+          <a:ln>
+            <a:noFill/>
+          </a:ln>
+        </p:spPr>
+        <p:txBody>
+          <a:bodyPr spcFirstLastPara="1" wrap="square" lIns="68575" tIns="68575" rIns="68575" bIns="68575" anchor="ctr" anchorCtr="0">
+            <a:normAutofit/>
+          </a:bodyPr>
+          <a:lstStyle/>
+          <a:p>
+            <a:pPr marL="0" marR="0" lvl="0" indent="0" algn="r" rtl="0">
+              <a:lnSpc>
+                <a:spcPct val="90000"/>
+              </a:lnSpc>
+              <a:spcBef>
+                <a:spcPts val="0"/>
+              </a:spcBef>
+              <a:spcAft>
+                <a:spcPts val="0"/>
+              </a:spcAft>
+              <a:buClr>
+                <a:schemeClr val="dk1"/>
+              </a:buClr>
+              <a:buSzPts val="1100"/>
+              <a:buFont typeface="Calibri"/>
+              <a:buNone/>
+            </a:pPr>
+            <a:r>
+              <a:rPr lang="en-US" sz="3000">
+                <a:solidFill>
+                  <a:srgbClr val="FF0000"/>
+                </a:solidFill>
+                <a:latin typeface="Tahoma"/>
+                <a:ea typeface="Tahoma"/>
+                <a:cs typeface="Tahoma"/>
+                <a:sym typeface="Tahoma"/>
+              </a:rPr>
+              <a:t>Lab 1</a:t>
+            </a:r>
+            <a:br>
+              <a:rPr lang="en-US" sz="3000">
+                <a:solidFill>
+                  <a:srgbClr val="FF0000"/>
+                </a:solidFill>
+                <a:latin typeface="Tahoma"/>
+                <a:ea typeface="Tahoma"/>
+                <a:cs typeface="Tahoma"/>
+                <a:sym typeface="Tahoma"/>
+              </a:rPr>
+            </a:br>
+            <a:endParaRPr sz="3000" i="1">
+              <a:solidFill>
+                <a:srgbClr val="FF0000"/>
+              </a:solidFill>
+              <a:latin typeface="Tahoma"/>
+              <a:ea typeface="Tahoma"/>
+              <a:cs typeface="Tahoma"/>
+              <a:sym typeface="Tahoma"/>
+            </a:endParaRPr>
+          </a:p>
+        </p:txBody>
+      </p:sp>
+      <p:sp>
+        <p:nvSpPr>
+          <p:cNvPr id="225" name="Google Shape;225;p22"/>
+          <p:cNvSpPr txBox="1">
+            <a:spLocks noGrp="1"/>
+          </p:cNvSpPr>
+          <p:nvPr>
+            <p:ph type="body" idx="1"/>
+          </p:nvPr>
+        </p:nvSpPr>
+        <p:spPr>
+          <a:xfrm>
+            <a:off x="990600" y="1200150"/>
+            <a:ext cx="7467600" cy="3276600"/>
+          </a:xfrm>
+          <a:prstGeom prst="rect">
+            <a:avLst/>
+          </a:prstGeom>
+          <a:noFill/>
+          <a:ln>
+            <a:noFill/>
+          </a:ln>
+        </p:spPr>
+        <p:txBody>
+          <a:bodyPr spcFirstLastPara="1" wrap="square" lIns="68575" tIns="68575" rIns="68575" bIns="68575" anchor="t" anchorCtr="0">
+            <a:noAutofit/>
+          </a:bodyPr>
+          <a:lstStyle/>
+          <a:p>
+            <a:pPr marL="457200" marR="0" lvl="0" indent="-361950" algn="l" rtl="0">
+              <a:lnSpc>
+                <a:spcPct val="90000"/>
+              </a:lnSpc>
+              <a:spcBef>
+                <a:spcPts val="800"/>
+              </a:spcBef>
+              <a:spcAft>
+                <a:spcPts val="0"/>
+              </a:spcAft>
+              <a:buClr>
+                <a:schemeClr val="dk1"/>
+              </a:buClr>
+              <a:buSzPts val="2100"/>
+              <a:buFont typeface="Arial"/>
+              <a:buChar char="•"/>
+            </a:pPr>
+            <a:r>
+              <a:rPr lang="en-US"/>
+              <a:t>Tạo p</a:t>
+            </a:r>
+            <a:r>
+              <a:rPr lang="en-US">
+                <a:solidFill>
+                  <a:schemeClr val="dk1"/>
+                </a:solidFill>
+              </a:rPr>
+              <a:t>ackage </a:t>
+            </a:r>
+            <a:r>
+              <a:rPr lang="en-US" b="1">
+                <a:solidFill>
+                  <a:schemeClr val="dk1"/>
+                </a:solidFill>
+              </a:rPr>
+              <a:t>com.demo.core.lab1</a:t>
+            </a:r>
+            <a:endParaRPr b="1"/>
+          </a:p>
+          <a:p>
+            <a:pPr marL="457200" marR="0" lvl="0" indent="-361950" algn="l" rtl="0">
+              <a:lnSpc>
+                <a:spcPct val="90000"/>
+              </a:lnSpc>
+              <a:spcBef>
+                <a:spcPts val="800"/>
+              </a:spcBef>
+              <a:spcAft>
+                <a:spcPts val="0"/>
+              </a:spcAft>
+              <a:buClr>
+                <a:schemeClr val="dk1"/>
+              </a:buClr>
+              <a:buSzPts val="2100"/>
+              <a:buFont typeface="Arial"/>
+              <a:buChar char="•"/>
+            </a:pPr>
+            <a:r>
+              <a:rPr lang="en-US">
+                <a:solidFill>
+                  <a:schemeClr val="dk1"/>
+                </a:solidFill>
+              </a:rPr>
+              <a:t>Tạo class mô tả dưới đây:</a:t>
+            </a:r>
+            <a:endParaRPr/>
+          </a:p>
+          <a:p>
+            <a:pPr marL="914400" lvl="1" indent="-342900" algn="l" rtl="0">
+              <a:lnSpc>
+                <a:spcPct val="90000"/>
+              </a:lnSpc>
+              <a:spcBef>
+                <a:spcPts val="400"/>
+              </a:spcBef>
+              <a:spcAft>
+                <a:spcPts val="0"/>
+              </a:spcAft>
+              <a:buSzPts val="1800"/>
+              <a:buChar char="•"/>
+            </a:pPr>
+            <a:r>
+              <a:rPr lang="en-US" sz="1500">
+                <a:solidFill>
+                  <a:schemeClr val="dk1"/>
+                </a:solidFill>
+                <a:latin typeface="Cambria"/>
+                <a:ea typeface="Cambria"/>
+                <a:cs typeface="Cambria"/>
+                <a:sym typeface="Cambria"/>
+              </a:rPr>
+              <a:t>Class Teacher với các thuộc tính </a:t>
+            </a:r>
+            <a:r>
+              <a:rPr lang="en-US" sz="1500" b="1">
+                <a:solidFill>
+                  <a:schemeClr val="dk1"/>
+                </a:solidFill>
+                <a:latin typeface="Cambria"/>
+                <a:ea typeface="Cambria"/>
+                <a:cs typeface="Cambria"/>
+                <a:sym typeface="Cambria"/>
+              </a:rPr>
+              <a:t>name, </a:t>
+            </a:r>
+            <a:r>
+              <a:rPr lang="en-US" sz="1500" b="1">
+                <a:latin typeface="Cambria"/>
+                <a:ea typeface="Cambria"/>
+                <a:cs typeface="Cambria"/>
+                <a:sym typeface="Cambria"/>
+              </a:rPr>
+              <a:t> </a:t>
+            </a:r>
+            <a:r>
+              <a:rPr lang="en-US" sz="1500">
+                <a:latin typeface="Cambria"/>
+                <a:ea typeface="Cambria"/>
+                <a:cs typeface="Cambria"/>
+                <a:sym typeface="Cambria"/>
+              </a:rPr>
+              <a:t>Class Subject với các thuộc tính name, classId</a:t>
+            </a:r>
+            <a:endParaRPr/>
+          </a:p>
+          <a:p>
+            <a:pPr marL="914400" lvl="1" indent="-342900" algn="l" rtl="0">
+              <a:lnSpc>
+                <a:spcPct val="90000"/>
+              </a:lnSpc>
+              <a:spcBef>
+                <a:spcPts val="400"/>
+              </a:spcBef>
+              <a:spcAft>
+                <a:spcPts val="0"/>
+              </a:spcAft>
+              <a:buSzPts val="1800"/>
+              <a:buChar char="•"/>
+            </a:pPr>
+            <a:r>
+              <a:rPr lang="en-US" sz="1500">
+                <a:latin typeface="Cambria"/>
+                <a:ea typeface="Cambria"/>
+                <a:cs typeface="Cambria"/>
+                <a:sym typeface="Cambria"/>
+              </a:rPr>
+              <a:t>Có thể tạo 1 teacher với name và age, subject (dùng contrustor)</a:t>
+            </a:r>
+            <a:endParaRPr/>
+          </a:p>
+          <a:p>
+            <a:pPr marL="914400" lvl="1" indent="-342900" algn="l" rtl="0">
+              <a:lnSpc>
+                <a:spcPct val="90000"/>
+              </a:lnSpc>
+              <a:spcBef>
+                <a:spcPts val="400"/>
+              </a:spcBef>
+              <a:spcAft>
+                <a:spcPts val="0"/>
+              </a:spcAft>
+              <a:buSzPts val="1800"/>
+              <a:buChar char="•"/>
+            </a:pPr>
+            <a:r>
+              <a:rPr lang="en-US" sz="1500">
+                <a:latin typeface="Cambria"/>
+                <a:ea typeface="Cambria"/>
+                <a:cs typeface="Cambria"/>
+                <a:sym typeface="Cambria"/>
+              </a:rPr>
+              <a:t>Có thể tạo 1 teacher với subject (dùng contrustor)</a:t>
+            </a:r>
+            <a:endParaRPr sz="1500">
+              <a:latin typeface="Cambria"/>
+              <a:ea typeface="Cambria"/>
+              <a:cs typeface="Cambria"/>
+              <a:sym typeface="Cambria"/>
+            </a:endParaRPr>
+          </a:p>
+          <a:p>
+            <a:pPr marL="914400" lvl="1" indent="-342900" algn="l" rtl="0">
+              <a:lnSpc>
+                <a:spcPct val="90000"/>
+              </a:lnSpc>
+              <a:spcBef>
+                <a:spcPts val="400"/>
+              </a:spcBef>
+              <a:spcAft>
+                <a:spcPts val="0"/>
+              </a:spcAft>
+              <a:buSzPts val="1800"/>
+              <a:buChar char="•"/>
+            </a:pPr>
+            <a:r>
+              <a:rPr lang="en-US" sz="1500">
+                <a:latin typeface="Cambria"/>
+                <a:ea typeface="Cambria"/>
+                <a:cs typeface="Cambria"/>
+                <a:sym typeface="Cambria"/>
+              </a:rPr>
+              <a:t>Có thể tạo Subject với name</a:t>
+            </a:r>
+            <a:endParaRPr sz="1500">
+              <a:latin typeface="Cambria"/>
+              <a:ea typeface="Cambria"/>
+              <a:cs typeface="Cambria"/>
+              <a:sym typeface="Cambria"/>
+            </a:endParaRPr>
+          </a:p>
+          <a:p>
+            <a:pPr marL="914400" lvl="1" indent="-342900" algn="l" rtl="0">
+              <a:lnSpc>
+                <a:spcPct val="90000"/>
+              </a:lnSpc>
+              <a:spcBef>
+                <a:spcPts val="400"/>
+              </a:spcBef>
+              <a:spcAft>
+                <a:spcPts val="0"/>
+              </a:spcAft>
+              <a:buSzPts val="1800"/>
+              <a:buChar char="•"/>
+            </a:pPr>
+            <a:r>
+              <a:rPr lang="en-US" sz="1500">
+                <a:latin typeface="Cambria"/>
+                <a:ea typeface="Cambria"/>
+                <a:cs typeface="Cambria"/>
+                <a:sym typeface="Cambria"/>
+              </a:rPr>
+              <a:t>In ra console với: </a:t>
+            </a:r>
+            <a:endParaRPr>
+              <a:latin typeface="Cambria"/>
+              <a:ea typeface="Cambria"/>
+              <a:cs typeface="Cambria"/>
+              <a:sym typeface="Cambria"/>
+            </a:endParaRPr>
+          </a:p>
+          <a:p>
+            <a:pPr marL="1371600" lvl="2" indent="-323850" algn="l" rtl="0">
+              <a:lnSpc>
+                <a:spcPct val="90000"/>
+              </a:lnSpc>
+              <a:spcBef>
+                <a:spcPts val="400"/>
+              </a:spcBef>
+              <a:spcAft>
+                <a:spcPts val="0"/>
+              </a:spcAft>
+              <a:buSzPts val="1500"/>
+              <a:buChar char="•"/>
+            </a:pPr>
+            <a:r>
+              <a:rPr lang="en-US" sz="1200">
+                <a:solidFill>
+                  <a:schemeClr val="dk1"/>
+                </a:solidFill>
+                <a:latin typeface="Cambria"/>
+                <a:ea typeface="Cambria"/>
+                <a:cs typeface="Cambria"/>
+                <a:sym typeface="Cambria"/>
+              </a:rPr>
+              <a:t>Teacher Tam teaching Mathematics</a:t>
+            </a:r>
+            <a:r>
+              <a:rPr lang="en-US" sz="1200">
+                <a:latin typeface="Cambria"/>
+                <a:ea typeface="Cambria"/>
+                <a:cs typeface="Cambria"/>
+                <a:sym typeface="Cambria"/>
+              </a:rPr>
+              <a:t> </a:t>
+            </a:r>
+            <a:r>
+              <a:rPr lang="en-US" sz="1200">
+                <a:solidFill>
+                  <a:schemeClr val="dk1"/>
+                </a:solidFill>
+                <a:latin typeface="Cambria"/>
+                <a:ea typeface="Cambria"/>
+                <a:cs typeface="Cambria"/>
+                <a:sym typeface="Cambria"/>
+              </a:rPr>
+              <a:t>for Class 1</a:t>
+            </a:r>
+            <a:endParaRPr sz="1200">
+              <a:solidFill>
+                <a:schemeClr val="dk1"/>
+              </a:solidFill>
+              <a:latin typeface="Cambria"/>
+              <a:ea typeface="Cambria"/>
+              <a:cs typeface="Cambria"/>
+              <a:sym typeface="Cambria"/>
+            </a:endParaRPr>
+          </a:p>
+          <a:p>
+            <a:pPr marL="457200" lvl="0" indent="-323850" algn="l" rtl="0">
+              <a:lnSpc>
+                <a:spcPct val="90000"/>
+              </a:lnSpc>
+              <a:spcBef>
+                <a:spcPts val="800"/>
+              </a:spcBef>
+              <a:spcAft>
+                <a:spcPts val="0"/>
+              </a:spcAft>
+              <a:buSzPts val="1500"/>
+              <a:buChar char="•"/>
+            </a:pPr>
+            <a:r>
+              <a:rPr lang="en-US" u="sng">
+                <a:solidFill>
+                  <a:schemeClr val="hlink"/>
+                </a:solidFill>
+                <a:hlinkClick r:id="rId3"/>
+              </a:rPr>
+              <a:t>https://www.w3schools.com/java/java_constructors.asp</a:t>
+            </a:r>
+            <a:endParaRPr/>
+          </a:p>
+          <a:p>
+            <a:pPr marL="133350" lvl="0" indent="0" algn="l" rtl="0">
+              <a:lnSpc>
+                <a:spcPct val="90000"/>
+              </a:lnSpc>
+              <a:spcBef>
+                <a:spcPts val="800"/>
+              </a:spcBef>
+              <a:spcAft>
+                <a:spcPts val="0"/>
+              </a:spcAft>
+              <a:buSzPts val="1500"/>
+              <a:buNone/>
+            </a:pPr>
+            <a:endParaRPr>
+              <a:solidFill>
+                <a:schemeClr val="dk1"/>
+              </a:solidFill>
+              <a:latin typeface="Cambria"/>
+              <a:ea typeface="Cambria"/>
+              <a:cs typeface="Cambria"/>
+              <a:sym typeface="Cambria"/>
+            </a:endParaRPr>
+          </a:p>
+        </p:txBody>
+      </p:sp>
+    </p:spTree>
+  </p:cSld>
+  <p:clrMapOvr>
+    <a:masterClrMapping/>
+  </p:clrMapOvr>
+</p:sld>
+</file>
+
+<file path=ppt/slides/slide23.xml><?xml version="1.0" encoding="utf-8"?>
+<p:sld xmlns:a="http://schemas.openxmlformats.org/drawingml/2006/main" xmlns:r="http://schemas.openxmlformats.org/officeDocument/2006/relationships" xmlns:p="http://schemas.openxmlformats.org/presentationml/2006/main">
+  <p:cSld>
+    <p:spTree>
+      <p:nvGrpSpPr>
+        <p:cNvPr id="1" name="Shape 229"/>
+        <p:cNvGrpSpPr/>
+        <p:nvPr/>
+      </p:nvGrpSpPr>
+      <p:grpSpPr>
+        <a:xfrm>
+          <a:off x="0" y="0"/>
+          <a:ext cx="0" cy="0"/>
+          <a:chOff x="0" y="0"/>
+          <a:chExt cx="0" cy="0"/>
+        </a:xfrm>
+      </p:grpSpPr>
+      <p:sp>
+        <p:nvSpPr>
+          <p:cNvPr id="230" name="Google Shape;230;p23"/>
+          <p:cNvSpPr txBox="1">
+            <a:spLocks noGrp="1"/>
+          </p:cNvSpPr>
+          <p:nvPr>
+            <p:ph type="title"/>
+          </p:nvPr>
+        </p:nvSpPr>
+        <p:spPr>
+          <a:xfrm>
+            <a:off x="723900" y="286789"/>
+            <a:ext cx="7820025" cy="532361"/>
+          </a:xfrm>
+          <a:prstGeom prst="rect">
+            <a:avLst/>
+          </a:prstGeom>
+          <a:noFill/>
+          <a:ln>
+            <a:noFill/>
+          </a:ln>
+        </p:spPr>
+        <p:txBody>
+          <a:bodyPr spcFirstLastPara="1" wrap="square" lIns="68575" tIns="68575" rIns="68575" bIns="68575" anchor="ctr" anchorCtr="0">
+            <a:normAutofit/>
+          </a:bodyPr>
+          <a:lstStyle/>
+          <a:p>
+            <a:pPr marL="0" marR="0" lvl="0" indent="0" algn="r" rtl="0">
+              <a:lnSpc>
+                <a:spcPct val="90000"/>
+              </a:lnSpc>
+              <a:spcBef>
+                <a:spcPts val="0"/>
+              </a:spcBef>
+              <a:spcAft>
+                <a:spcPts val="0"/>
+              </a:spcAft>
+              <a:buClr>
+                <a:schemeClr val="dk1"/>
+              </a:buClr>
+              <a:buSzPts val="1100"/>
+              <a:buFont typeface="Calibri"/>
+              <a:buNone/>
+            </a:pPr>
+            <a:r>
+              <a:rPr lang="en-US" sz="2700">
+                <a:solidFill>
+                  <a:srgbClr val="FF0000"/>
+                </a:solidFill>
+                <a:latin typeface="Tahoma"/>
+                <a:ea typeface="Tahoma"/>
+                <a:cs typeface="Tahoma"/>
+                <a:sym typeface="Tahoma"/>
+              </a:rPr>
+              <a:t>Lab 2</a:t>
+            </a:r>
+            <a:endParaRPr sz="3000" i="1">
+              <a:solidFill>
+                <a:srgbClr val="FF0000"/>
+              </a:solidFill>
+              <a:latin typeface="Tahoma"/>
+              <a:ea typeface="Tahoma"/>
+              <a:cs typeface="Tahoma"/>
+              <a:sym typeface="Tahoma"/>
+            </a:endParaRPr>
+          </a:p>
+        </p:txBody>
+      </p:sp>
+      <p:sp>
+        <p:nvSpPr>
+          <p:cNvPr id="231" name="Google Shape;231;p23"/>
+          <p:cNvSpPr txBox="1">
+            <a:spLocks noGrp="1"/>
+          </p:cNvSpPr>
+          <p:nvPr>
+            <p:ph type="body" idx="1"/>
+          </p:nvPr>
+        </p:nvSpPr>
+        <p:spPr>
+          <a:xfrm>
+            <a:off x="910183" y="1000126"/>
+            <a:ext cx="7633742" cy="3476624"/>
+          </a:xfrm>
+          <a:prstGeom prst="rect">
+            <a:avLst/>
+          </a:prstGeom>
+          <a:noFill/>
+          <a:ln>
+            <a:noFill/>
+          </a:ln>
+        </p:spPr>
+        <p:txBody>
+          <a:bodyPr spcFirstLastPara="1" wrap="square" lIns="68575" tIns="68575" rIns="68575" bIns="68575" anchor="t" anchorCtr="0">
+            <a:noAutofit/>
+          </a:bodyPr>
+          <a:lstStyle/>
+          <a:p>
+            <a:pPr marL="457200" lvl="0" indent="-361950" algn="l" rtl="0">
+              <a:spcBef>
+                <a:spcPts val="800"/>
+              </a:spcBef>
+              <a:spcAft>
+                <a:spcPts val="0"/>
+              </a:spcAft>
+              <a:buSzPts val="2100"/>
+              <a:buChar char="•"/>
+            </a:pPr>
+            <a:r>
+              <a:rPr lang="en-US"/>
+              <a:t>Tạo package </a:t>
+            </a:r>
+            <a:r>
+              <a:rPr lang="en-US" b="1"/>
+              <a:t>com.demo.core.lab2</a:t>
+            </a:r>
+            <a:endParaRPr sz="1800" b="1"/>
+          </a:p>
+          <a:p>
+            <a:pPr marL="457200" marR="0" lvl="0" indent="-361950" algn="l" rtl="0">
+              <a:lnSpc>
+                <a:spcPct val="90000"/>
+              </a:lnSpc>
+              <a:spcBef>
+                <a:spcPts val="800"/>
+              </a:spcBef>
+              <a:spcAft>
+                <a:spcPts val="0"/>
+              </a:spcAft>
+              <a:buClr>
+                <a:schemeClr val="dk1"/>
+              </a:buClr>
+              <a:buSzPts val="2100"/>
+              <a:buFont typeface="Arial"/>
+              <a:buChar char="•"/>
+            </a:pPr>
+            <a:r>
+              <a:rPr lang="en-US" sz="1800">
+                <a:solidFill>
+                  <a:schemeClr val="dk1"/>
+                </a:solidFill>
+              </a:rPr>
+              <a:t>Tạo class employee(name, age, job is string, salary, department)</a:t>
+            </a:r>
+            <a:endParaRPr/>
+          </a:p>
+          <a:p>
+            <a:pPr marL="457200" marR="0" lvl="0" indent="-361950" algn="l" rtl="0">
+              <a:lnSpc>
+                <a:spcPct val="90000"/>
+              </a:lnSpc>
+              <a:spcBef>
+                <a:spcPts val="800"/>
+              </a:spcBef>
+              <a:spcAft>
+                <a:spcPts val="0"/>
+              </a:spcAft>
+              <a:buClr>
+                <a:schemeClr val="dk1"/>
+              </a:buClr>
+              <a:buSzPts val="2100"/>
+              <a:buFont typeface="Arial"/>
+              <a:buChar char="•"/>
+            </a:pPr>
+            <a:r>
+              <a:rPr lang="en-US" sz="1800">
+                <a:solidFill>
+                  <a:schemeClr val="dk1"/>
+                </a:solidFill>
+              </a:rPr>
+              <a:t>Xây dựng chương trình nhập employee cho công ty, sau đó hiển thị thông tin ra console.</a:t>
+            </a:r>
+            <a:endParaRPr/>
+          </a:p>
+          <a:p>
+            <a:pPr marL="914400" lvl="1" indent="-361950" algn="l" rtl="0">
+              <a:lnSpc>
+                <a:spcPct val="90000"/>
+              </a:lnSpc>
+              <a:spcBef>
+                <a:spcPts val="800"/>
+              </a:spcBef>
+              <a:spcAft>
+                <a:spcPts val="0"/>
+              </a:spcAft>
+              <a:buSzPts val="2100"/>
+              <a:buChar char="•"/>
+            </a:pPr>
+            <a:r>
+              <a:rPr lang="en-US" sz="1500">
+                <a:solidFill>
+                  <a:schemeClr val="dk1"/>
+                </a:solidFill>
+              </a:rPr>
+              <a:t>If employee job = ‘developer’ thì department = ‘development’ </a:t>
+            </a:r>
+            <a:endParaRPr/>
+          </a:p>
+          <a:p>
+            <a:pPr marL="914400" lvl="1" indent="-361950" algn="l" rtl="0">
+              <a:lnSpc>
+                <a:spcPct val="90000"/>
+              </a:lnSpc>
+              <a:spcBef>
+                <a:spcPts val="800"/>
+              </a:spcBef>
+              <a:spcAft>
+                <a:spcPts val="0"/>
+              </a:spcAft>
+              <a:buSzPts val="2100"/>
+              <a:buChar char="•"/>
+            </a:pPr>
+            <a:r>
+              <a:rPr lang="en-US" sz="1500">
+                <a:solidFill>
+                  <a:schemeClr val="dk1"/>
+                </a:solidFill>
+              </a:rPr>
+              <a:t>If employee job = ‘tester’ thì department  = ‘QA’ </a:t>
+            </a:r>
+            <a:endParaRPr/>
+          </a:p>
+          <a:p>
+            <a:pPr marL="914400" lvl="1" indent="-361950" algn="l" rtl="0">
+              <a:lnSpc>
+                <a:spcPct val="90000"/>
+              </a:lnSpc>
+              <a:spcBef>
+                <a:spcPts val="800"/>
+              </a:spcBef>
+              <a:spcAft>
+                <a:spcPts val="0"/>
+              </a:spcAft>
+              <a:buSzPts val="2100"/>
+              <a:buChar char="•"/>
+            </a:pPr>
+            <a:r>
+              <a:rPr lang="en-US" sz="1500">
+                <a:solidFill>
+                  <a:schemeClr val="dk1"/>
+                </a:solidFill>
+              </a:rPr>
+              <a:t>Còn lại -&gt; department = ‘master’ </a:t>
+            </a:r>
+            <a:endParaRPr sz="1500">
+              <a:solidFill>
+                <a:schemeClr val="dk1"/>
+              </a:solidFill>
+            </a:endParaRPr>
+          </a:p>
+          <a:p>
+            <a:pPr marL="457200" marR="0" lvl="0" indent="-361950" algn="l" rtl="0">
+              <a:lnSpc>
+                <a:spcPct val="90000"/>
+              </a:lnSpc>
+              <a:spcBef>
+                <a:spcPts val="800"/>
+              </a:spcBef>
+              <a:spcAft>
+                <a:spcPts val="0"/>
+              </a:spcAft>
+              <a:buClr>
+                <a:schemeClr val="dk1"/>
+              </a:buClr>
+              <a:buSzPts val="2100"/>
+              <a:buFont typeface="Arial"/>
+              <a:buChar char="•"/>
+            </a:pPr>
+            <a:r>
+              <a:rPr lang="en-US" sz="1800"/>
+              <a:t>Note:</a:t>
+            </a:r>
+            <a:endParaRPr sz="1800"/>
+          </a:p>
+          <a:p>
+            <a:pPr marL="914400" lvl="1" indent="-342900" algn="l" rtl="0">
+              <a:lnSpc>
+                <a:spcPct val="90000"/>
+              </a:lnSpc>
+              <a:spcBef>
+                <a:spcPts val="400"/>
+              </a:spcBef>
+              <a:spcAft>
+                <a:spcPts val="0"/>
+              </a:spcAft>
+              <a:buSzPts val="1800"/>
+              <a:buChar char="•"/>
+            </a:pPr>
+            <a:r>
+              <a:rPr lang="en-US" u="sng">
+                <a:solidFill>
+                  <a:schemeClr val="hlink"/>
+                </a:solidFill>
+                <a:hlinkClick r:id="rId3"/>
+              </a:rPr>
+              <a:t>https://www.w3schools.com/java/java_user_input.asp</a:t>
+            </a:r>
+            <a:endParaRPr/>
+          </a:p>
+          <a:p>
+            <a:pPr marL="914400" lvl="1" indent="-342900" algn="l" rtl="0">
+              <a:lnSpc>
+                <a:spcPct val="90000"/>
+              </a:lnSpc>
+              <a:spcBef>
+                <a:spcPts val="400"/>
+              </a:spcBef>
+              <a:spcAft>
+                <a:spcPts val="0"/>
+              </a:spcAft>
+              <a:buSzPts val="1800"/>
+              <a:buChar char="•"/>
+            </a:pPr>
+            <a:r>
+              <a:rPr lang="en-US" u="sng">
+                <a:solidFill>
+                  <a:schemeClr val="hlink"/>
+                </a:solidFill>
+                <a:hlinkClick r:id="rId4"/>
+              </a:rPr>
+              <a:t>https://www.w3schools.com/java/java_conditions.asp</a:t>
+            </a:r>
+            <a:endParaRPr>
+              <a:solidFill>
+                <a:schemeClr val="dk1"/>
+              </a:solidFill>
+            </a:endParaRPr>
+          </a:p>
+          <a:p>
+            <a:pPr marL="457200" marR="0" lvl="0" indent="-228600" algn="l" rtl="0">
+              <a:lnSpc>
+                <a:spcPct val="90000"/>
+              </a:lnSpc>
+              <a:spcBef>
+                <a:spcPts val="800"/>
+              </a:spcBef>
+              <a:spcAft>
+                <a:spcPts val="0"/>
+              </a:spcAft>
+              <a:buClr>
+                <a:schemeClr val="dk1"/>
+              </a:buClr>
+              <a:buSzPts val="2100"/>
+              <a:buFont typeface="Arial"/>
+              <a:buNone/>
+            </a:pPr>
+            <a:endParaRPr>
+              <a:solidFill>
+                <a:schemeClr val="dk1"/>
+              </a:solidFill>
+            </a:endParaRPr>
+          </a:p>
+        </p:txBody>
+      </p:sp>
+    </p:spTree>
+  </p:cSld>
+  <p:clrMapOvr>
+    <a:masterClrMapping/>
+  </p:clrMapOvr>
+</p:sld>
+</file>
+
+<file path=ppt/slides/slide24.xml><?xml version="1.0" encoding="utf-8"?>
 <p:sld xmlns:a="http://schemas.openxmlformats.org/drawingml/2006/main" xmlns:r="http://schemas.openxmlformats.org/officeDocument/2006/relationships" xmlns:p="http://schemas.openxmlformats.org/presentationml/2006/main">
   <p:cSld>
     <p:spTree>
@@ -16000,149 +18746,6 @@
           <a:lstStyle/>
           <a:p>
             <a:r>
-              <a:rPr lang="en-US" dirty="0"/>
-              <a:t>References</a:t>
-            </a:r>
-          </a:p>
-        </p:txBody>
-      </p:sp>
-      <p:sp>
-        <p:nvSpPr>
-          <p:cNvPr id="3" name="Text Placeholder 2"/>
-          <p:cNvSpPr>
-            <a:spLocks noGrp="1"/>
-          </p:cNvSpPr>
-          <p:nvPr>
-            <p:ph type="body" idx="1"/>
-          </p:nvPr>
-        </p:nvSpPr>
-        <p:spPr/>
-        <p:txBody>
-          <a:bodyPr/>
-          <a:lstStyle/>
-          <a:p>
-            <a:r>
-              <a:rPr lang="en-US" dirty="0">
-                <a:hlinkClick r:id="rId2"/>
-              </a:rPr>
-              <a:t>https://viettuts.vn/java</a:t>
-            </a:r>
-            <a:endParaRPr lang="vi-VN" dirty="0" smtClean="0">
-              <a:hlinkClick r:id="rId3"/>
-            </a:endParaRPr>
-          </a:p>
-          <a:p>
-            <a:r>
-              <a:rPr lang="en-US" dirty="0" smtClean="0">
-                <a:hlinkClick r:id="rId4"/>
-              </a:rPr>
-              <a:t>https</a:t>
-            </a:r>
-            <a:r>
-              <a:rPr lang="en-US" dirty="0">
-                <a:hlinkClick r:id="rId4"/>
-              </a:rPr>
-              <a:t>://www.w3schools.com/java</a:t>
-            </a:r>
-            <a:r>
-              <a:rPr lang="en-US" dirty="0" smtClean="0">
-                <a:hlinkClick r:id="rId4"/>
-              </a:rPr>
-              <a:t>/</a:t>
-            </a:r>
-            <a:endParaRPr lang="vi-VN" dirty="0" smtClean="0"/>
-          </a:p>
-          <a:p>
-            <a:r>
-              <a:rPr lang="en-US" dirty="0">
-                <a:hlinkClick r:id="rId3"/>
-              </a:rPr>
-              <a:t>https://</a:t>
-            </a:r>
-            <a:r>
-              <a:rPr lang="en-US" dirty="0" smtClean="0">
-                <a:hlinkClick r:id="rId3"/>
-              </a:rPr>
-              <a:t>o7planning.org/vi/12571/lich-su-cua-java-va-su-khac-biet-giua-oracle-jdk-va-openjdk</a:t>
-            </a:r>
-            <a:endParaRPr lang="vi-VN" dirty="0"/>
-          </a:p>
-          <a:p>
-            <a:r>
-              <a:rPr lang="vi-VN" dirty="0"/>
-              <a:t>Github</a:t>
-            </a:r>
-          </a:p>
-          <a:p>
-            <a:pPr lvl="1"/>
-            <a:r>
-              <a:rPr lang="en-US" dirty="0">
-                <a:latin typeface="Cambria" panose="02040503050406030204" pitchFamily="18" charset="0"/>
-                <a:ea typeface="Cambria" panose="02040503050406030204" pitchFamily="18" charset="0"/>
-                <a:hlinkClick r:id="rId5"/>
-              </a:rPr>
-              <a:t>https://github.com/giaule91/java-core-demo.git</a:t>
-            </a:r>
-            <a:endParaRPr lang="vi-VN" dirty="0">
-              <a:latin typeface="Cambria" panose="02040503050406030204" pitchFamily="18" charset="0"/>
-              <a:ea typeface="Cambria" panose="02040503050406030204" pitchFamily="18" charset="0"/>
-            </a:endParaRPr>
-          </a:p>
-        </p:txBody>
-      </p:sp>
-    </p:spTree>
-    <p:extLst>
-      <p:ext uri="{BB962C8B-B14F-4D97-AF65-F5344CB8AC3E}">
-        <p14:creationId xmlns:p14="http://schemas.microsoft.com/office/powerpoint/2010/main" val="1248162309"/>
-      </p:ext>
-    </p:extLst>
-  </p:cSld>
-  <p:clrMapOvr>
-    <a:masterClrMapping/>
-  </p:clrMapOvr>
-  <p:timing>
-    <p:tnLst>
-      <p:par>
-        <p:cTn id="1" dur="indefinite" restart="never" nodeType="tmRoot"/>
-      </p:par>
-    </p:tnLst>
-  </p:timing>
-</p:sld>
-</file>
-
-<file path=ppt/slides/slide20.xml><?xml version="1.0" encoding="utf-8"?>
-<p:sld xmlns:a="http://schemas.openxmlformats.org/drawingml/2006/main" xmlns:r="http://schemas.openxmlformats.org/officeDocument/2006/relationships" xmlns:p="http://schemas.openxmlformats.org/presentationml/2006/main">
-  <p:cSld>
-    <p:spTree>
-      <p:nvGrpSpPr>
-        <p:cNvPr id="1" name=""/>
-        <p:cNvGrpSpPr/>
-        <p:nvPr/>
-      </p:nvGrpSpPr>
-      <p:grpSpPr>
-        <a:xfrm>
-          <a:off x="0" y="0"/>
-          <a:ext cx="0" cy="0"/>
-          <a:chOff x="0" y="0"/>
-          <a:chExt cx="0" cy="0"/>
-        </a:xfrm>
-      </p:grpSpPr>
-      <p:sp>
-        <p:nvSpPr>
-          <p:cNvPr id="2" name="Title 1"/>
-          <p:cNvSpPr>
-            <a:spLocks noGrp="1"/>
-          </p:cNvSpPr>
-          <p:nvPr>
-            <p:ph type="title"/>
-          </p:nvPr>
-        </p:nvSpPr>
-        <p:spPr/>
-        <p:txBody>
-          <a:bodyPr/>
-          <a:lstStyle/>
-          <a:p>
-            <a:r>
               <a:rPr lang="en-US" sz="3600" b="1" dirty="0">
                 <a:cs typeface="Calibri" panose="020F0502020204030204" pitchFamily="34" charset="0"/>
               </a:rPr>
@@ -16286,14 +18889,6 @@
               </a:rPr>
               <a:t>Packages</a:t>
             </a:r>
-            <a:r>
-              <a:rPr lang="en-US" dirty="0">
-                <a:latin typeface="Cambria" panose="02040503050406030204" pitchFamily="18" charset="0"/>
-                <a:ea typeface="Cambria" panose="02040503050406030204" pitchFamily="18" charset="0"/>
-                <a:cs typeface="Tahoma" pitchFamily="34" charset="0"/>
-              </a:rPr>
-              <a:t/>
-            </a:r>
             <a:br>
               <a:rPr lang="en-US" dirty="0">
                 <a:latin typeface="Cambria" panose="02040503050406030204" pitchFamily="18" charset="0"/>
@@ -16301,12 +18896,6 @@
                 <a:cs typeface="Tahoma" pitchFamily="34" charset="0"/>
               </a:rPr>
             </a:br>
-            <a:r>
-              <a:rPr lang="en-US" sz="2325" dirty="0">
-                <a:cs typeface="Calibri" panose="020F0502020204030204" pitchFamily="34" charset="0"/>
-              </a:rPr>
-              <a:t/>
-            </a:r>
             <a:br>
               <a:rPr lang="en-US" sz="2325" dirty="0">
                 <a:cs typeface="Calibri" panose="020F0502020204030204" pitchFamily="34" charset="0"/>
@@ -16326,17 +18915,10 @@
   <p:clrMapOvr>
     <a:masterClrMapping/>
   </p:clrMapOvr>
-  <p:timing>
-    <p:tnLst>
-      <p:par>
-        <p:cTn id="1" dur="indefinite" restart="never" nodeType="tmRoot"/>
-      </p:par>
-    </p:tnLst>
-  </p:timing>
 </p:sld>
 </file>
 
-<file path=ppt/slides/slide21.xml><?xml version="1.0" encoding="utf-8"?>
+<file path=ppt/slides/slide25.xml><?xml version="1.0" encoding="utf-8"?>
 <p:sld xmlns:a="http://schemas.openxmlformats.org/drawingml/2006/main" xmlns:r="http://schemas.openxmlformats.org/officeDocument/2006/relationships" xmlns:p="http://schemas.openxmlformats.org/presentationml/2006/main">
   <p:cSld>
     <p:spTree>
@@ -16461,17 +19043,10 @@
   <p:clrMapOvr>
     <a:masterClrMapping/>
   </p:clrMapOvr>
-  <p:timing>
-    <p:tnLst>
-      <p:par>
-        <p:cTn id="1" dur="indefinite" restart="never" nodeType="tmRoot"/>
-      </p:par>
-    </p:tnLst>
-  </p:timing>
 </p:sld>
 </file>
 
-<file path=ppt/slides/slide22.xml><?xml version="1.0" encoding="utf-8"?>
+<file path=ppt/slides/slide26.xml><?xml version="1.0" encoding="utf-8"?>
 <p:sld xmlns:a="http://schemas.openxmlformats.org/drawingml/2006/main" xmlns:r="http://schemas.openxmlformats.org/officeDocument/2006/relationships" xmlns:p="http://schemas.openxmlformats.org/presentationml/2006/main">
   <p:cSld>
     <p:spTree>
@@ -16609,17 +19184,10 @@
   <p:clrMapOvr>
     <a:masterClrMapping/>
   </p:clrMapOvr>
-  <p:timing>
-    <p:tnLst>
-      <p:par>
-        <p:cTn id="1" dur="indefinite" restart="never" nodeType="tmRoot"/>
-      </p:par>
-    </p:tnLst>
-  </p:timing>
 </p:sld>
 </file>
 
-<file path=ppt/slides/slide23.xml><?xml version="1.0" encoding="utf-8"?>
+<file path=ppt/slides/slide27.xml><?xml version="1.0" encoding="utf-8"?>
 <p:sld xmlns:a="http://schemas.openxmlformats.org/drawingml/2006/main" xmlns:r="http://schemas.openxmlformats.org/officeDocument/2006/relationships" xmlns:p="http://schemas.openxmlformats.org/presentationml/2006/main">
   <p:cSld>
     <p:spTree>
@@ -16768,17 +19336,10 @@
   <p:clrMapOvr>
     <a:masterClrMapping/>
   </p:clrMapOvr>
-  <p:timing>
-    <p:tnLst>
-      <p:par>
-        <p:cTn id="1" dur="indefinite" restart="never" nodeType="tmRoot"/>
-      </p:par>
-    </p:tnLst>
-  </p:timing>
 </p:sld>
 </file>
 
-<file path=ppt/slides/slide24.xml><?xml version="1.0" encoding="utf-8"?>
+<file path=ppt/slides/slide28.xml><?xml version="1.0" encoding="utf-8"?>
 <p:sld xmlns:a="http://schemas.openxmlformats.org/drawingml/2006/main" xmlns:r="http://schemas.openxmlformats.org/officeDocument/2006/relationships" xmlns:p="http://schemas.openxmlformats.org/presentationml/2006/main">
   <p:cSld>
     <p:spTree>
@@ -16877,17 +19438,10 @@
   <p:clrMapOvr>
     <a:masterClrMapping/>
   </p:clrMapOvr>
-  <p:timing>
-    <p:tnLst>
-      <p:par>
-        <p:cTn id="1" dur="indefinite" restart="never" nodeType="tmRoot"/>
-      </p:par>
-    </p:tnLst>
-  </p:timing>
 </p:sld>
 </file>
 
-<file path=ppt/slides/slide25.xml><?xml version="1.0" encoding="utf-8"?>
+<file path=ppt/slides/slide29.xml><?xml version="1.0" encoding="utf-8"?>
 <p:sld xmlns:a="http://schemas.openxmlformats.org/drawingml/2006/main" xmlns:r="http://schemas.openxmlformats.org/officeDocument/2006/relationships" xmlns:p="http://schemas.openxmlformats.org/presentationml/2006/main">
   <p:cSld>
     <p:spTree>
@@ -17035,17 +19589,226 @@
   <p:clrMapOvr>
     <a:masterClrMapping/>
   </p:clrMapOvr>
-  <p:timing>
-    <p:tnLst>
-      <p:par>
-        <p:cTn id="1" dur="indefinite" restart="never" nodeType="tmRoot"/>
-      </p:par>
-    </p:tnLst>
-  </p:timing>
 </p:sld>
 </file>
 
-<file path=ppt/slides/slide26.xml><?xml version="1.0" encoding="utf-8"?>
+<file path=ppt/slides/slide3.xml><?xml version="1.0" encoding="utf-8"?>
+<p:sld xmlns:a="http://schemas.openxmlformats.org/drawingml/2006/main" xmlns:r="http://schemas.openxmlformats.org/officeDocument/2006/relationships" xmlns:p="http://schemas.openxmlformats.org/presentationml/2006/main">
+  <p:cSld>
+    <p:spTree>
+      <p:nvGrpSpPr>
+        <p:cNvPr id="1" name="Shape 93"/>
+        <p:cNvGrpSpPr/>
+        <p:nvPr/>
+      </p:nvGrpSpPr>
+      <p:grpSpPr>
+        <a:xfrm>
+          <a:off x="0" y="0"/>
+          <a:ext cx="0" cy="0"/>
+          <a:chOff x="0" y="0"/>
+          <a:chExt cx="0" cy="0"/>
+        </a:xfrm>
+      </p:grpSpPr>
+      <p:sp>
+        <p:nvSpPr>
+          <p:cNvPr id="94" name="Google Shape;94;p14"/>
+          <p:cNvSpPr txBox="1">
+            <a:spLocks noGrp="1"/>
+          </p:cNvSpPr>
+          <p:nvPr>
+            <p:ph type="title"/>
+          </p:nvPr>
+        </p:nvSpPr>
+        <p:spPr>
+          <a:xfrm>
+            <a:off x="3436705" y="273844"/>
+            <a:ext cx="5078700" cy="640200"/>
+          </a:xfrm>
+          <a:prstGeom prst="rect">
+            <a:avLst/>
+          </a:prstGeom>
+        </p:spPr>
+        <p:txBody>
+          <a:bodyPr spcFirstLastPara="1" wrap="square" lIns="68575" tIns="68575" rIns="68575" bIns="68575" anchor="ctr" anchorCtr="0">
+            <a:noAutofit/>
+          </a:bodyPr>
+          <a:lstStyle/>
+          <a:p>
+            <a:pPr marL="0" lvl="0" indent="0" algn="r" rtl="0">
+              <a:spcBef>
+                <a:spcPts val="0"/>
+              </a:spcBef>
+              <a:spcAft>
+                <a:spcPts val="0"/>
+              </a:spcAft>
+              <a:buNone/>
+            </a:pPr>
+            <a:r>
+              <a:rPr lang="en" dirty="0"/>
+              <a:t>Overview</a:t>
+            </a:r>
+            <a:endParaRPr dirty="0"/>
+          </a:p>
+        </p:txBody>
+      </p:sp>
+      <p:sp>
+        <p:nvSpPr>
+          <p:cNvPr id="95" name="Google Shape;95;p14"/>
+          <p:cNvSpPr txBox="1">
+            <a:spLocks noGrp="1"/>
+          </p:cNvSpPr>
+          <p:nvPr>
+            <p:ph type="body" idx="1"/>
+          </p:nvPr>
+        </p:nvSpPr>
+        <p:spPr>
+          <a:xfrm>
+            <a:off x="628650" y="1054976"/>
+            <a:ext cx="7886700" cy="3597300"/>
+          </a:xfrm>
+          <a:prstGeom prst="rect">
+            <a:avLst/>
+          </a:prstGeom>
+        </p:spPr>
+        <p:txBody>
+          <a:bodyPr spcFirstLastPara="1" wrap="square" lIns="68575" tIns="68575" rIns="68575" bIns="68575" anchor="t" anchorCtr="0">
+            <a:noAutofit/>
+          </a:bodyPr>
+          <a:lstStyle/>
+          <a:p>
+            <a:pPr lvl="0" indent="-457200">
+              <a:buFont typeface="+mj-lt"/>
+              <a:buAutoNum type="arabicPeriod"/>
+            </a:pPr>
+            <a:r>
+              <a:rPr lang="en-US" b="1" dirty="0">
+                <a:latin typeface="+mn-lt"/>
+              </a:rPr>
+              <a:t>Overview and setup</a:t>
+            </a:r>
+          </a:p>
+          <a:p>
+            <a:pPr lvl="0" indent="-457200">
+              <a:buFont typeface="+mj-lt"/>
+              <a:buAutoNum type="arabicPeriod"/>
+            </a:pPr>
+            <a:r>
+              <a:rPr lang="en-US" b="1" dirty="0">
+                <a:latin typeface="+mn-lt"/>
+              </a:rPr>
+              <a:t>Rule &amp; syntax</a:t>
+            </a:r>
+          </a:p>
+          <a:p>
+            <a:pPr lvl="0" indent="-457200">
+              <a:buFont typeface="+mj-lt"/>
+              <a:buAutoNum type="arabicPeriod"/>
+            </a:pPr>
+            <a:r>
+              <a:rPr lang="en-US" b="1" dirty="0">
+                <a:latin typeface="+mn-lt"/>
+              </a:rPr>
+              <a:t>Object and Classes</a:t>
+            </a:r>
+          </a:p>
+          <a:p>
+            <a:pPr lvl="0" indent="-457200">
+              <a:buFont typeface="+mj-lt"/>
+              <a:buAutoNum type="arabicPeriod"/>
+            </a:pPr>
+            <a:r>
+              <a:rPr lang="en-US" b="1" dirty="0">
+                <a:latin typeface="+mn-lt"/>
+              </a:rPr>
+              <a:t>Data Types</a:t>
+            </a:r>
+          </a:p>
+          <a:p>
+            <a:pPr lvl="0" indent="-457200">
+              <a:buFont typeface="+mj-lt"/>
+              <a:buAutoNum type="arabicPeriod"/>
+            </a:pPr>
+            <a:r>
+              <a:rPr lang="en-US" b="1" dirty="0">
+                <a:latin typeface="+mn-lt"/>
+              </a:rPr>
+              <a:t>Operator, Decision Making, Loop</a:t>
+            </a:r>
+          </a:p>
+          <a:p>
+            <a:pPr lvl="0" indent="-457200">
+              <a:buFont typeface="+mj-lt"/>
+              <a:buAutoNum type="arabicPeriod"/>
+            </a:pPr>
+            <a:r>
+              <a:rPr lang="en-US" b="1" dirty="0">
+                <a:latin typeface="+mn-lt"/>
+              </a:rPr>
+              <a:t>OOP</a:t>
+            </a:r>
+          </a:p>
+          <a:p>
+            <a:pPr lvl="0" indent="-457200">
+              <a:buFont typeface="+mj-lt"/>
+              <a:buAutoNum type="arabicPeriod"/>
+            </a:pPr>
+            <a:r>
+              <a:rPr lang="en-US" b="1" dirty="0">
+                <a:latin typeface="+mn-lt"/>
+              </a:rPr>
+              <a:t>Collections</a:t>
+            </a:r>
+          </a:p>
+          <a:p>
+            <a:pPr lvl="0" indent="-457200">
+              <a:buFont typeface="+mj-lt"/>
+              <a:buAutoNum type="arabicPeriod"/>
+            </a:pPr>
+            <a:r>
+              <a:rPr lang="en-US" b="1" dirty="0">
+                <a:latin typeface="+mn-lt"/>
+              </a:rPr>
+              <a:t>Exception</a:t>
+            </a:r>
+          </a:p>
+          <a:p>
+            <a:pPr lvl="0" indent="-457200">
+              <a:buFont typeface="+mj-lt"/>
+              <a:buAutoNum type="arabicPeriod"/>
+            </a:pPr>
+            <a:r>
+              <a:rPr lang="en-US" b="1" dirty="0">
+                <a:latin typeface="+mn-lt"/>
+              </a:rPr>
+              <a:t>DAO, DTO</a:t>
+            </a:r>
+          </a:p>
+          <a:p>
+            <a:pPr lvl="0" indent="-457200" algn="l" rtl="0">
+              <a:spcBef>
+                <a:spcPts val="800"/>
+              </a:spcBef>
+              <a:spcAft>
+                <a:spcPts val="0"/>
+              </a:spcAft>
+              <a:buFont typeface="+mj-lt"/>
+              <a:buAutoNum type="arabicPeriod"/>
+            </a:pPr>
+            <a:endParaRPr dirty="0">
+              <a:latin typeface="+mn-lt"/>
+            </a:endParaRPr>
+          </a:p>
+        </p:txBody>
+      </p:sp>
+    </p:spTree>
+  </p:cSld>
+  <p:clrMapOvr>
+    <a:masterClrMapping/>
+  </p:clrMapOvr>
+</p:sld>
+</file>
+
+<file path=ppt/slides/slide30.xml><?xml version="1.0" encoding="utf-8"?>
 <p:sld xmlns:a="http://schemas.openxmlformats.org/drawingml/2006/main" xmlns:r="http://schemas.openxmlformats.org/officeDocument/2006/relationships" xmlns:p="http://schemas.openxmlformats.org/presentationml/2006/main">
   <p:cSld>
     <p:spTree>
@@ -17300,17 +20063,10 @@
   <p:clrMapOvr>
     <a:masterClrMapping/>
   </p:clrMapOvr>
-  <p:timing>
-    <p:tnLst>
-      <p:par>
-        <p:cTn id="1" dur="indefinite" restart="never" nodeType="tmRoot"/>
-      </p:par>
-    </p:tnLst>
-  </p:timing>
 </p:sld>
 </file>
 
-<file path=ppt/slides/slide27.xml><?xml version="1.0" encoding="utf-8"?>
+<file path=ppt/slides/slide31.xml><?xml version="1.0" encoding="utf-8"?>
 <p:sld xmlns:a="http://schemas.openxmlformats.org/drawingml/2006/main" xmlns:r="http://schemas.openxmlformats.org/officeDocument/2006/relationships" xmlns:p="http://schemas.openxmlformats.org/presentationml/2006/main">
   <p:cSld>
     <p:spTree>
@@ -17433,17 +20189,10 @@
   <p:clrMapOvr>
     <a:masterClrMapping/>
   </p:clrMapOvr>
-  <p:timing>
-    <p:tnLst>
-      <p:par>
-        <p:cTn id="1" dur="indefinite" restart="never" nodeType="tmRoot"/>
-      </p:par>
-    </p:tnLst>
-  </p:timing>
 </p:sld>
 </file>
 
-<file path=ppt/slides/slide28.xml><?xml version="1.0" encoding="utf-8"?>
+<file path=ppt/slides/slide32.xml><?xml version="1.0" encoding="utf-8"?>
 <p:sld xmlns:a="http://schemas.openxmlformats.org/drawingml/2006/main" xmlns:r="http://schemas.openxmlformats.org/officeDocument/2006/relationships" xmlns:p="http://schemas.openxmlformats.org/presentationml/2006/main">
   <p:cSld>
     <p:spTree>
@@ -17639,17 +20388,303 @@
   <p:clrMapOvr>
     <a:masterClrMapping/>
   </p:clrMapOvr>
-  <p:timing>
-    <p:tnLst>
-      <p:par>
-        <p:cTn id="1" dur="indefinite" restart="never" nodeType="tmRoot"/>
-      </p:par>
-    </p:tnLst>
-  </p:timing>
 </p:sld>
 </file>
 
-<file path=ppt/slides/slide29.xml><?xml version="1.0" encoding="utf-8"?>
+<file path=ppt/slides/slide33.xml><?xml version="1.0" encoding="utf-8"?>
+<p:sld xmlns:a="http://schemas.openxmlformats.org/drawingml/2006/main" xmlns:r="http://schemas.openxmlformats.org/officeDocument/2006/relationships" xmlns:p="http://schemas.openxmlformats.org/presentationml/2006/main">
+  <p:cSld>
+    <p:spTree>
+      <p:nvGrpSpPr>
+        <p:cNvPr id="1" name="Shape 299"/>
+        <p:cNvGrpSpPr/>
+        <p:nvPr/>
+      </p:nvGrpSpPr>
+      <p:grpSpPr>
+        <a:xfrm>
+          <a:off x="0" y="0"/>
+          <a:ext cx="0" cy="0"/>
+          <a:chOff x="0" y="0"/>
+          <a:chExt cx="0" cy="0"/>
+        </a:xfrm>
+      </p:grpSpPr>
+      <p:sp>
+        <p:nvSpPr>
+          <p:cNvPr id="300" name="Google Shape;300;p33"/>
+          <p:cNvSpPr txBox="1">
+            <a:spLocks noGrp="1"/>
+          </p:cNvSpPr>
+          <p:nvPr>
+            <p:ph type="title"/>
+          </p:nvPr>
+        </p:nvSpPr>
+        <p:spPr>
+          <a:xfrm>
+            <a:off x="723901" y="286789"/>
+            <a:ext cx="7810500" cy="487499"/>
+          </a:xfrm>
+          <a:prstGeom prst="rect">
+            <a:avLst/>
+          </a:prstGeom>
+          <a:noFill/>
+          <a:ln>
+            <a:noFill/>
+          </a:ln>
+        </p:spPr>
+        <p:txBody>
+          <a:bodyPr spcFirstLastPara="1" wrap="square" lIns="68575" tIns="68575" rIns="68575" bIns="68575" anchor="ctr" anchorCtr="0">
+            <a:normAutofit/>
+          </a:bodyPr>
+          <a:lstStyle/>
+          <a:p>
+            <a:pPr marL="0" marR="0" lvl="0" indent="0" algn="r" rtl="0">
+              <a:lnSpc>
+                <a:spcPct val="90000"/>
+              </a:lnSpc>
+              <a:spcBef>
+                <a:spcPts val="0"/>
+              </a:spcBef>
+              <a:spcAft>
+                <a:spcPts val="0"/>
+              </a:spcAft>
+              <a:buClr>
+                <a:schemeClr val="dk1"/>
+              </a:buClr>
+              <a:buSzPts val="1100"/>
+              <a:buFont typeface="Calibri"/>
+              <a:buNone/>
+            </a:pPr>
+            <a:r>
+              <a:rPr lang="en-US" sz="2430">
+                <a:solidFill>
+                  <a:srgbClr val="FF0000"/>
+                </a:solidFill>
+                <a:latin typeface="Tahoma"/>
+                <a:ea typeface="Tahoma"/>
+                <a:cs typeface="Tahoma"/>
+                <a:sym typeface="Tahoma"/>
+              </a:rPr>
+              <a:t>Lab 3</a:t>
+            </a:r>
+            <a:endParaRPr sz="2700" i="1">
+              <a:solidFill>
+                <a:srgbClr val="FF0000"/>
+              </a:solidFill>
+              <a:latin typeface="Tahoma"/>
+              <a:ea typeface="Tahoma"/>
+              <a:cs typeface="Tahoma"/>
+              <a:sym typeface="Tahoma"/>
+            </a:endParaRPr>
+          </a:p>
+        </p:txBody>
+      </p:sp>
+      <p:sp>
+        <p:nvSpPr>
+          <p:cNvPr id="301" name="Google Shape;301;p33"/>
+          <p:cNvSpPr txBox="1">
+            <a:spLocks noGrp="1"/>
+          </p:cNvSpPr>
+          <p:nvPr>
+            <p:ph type="body" idx="1"/>
+          </p:nvPr>
+        </p:nvSpPr>
+        <p:spPr>
+          <a:xfrm>
+            <a:off x="59475" y="1057275"/>
+            <a:ext cx="6286800" cy="3779100"/>
+          </a:xfrm>
+          <a:prstGeom prst="rect">
+            <a:avLst/>
+          </a:prstGeom>
+          <a:noFill/>
+          <a:ln>
+            <a:noFill/>
+          </a:ln>
+        </p:spPr>
+        <p:txBody>
+          <a:bodyPr spcFirstLastPara="1" wrap="square" lIns="68575" tIns="68575" rIns="68575" bIns="68575" anchor="t" anchorCtr="0">
+            <a:noAutofit/>
+          </a:bodyPr>
+          <a:lstStyle/>
+          <a:p>
+            <a:pPr marL="0" lvl="0" indent="0" algn="l" rtl="0">
+              <a:lnSpc>
+                <a:spcPct val="90000"/>
+              </a:lnSpc>
+              <a:spcBef>
+                <a:spcPts val="800"/>
+              </a:spcBef>
+              <a:spcAft>
+                <a:spcPts val="0"/>
+              </a:spcAft>
+              <a:buSzPts val="2100"/>
+              <a:buNone/>
+            </a:pPr>
+            <a:r>
+              <a:rPr lang="en-US"/>
+              <a:t>Tạo package </a:t>
+            </a:r>
+            <a:r>
+              <a:rPr lang="en-US" b="1"/>
+              <a:t>com.demo.core.lab3</a:t>
+            </a:r>
+            <a:endParaRPr b="1"/>
+          </a:p>
+          <a:p>
+            <a:pPr marL="457200" lvl="0" indent="-361950" algn="l" rtl="0">
+              <a:lnSpc>
+                <a:spcPct val="90000"/>
+              </a:lnSpc>
+              <a:spcBef>
+                <a:spcPts val="800"/>
+              </a:spcBef>
+              <a:spcAft>
+                <a:spcPts val="0"/>
+              </a:spcAft>
+              <a:buSzPts val="2100"/>
+              <a:buNone/>
+            </a:pPr>
+            <a:r>
+              <a:rPr lang="en-US"/>
+              <a:t>Tạo class Shape với thuộc tính color</a:t>
+            </a:r>
+            <a:endParaRPr/>
+          </a:p>
+          <a:p>
+            <a:pPr marL="457200" marR="0" lvl="0" indent="-361950" algn="l" rtl="0">
+              <a:lnSpc>
+                <a:spcPct val="90000"/>
+              </a:lnSpc>
+              <a:spcBef>
+                <a:spcPts val="800"/>
+              </a:spcBef>
+              <a:spcAft>
+                <a:spcPts val="0"/>
+              </a:spcAft>
+              <a:buClr>
+                <a:schemeClr val="dk1"/>
+              </a:buClr>
+              <a:buSzPts val="2100"/>
+              <a:buFont typeface="Arial"/>
+              <a:buChar char="•"/>
+            </a:pPr>
+            <a:r>
+              <a:rPr lang="en-US"/>
+              <a:t>Method getArea() is abstract method</a:t>
+            </a:r>
+            <a:endParaRPr>
+              <a:latin typeface="Tahoma"/>
+              <a:ea typeface="Tahoma"/>
+              <a:cs typeface="Tahoma"/>
+              <a:sym typeface="Tahoma"/>
+            </a:endParaRPr>
+          </a:p>
+          <a:p>
+            <a:pPr marL="95250" marR="0" lvl="0" indent="0" algn="l" rtl="0">
+              <a:lnSpc>
+                <a:spcPct val="90000"/>
+              </a:lnSpc>
+              <a:spcBef>
+                <a:spcPts val="800"/>
+              </a:spcBef>
+              <a:spcAft>
+                <a:spcPts val="0"/>
+              </a:spcAft>
+              <a:buClr>
+                <a:schemeClr val="dk1"/>
+              </a:buClr>
+              <a:buSzPts val="2100"/>
+              <a:buNone/>
+            </a:pPr>
+            <a:r>
+              <a:rPr lang="en-US"/>
+              <a:t>Tạo class Rectangle (hình chữ nhật) và Triangle (tam giác) là hai lớp con của Shape, với thêm 2 thuộc tính length, width</a:t>
+            </a:r>
+            <a:endParaRPr/>
+          </a:p>
+          <a:p>
+            <a:pPr marL="95250" lvl="0" indent="0" algn="l" rtl="0">
+              <a:lnSpc>
+                <a:spcPct val="90000"/>
+              </a:lnSpc>
+              <a:spcBef>
+                <a:spcPts val="800"/>
+              </a:spcBef>
+              <a:spcAft>
+                <a:spcPts val="0"/>
+              </a:spcAft>
+              <a:buSzPts val="2100"/>
+              <a:buNone/>
+            </a:pPr>
+            <a:r>
+              <a:rPr lang="en-US"/>
+              <a:t>Overwrite method getArea() trong class Rectangle và Triangle tính diện tích tương ứng.</a:t>
+            </a:r>
+            <a:endParaRPr/>
+          </a:p>
+          <a:p>
+            <a:pPr marL="95250" lvl="0" indent="0" algn="l" rtl="0">
+              <a:lnSpc>
+                <a:spcPct val="90000"/>
+              </a:lnSpc>
+              <a:spcBef>
+                <a:spcPts val="800"/>
+              </a:spcBef>
+              <a:spcAft>
+                <a:spcPts val="0"/>
+              </a:spcAft>
+              <a:buSzPts val="2100"/>
+              <a:buNone/>
+            </a:pPr>
+            <a:r>
+              <a:rPr lang="en-US" u="sng">
+                <a:solidFill>
+                  <a:schemeClr val="hlink"/>
+                </a:solidFill>
+                <a:hlinkClick r:id="rId3"/>
+              </a:rPr>
+              <a:t>https://www.w3schools.com/java/java_abstract.asp</a:t>
+            </a:r>
+            <a:endParaRPr/>
+          </a:p>
+        </p:txBody>
+      </p:sp>
+      <p:pic>
+        <p:nvPicPr>
+          <p:cNvPr id="302" name="Google Shape;302;p33"/>
+          <p:cNvPicPr preferRelativeResize="0"/>
+          <p:nvPr/>
+        </p:nvPicPr>
+        <p:blipFill rotWithShape="1">
+          <a:blip r:embed="rId4">
+            <a:alphaModFix/>
+          </a:blip>
+          <a:srcRect/>
+          <a:stretch/>
+        </p:blipFill>
+        <p:spPr>
+          <a:xfrm>
+            <a:off x="6346147" y="1468442"/>
+            <a:ext cx="2678906" cy="2850356"/>
+          </a:xfrm>
+          <a:prstGeom prst="rect">
+            <a:avLst/>
+          </a:prstGeom>
+          <a:noFill/>
+          <a:ln>
+            <a:noFill/>
+          </a:ln>
+        </p:spPr>
+      </p:pic>
+    </p:spTree>
+  </p:cSld>
+  <p:clrMapOvr>
+    <a:masterClrMapping/>
+  </p:clrMapOvr>
+</p:sld>
+</file>
+
+<file path=ppt/slides/slide34.xml><?xml version="1.0" encoding="utf-8"?>
 <p:sld xmlns:a="http://schemas.openxmlformats.org/drawingml/2006/main" xmlns:r="http://schemas.openxmlformats.org/officeDocument/2006/relationships" xmlns:p="http://schemas.openxmlformats.org/presentationml/2006/main">
   <p:cSld>
     <p:spTree>
@@ -17783,243 +20818,10 @@
   <p:clrMapOvr>
     <a:masterClrMapping/>
   </p:clrMapOvr>
-  <p:timing>
-    <p:tnLst>
-      <p:par>
-        <p:cTn id="1" dur="indefinite" restart="never" nodeType="tmRoot"/>
-      </p:par>
-    </p:tnLst>
-  </p:timing>
 </p:sld>
 </file>
 
-<file path=ppt/slides/slide3.xml><?xml version="1.0" encoding="utf-8"?>
-<p:sld xmlns:a="http://schemas.openxmlformats.org/drawingml/2006/main" xmlns:r="http://schemas.openxmlformats.org/officeDocument/2006/relationships" xmlns:p="http://schemas.openxmlformats.org/presentationml/2006/main">
-  <p:cSld>
-    <p:spTree>
-      <p:nvGrpSpPr>
-        <p:cNvPr id="1" name="Shape 93"/>
-        <p:cNvGrpSpPr/>
-        <p:nvPr/>
-      </p:nvGrpSpPr>
-      <p:grpSpPr>
-        <a:xfrm>
-          <a:off x="0" y="0"/>
-          <a:ext cx="0" cy="0"/>
-          <a:chOff x="0" y="0"/>
-          <a:chExt cx="0" cy="0"/>
-        </a:xfrm>
-      </p:grpSpPr>
-      <p:sp>
-        <p:nvSpPr>
-          <p:cNvPr id="94" name="Google Shape;94;p14"/>
-          <p:cNvSpPr txBox="1">
-            <a:spLocks noGrp="1"/>
-          </p:cNvSpPr>
-          <p:nvPr>
-            <p:ph type="title"/>
-          </p:nvPr>
-        </p:nvSpPr>
-        <p:spPr>
-          <a:xfrm>
-            <a:off x="3436705" y="273844"/>
-            <a:ext cx="5078700" cy="640200"/>
-          </a:xfrm>
-          <a:prstGeom prst="rect">
-            <a:avLst/>
-          </a:prstGeom>
-        </p:spPr>
-        <p:txBody>
-          <a:bodyPr spcFirstLastPara="1" wrap="square" lIns="68575" tIns="68575" rIns="68575" bIns="68575" anchor="ctr" anchorCtr="0">
-            <a:noAutofit/>
-          </a:bodyPr>
-          <a:lstStyle/>
-          <a:p>
-            <a:pPr marL="0" lvl="0" indent="0" algn="r" rtl="0">
-              <a:spcBef>
-                <a:spcPts val="0"/>
-              </a:spcBef>
-              <a:spcAft>
-                <a:spcPts val="0"/>
-              </a:spcAft>
-              <a:buNone/>
-            </a:pPr>
-            <a:r>
-              <a:rPr lang="en" dirty="0"/>
-              <a:t>Overview</a:t>
-            </a:r>
-            <a:endParaRPr dirty="0"/>
-          </a:p>
-        </p:txBody>
-      </p:sp>
-      <p:sp>
-        <p:nvSpPr>
-          <p:cNvPr id="95" name="Google Shape;95;p14"/>
-          <p:cNvSpPr txBox="1">
-            <a:spLocks noGrp="1"/>
-          </p:cNvSpPr>
-          <p:nvPr>
-            <p:ph type="body" idx="1"/>
-          </p:nvPr>
-        </p:nvSpPr>
-        <p:spPr>
-          <a:xfrm>
-            <a:off x="628650" y="1054976"/>
-            <a:ext cx="7886700" cy="3597300"/>
-          </a:xfrm>
-          <a:prstGeom prst="rect">
-            <a:avLst/>
-          </a:prstGeom>
-        </p:spPr>
-        <p:txBody>
-          <a:bodyPr spcFirstLastPara="1" wrap="square" lIns="68575" tIns="68575" rIns="68575" bIns="68575" anchor="t" anchorCtr="0">
-            <a:noAutofit/>
-          </a:bodyPr>
-          <a:lstStyle/>
-          <a:p>
-            <a:pPr lvl="0" indent="-457200">
-              <a:buFont typeface="+mj-lt"/>
-              <a:buAutoNum type="arabicPeriod"/>
-            </a:pPr>
-            <a:r>
-              <a:rPr lang="en-US" b="1" dirty="0">
-                <a:latin typeface="+mn-lt"/>
-              </a:rPr>
-              <a:t>Overview and setup</a:t>
-            </a:r>
-          </a:p>
-          <a:p>
-            <a:pPr lvl="0" indent="-457200">
-              <a:buFont typeface="+mj-lt"/>
-              <a:buAutoNum type="arabicPeriod"/>
-            </a:pPr>
-            <a:r>
-              <a:rPr lang="en-US" b="1" dirty="0">
-                <a:latin typeface="+mn-lt"/>
-              </a:rPr>
-              <a:t>Rule &amp; syntax</a:t>
-            </a:r>
-          </a:p>
-          <a:p>
-            <a:pPr lvl="0" indent="-457200">
-              <a:buFont typeface="+mj-lt"/>
-              <a:buAutoNum type="arabicPeriod"/>
-            </a:pPr>
-            <a:r>
-              <a:rPr lang="en-US" b="1" dirty="0">
-                <a:latin typeface="+mn-lt"/>
-              </a:rPr>
-              <a:t>Object and Classes</a:t>
-            </a:r>
-          </a:p>
-          <a:p>
-            <a:pPr lvl="0" indent="-457200">
-              <a:buFont typeface="+mj-lt"/>
-              <a:buAutoNum type="arabicPeriod"/>
-            </a:pPr>
-            <a:r>
-              <a:rPr lang="en-US" b="1" dirty="0">
-                <a:latin typeface="+mn-lt"/>
-              </a:rPr>
-              <a:t>Data Types</a:t>
-            </a:r>
-          </a:p>
-          <a:p>
-            <a:pPr lvl="0" indent="-457200">
-              <a:buFont typeface="+mj-lt"/>
-              <a:buAutoNum type="arabicPeriod"/>
-            </a:pPr>
-            <a:r>
-              <a:rPr lang="en-US" b="1" dirty="0">
-                <a:latin typeface="+mn-lt"/>
-              </a:rPr>
-              <a:t>Operator, Decision Making, Loop</a:t>
-            </a:r>
-          </a:p>
-          <a:p>
-            <a:pPr lvl="0" indent="-457200">
-              <a:buFont typeface="+mj-lt"/>
-              <a:buAutoNum type="arabicPeriod"/>
-            </a:pPr>
-            <a:r>
-              <a:rPr lang="en-US" b="1" dirty="0">
-                <a:latin typeface="+mn-lt"/>
-              </a:rPr>
-              <a:t>OOP</a:t>
-            </a:r>
-          </a:p>
-          <a:p>
-            <a:pPr lvl="0" indent="-457200">
-              <a:buFont typeface="+mj-lt"/>
-              <a:buAutoNum type="arabicPeriod"/>
-            </a:pPr>
-            <a:r>
-              <a:rPr lang="en-US" b="1" dirty="0">
-                <a:latin typeface="+mn-lt"/>
-              </a:rPr>
-              <a:t>Collections</a:t>
-            </a:r>
-          </a:p>
-          <a:p>
-            <a:pPr lvl="0" indent="-457200">
-              <a:buFont typeface="+mj-lt"/>
-              <a:buAutoNum type="arabicPeriod"/>
-            </a:pPr>
-            <a:r>
-              <a:rPr lang="en-US" b="1" dirty="0" smtClean="0">
-                <a:latin typeface="+mn-lt"/>
-              </a:rPr>
-              <a:t>Exception</a:t>
-            </a:r>
-          </a:p>
-          <a:p>
-            <a:pPr lvl="0" indent="-457200">
-              <a:buFont typeface="+mj-lt"/>
-              <a:buAutoNum type="arabicPeriod"/>
-            </a:pPr>
-            <a:r>
-              <a:rPr lang="en-US" b="1" dirty="0" smtClean="0">
-                <a:latin typeface="+mn-lt"/>
-              </a:rPr>
-              <a:t>DAO, DTO</a:t>
-            </a:r>
-            <a:endParaRPr lang="en-US" b="1" dirty="0">
-              <a:latin typeface="+mn-lt"/>
-            </a:endParaRPr>
-          </a:p>
-          <a:p>
-            <a:pPr lvl="0" indent="-457200" algn="l" rtl="0">
-              <a:spcBef>
-                <a:spcPts val="800"/>
-              </a:spcBef>
-              <a:spcAft>
-                <a:spcPts val="0"/>
-              </a:spcAft>
-              <a:buFont typeface="+mj-lt"/>
-              <a:buAutoNum type="arabicPeriod"/>
-            </a:pPr>
-            <a:endParaRPr dirty="0">
-              <a:latin typeface="+mn-lt"/>
-            </a:endParaRPr>
-          </a:p>
-        </p:txBody>
-      </p:sp>
-    </p:spTree>
-  </p:cSld>
-  <p:clrMapOvr>
-    <a:masterClrMapping/>
-  </p:clrMapOvr>
-  <p:timing>
-    <p:tnLst>
-      <p:par>
-        <p:cTn id="1" dur="indefinite" restart="never" nodeType="tmRoot"/>
-      </p:par>
-    </p:tnLst>
-  </p:timing>
-</p:sld>
-</file>
-
-<file path=ppt/slides/slide30.xml><?xml version="1.0" encoding="utf-8"?>
+<file path=ppt/slides/slide35.xml><?xml version="1.0" encoding="utf-8"?>
 <p:sld xmlns:a="http://schemas.openxmlformats.org/drawingml/2006/main" xmlns:r="http://schemas.openxmlformats.org/officeDocument/2006/relationships" xmlns:p="http://schemas.openxmlformats.org/presentationml/2006/main">
   <p:cSld>
     <p:bg>
@@ -18194,17 +20996,200 @@
   <p:clrMapOvr>
     <a:overrideClrMapping bg1="lt1" tx1="dk1" bg2="dk2" tx2="lt2" accent1="accent1" accent2="accent2" accent3="accent3" accent4="accent4" accent5="accent5" accent6="accent6" hlink="hlink" folHlink="folHlink"/>
   </p:clrMapOvr>
-  <p:timing>
-    <p:tnLst>
-      <p:par>
-        <p:cTn id="1" dur="indefinite" restart="never" nodeType="tmRoot"/>
-      </p:par>
-    </p:tnLst>
-  </p:timing>
 </p:sld>
 </file>
 
-<file path=ppt/slides/slide31.xml><?xml version="1.0" encoding="utf-8"?>
+<file path=ppt/slides/slide36.xml><?xml version="1.0" encoding="utf-8"?>
+<p:sld xmlns:a="http://schemas.openxmlformats.org/drawingml/2006/main" xmlns:r="http://schemas.openxmlformats.org/officeDocument/2006/relationships" xmlns:p="http://schemas.openxmlformats.org/presentationml/2006/main">
+  <p:cSld>
+    <p:spTree>
+      <p:nvGrpSpPr>
+        <p:cNvPr id="1" name="Shape 319"/>
+        <p:cNvGrpSpPr/>
+        <p:nvPr/>
+      </p:nvGrpSpPr>
+      <p:grpSpPr>
+        <a:xfrm>
+          <a:off x="0" y="0"/>
+          <a:ext cx="0" cy="0"/>
+          <a:chOff x="0" y="0"/>
+          <a:chExt cx="0" cy="0"/>
+        </a:xfrm>
+      </p:grpSpPr>
+      <p:sp>
+        <p:nvSpPr>
+          <p:cNvPr id="320" name="Google Shape;320;p36"/>
+          <p:cNvSpPr txBox="1">
+            <a:spLocks noGrp="1"/>
+          </p:cNvSpPr>
+          <p:nvPr>
+            <p:ph type="title"/>
+          </p:nvPr>
+        </p:nvSpPr>
+        <p:spPr>
+          <a:xfrm>
+            <a:off x="3436705" y="273844"/>
+            <a:ext cx="5078700" cy="640200"/>
+          </a:xfrm>
+          <a:prstGeom prst="rect">
+            <a:avLst/>
+          </a:prstGeom>
+          <a:noFill/>
+          <a:ln>
+            <a:noFill/>
+          </a:ln>
+        </p:spPr>
+        <p:txBody>
+          <a:bodyPr spcFirstLastPara="1" wrap="square" lIns="68575" tIns="68575" rIns="68575" bIns="68575" anchor="ctr" anchorCtr="0">
+            <a:noAutofit/>
+          </a:bodyPr>
+          <a:lstStyle/>
+          <a:p>
+            <a:pPr marL="0" marR="0" lvl="0" indent="0" algn="r" rtl="0">
+              <a:lnSpc>
+                <a:spcPct val="90000"/>
+              </a:lnSpc>
+              <a:spcBef>
+                <a:spcPts val="0"/>
+              </a:spcBef>
+              <a:spcAft>
+                <a:spcPts val="0"/>
+              </a:spcAft>
+              <a:buClr>
+                <a:schemeClr val="dk1"/>
+              </a:buClr>
+              <a:buSzPts val="1100"/>
+              <a:buFont typeface="Calibri"/>
+              <a:buNone/>
+            </a:pPr>
+            <a:r>
+              <a:rPr lang="en-US">
+                <a:solidFill>
+                  <a:srgbClr val="FF0000"/>
+                </a:solidFill>
+              </a:rPr>
+              <a:t>Lab 4</a:t>
+            </a:r>
+            <a:endParaRPr>
+              <a:solidFill>
+                <a:srgbClr val="FF0000"/>
+              </a:solidFill>
+            </a:endParaRPr>
+          </a:p>
+        </p:txBody>
+      </p:sp>
+      <p:sp>
+        <p:nvSpPr>
+          <p:cNvPr id="321" name="Google Shape;321;p36"/>
+          <p:cNvSpPr txBox="1">
+            <a:spLocks noGrp="1"/>
+          </p:cNvSpPr>
+          <p:nvPr>
+            <p:ph type="body" idx="1"/>
+          </p:nvPr>
+        </p:nvSpPr>
+        <p:spPr>
+          <a:xfrm>
+            <a:off x="628650" y="1369219"/>
+            <a:ext cx="7886700" cy="3263400"/>
+          </a:xfrm>
+          <a:prstGeom prst="rect">
+            <a:avLst/>
+          </a:prstGeom>
+          <a:noFill/>
+          <a:ln>
+            <a:noFill/>
+          </a:ln>
+        </p:spPr>
+        <p:txBody>
+          <a:bodyPr spcFirstLastPara="1" wrap="square" lIns="68575" tIns="68575" rIns="68575" bIns="68575" anchor="t" anchorCtr="0">
+            <a:noAutofit/>
+          </a:bodyPr>
+          <a:lstStyle/>
+          <a:p>
+            <a:pPr marL="457200" marR="0" lvl="0" indent="-361950" algn="l" rtl="0">
+              <a:lnSpc>
+                <a:spcPct val="90000"/>
+              </a:lnSpc>
+              <a:spcBef>
+                <a:spcPts val="800"/>
+              </a:spcBef>
+              <a:spcAft>
+                <a:spcPts val="0"/>
+              </a:spcAft>
+              <a:buClr>
+                <a:schemeClr val="dk1"/>
+              </a:buClr>
+              <a:buSzPts val="2100"/>
+              <a:buFont typeface="Arial"/>
+              <a:buChar char="•"/>
+            </a:pPr>
+            <a:r>
+              <a:rPr lang="en-US"/>
+              <a:t>Tạo get/set cho các Class ở Lab 2,3</a:t>
+            </a:r>
+            <a:endParaRPr/>
+          </a:p>
+          <a:p>
+            <a:pPr marL="457200" marR="0" lvl="0" indent="-361950" algn="l" rtl="0">
+              <a:lnSpc>
+                <a:spcPct val="90000"/>
+              </a:lnSpc>
+              <a:spcBef>
+                <a:spcPts val="800"/>
+              </a:spcBef>
+              <a:spcAft>
+                <a:spcPts val="0"/>
+              </a:spcAft>
+              <a:buClr>
+                <a:schemeClr val="dk1"/>
+              </a:buClr>
+              <a:buSzPts val="2100"/>
+              <a:buFont typeface="Arial"/>
+              <a:buChar char="•"/>
+            </a:pPr>
+            <a:r>
+              <a:rPr lang="en-US"/>
+              <a:t>Set các giá trị cho các objects đó</a:t>
+            </a:r>
+            <a:endParaRPr/>
+          </a:p>
+          <a:p>
+            <a:pPr marL="457200" lvl="0" indent="-361950" algn="l" rtl="0">
+              <a:lnSpc>
+                <a:spcPct val="90000"/>
+              </a:lnSpc>
+              <a:spcBef>
+                <a:spcPts val="800"/>
+              </a:spcBef>
+              <a:spcAft>
+                <a:spcPts val="0"/>
+              </a:spcAft>
+              <a:buSzPts val="2100"/>
+              <a:buChar char="•"/>
+            </a:pPr>
+            <a:r>
+              <a:rPr lang="en-US" u="sng">
+                <a:solidFill>
+                  <a:schemeClr val="hlink"/>
+                </a:solidFill>
+                <a:hlinkClick r:id="rId3"/>
+              </a:rPr>
+              <a:t>https://www.w3schools.com/java/java_encapsulation.asp</a:t>
+            </a:r>
+            <a:endParaRPr/>
+          </a:p>
+        </p:txBody>
+      </p:sp>
+    </p:spTree>
+  </p:cSld>
+  <p:clrMapOvr>
+    <a:masterClrMapping/>
+  </p:clrMapOvr>
+</p:sld>
+</file>
+
+<file path=ppt/slides/slide37.xml><?xml version="1.0" encoding="utf-8"?>
 <p:sld xmlns:a="http://schemas.openxmlformats.org/drawingml/2006/main" xmlns:r="http://schemas.openxmlformats.org/officeDocument/2006/relationships" xmlns:p="http://schemas.openxmlformats.org/presentationml/2006/main">
   <p:cSld>
     <p:spTree>
@@ -18307,17 +21292,10 @@
   <p:clrMapOvr>
     <a:masterClrMapping/>
   </p:clrMapOvr>
-  <p:timing>
-    <p:tnLst>
-      <p:par>
-        <p:cTn id="1" dur="indefinite" restart="never" nodeType="tmRoot"/>
-      </p:par>
-    </p:tnLst>
-  </p:timing>
 </p:sld>
 </file>
 
-<file path=ppt/slides/slide32.xml><?xml version="1.0" encoding="utf-8"?>
+<file path=ppt/slides/slide38.xml><?xml version="1.0" encoding="utf-8"?>
 <p:sld xmlns:a="http://schemas.openxmlformats.org/drawingml/2006/main" xmlns:r="http://schemas.openxmlformats.org/officeDocument/2006/relationships" xmlns:p="http://schemas.openxmlformats.org/presentationml/2006/main">
   <p:cSld>
     <p:spTree>
@@ -18498,17 +21476,10 @@
   <p:clrMapOvr>
     <a:masterClrMapping/>
   </p:clrMapOvr>
-  <p:timing>
-    <p:tnLst>
-      <p:par>
-        <p:cTn id="1" dur="indefinite" restart="never" nodeType="tmRoot"/>
-      </p:par>
-    </p:tnLst>
-  </p:timing>
 </p:sld>
 </file>
 
-<file path=ppt/slides/slide33.xml><?xml version="1.0" encoding="utf-8"?>
+<file path=ppt/slides/slide39.xml><?xml version="1.0" encoding="utf-8"?>
 <p:sld xmlns:a="http://schemas.openxmlformats.org/drawingml/2006/main" xmlns:r="http://schemas.openxmlformats.org/officeDocument/2006/relationships" xmlns:p="http://schemas.openxmlformats.org/presentationml/2006/main">
   <p:cSld>
     <p:spTree>
@@ -18711,17 +21682,165 @@
   <p:clrMapOvr>
     <a:masterClrMapping/>
   </p:clrMapOvr>
-  <p:timing>
-    <p:tnLst>
-      <p:par>
-        <p:cTn id="1" dur="indefinite" restart="never" nodeType="tmRoot"/>
-      </p:par>
-    </p:tnLst>
-  </p:timing>
 </p:sld>
 </file>
 
-<file path=ppt/slides/slide34.xml><?xml version="1.0" encoding="utf-8"?>
+<file path=ppt/slides/slide4.xml><?xml version="1.0" encoding="utf-8"?>
+<p:sld xmlns:a="http://schemas.openxmlformats.org/drawingml/2006/main" xmlns:r="http://schemas.openxmlformats.org/officeDocument/2006/relationships" xmlns:p="http://schemas.openxmlformats.org/presentationml/2006/main">
+  <p:cSld>
+    <p:spTree>
+      <p:nvGrpSpPr>
+        <p:cNvPr id="1" name=""/>
+        <p:cNvGrpSpPr/>
+        <p:nvPr/>
+      </p:nvGrpSpPr>
+      <p:grpSpPr>
+        <a:xfrm>
+          <a:off x="0" y="0"/>
+          <a:ext cx="0" cy="0"/>
+          <a:chOff x="0" y="0"/>
+          <a:chExt cx="0" cy="0"/>
+        </a:xfrm>
+      </p:grpSpPr>
+      <p:sp>
+        <p:nvSpPr>
+          <p:cNvPr id="2" name="Title 1"/>
+          <p:cNvSpPr>
+            <a:spLocks noGrp="1"/>
+          </p:cNvSpPr>
+          <p:nvPr>
+            <p:ph type="title"/>
+          </p:nvPr>
+        </p:nvSpPr>
+        <p:spPr/>
+        <p:txBody>
+          <a:bodyPr/>
+          <a:lstStyle/>
+          <a:p>
+            <a:r>
+              <a:rPr lang="vi-VN" sz="3600" b="1" dirty="0">
+                <a:cs typeface="Calibri" panose="020F0502020204030204" pitchFamily="34" charset="0"/>
+              </a:rPr>
+              <a:t>Overview</a:t>
+            </a:r>
+            <a:r>
+              <a:rPr lang="en-US" sz="3600" b="1" dirty="0">
+                <a:cs typeface="Calibri" panose="020F0502020204030204" pitchFamily="34" charset="0"/>
+              </a:rPr>
+              <a:t> and setup</a:t>
+            </a:r>
+            <a:endParaRPr lang="en-US" dirty="0"/>
+          </a:p>
+        </p:txBody>
+      </p:sp>
+      <p:sp>
+        <p:nvSpPr>
+          <p:cNvPr id="3" name="Text Placeholder 2"/>
+          <p:cNvSpPr>
+            <a:spLocks noGrp="1"/>
+          </p:cNvSpPr>
+          <p:nvPr>
+            <p:ph type="body" idx="1"/>
+          </p:nvPr>
+        </p:nvSpPr>
+        <p:spPr/>
+        <p:txBody>
+          <a:bodyPr/>
+          <a:lstStyle/>
+          <a:p>
+            <a:r>
+              <a:rPr lang="en-US" dirty="0">
+                <a:solidFill>
+                  <a:schemeClr val="tx1"/>
+                </a:solidFill>
+                <a:latin typeface="Cambria" panose="02040503050406030204" pitchFamily="18" charset="0"/>
+                <a:ea typeface="Cambria" panose="02040503050406030204" pitchFamily="18" charset="0"/>
+                <a:cs typeface="Tahoma" panose="020B0604030504040204" pitchFamily="34" charset="0"/>
+              </a:rPr>
+              <a:t>Java programming language was originally developed by Sun Microsystems</a:t>
+            </a:r>
+          </a:p>
+          <a:p>
+            <a:r>
+              <a:rPr lang="en-US" dirty="0">
+                <a:solidFill>
+                  <a:schemeClr val="tx1"/>
+                </a:solidFill>
+                <a:latin typeface="Cambria" panose="02040503050406030204" pitchFamily="18" charset="0"/>
+                <a:ea typeface="Cambria" panose="02040503050406030204" pitchFamily="18" charset="0"/>
+                <a:cs typeface="Tahoma" panose="020B0604030504040204" pitchFamily="34" charset="0"/>
+              </a:rPr>
+              <a:t>Java built to suit various types of platforms. </a:t>
+            </a:r>
+          </a:p>
+          <a:p>
+            <a:pPr lvl="1"/>
+            <a:r>
+              <a:rPr lang="en-US" sz="2000" dirty="0">
+                <a:solidFill>
+                  <a:schemeClr val="tx1"/>
+                </a:solidFill>
+                <a:latin typeface="Cambria" panose="02040503050406030204" pitchFamily="18" charset="0"/>
+                <a:ea typeface="Cambria" panose="02040503050406030204" pitchFamily="18" charset="0"/>
+                <a:cs typeface="Tahoma" panose="020B0604030504040204" pitchFamily="34" charset="0"/>
+              </a:rPr>
+              <a:t>For example: J2EE for Enterprise Applications, J2ME for Mobile Applications.</a:t>
+            </a:r>
+          </a:p>
+          <a:p>
+            <a:r>
+              <a:rPr lang="en-US" dirty="0">
+                <a:solidFill>
+                  <a:schemeClr val="tx1"/>
+                </a:solidFill>
+                <a:latin typeface="Cambria" panose="02040503050406030204" pitchFamily="18" charset="0"/>
+                <a:ea typeface="Cambria" panose="02040503050406030204" pitchFamily="18" charset="0"/>
+                <a:cs typeface="Tahoma" panose="020B0604030504040204" pitchFamily="34" charset="0"/>
+              </a:rPr>
+              <a:t>Java is guaranteed to be </a:t>
+            </a:r>
+            <a:r>
+              <a:rPr lang="en-US" b="1" dirty="0">
+                <a:solidFill>
+                  <a:schemeClr val="tx1"/>
+                </a:solidFill>
+                <a:latin typeface="Cambria" panose="02040503050406030204" pitchFamily="18" charset="0"/>
+                <a:ea typeface="Cambria" panose="02040503050406030204" pitchFamily="18" charset="0"/>
+                <a:cs typeface="Tahoma" panose="020B0604030504040204" pitchFamily="34" charset="0"/>
+              </a:rPr>
+              <a:t>Write Once, Run Anywhere</a:t>
+            </a:r>
+            <a:r>
+              <a:rPr lang="en-US" dirty="0">
+                <a:solidFill>
+                  <a:schemeClr val="tx1"/>
+                </a:solidFill>
+                <a:latin typeface="Cambria" panose="02040503050406030204" pitchFamily="18" charset="0"/>
+                <a:ea typeface="Cambria" panose="02040503050406030204" pitchFamily="18" charset="0"/>
+                <a:cs typeface="Tahoma" panose="020B0604030504040204" pitchFamily="34" charset="0"/>
+              </a:rPr>
+              <a:t>.</a:t>
+            </a:r>
+          </a:p>
+          <a:p>
+            <a:endParaRPr lang="en-US" dirty="0"/>
+          </a:p>
+        </p:txBody>
+      </p:sp>
+    </p:spTree>
+    <p:extLst>
+      <p:ext uri="{BB962C8B-B14F-4D97-AF65-F5344CB8AC3E}">
+        <p14:creationId xmlns:p14="http://schemas.microsoft.com/office/powerpoint/2010/main" val="385554257"/>
+      </p:ext>
+    </p:extLst>
+  </p:cSld>
+  <p:clrMapOvr>
+    <a:masterClrMapping/>
+  </p:clrMapOvr>
+</p:sld>
+</file>
+
+<file path=ppt/slides/slide40.xml><?xml version="1.0" encoding="utf-8"?>
 <p:sld xmlns:a="http://schemas.openxmlformats.org/drawingml/2006/main" xmlns:r="http://schemas.openxmlformats.org/officeDocument/2006/relationships" xmlns:p="http://schemas.openxmlformats.org/presentationml/2006/main">
   <p:cSld>
     <p:spTree>
@@ -18743,7 +21862,7 @@
           <p:cNvPr id="2" name="Title 1">
             <a:extLst>
               <a:ext uri="{FF2B5EF4-FFF2-40B4-BE49-F238E27FC236}">
-                <a16:creationId xmlns="" xmlns:a16="http://schemas.microsoft.com/office/drawing/2014/main" id="{E530CC21-29D4-472D-9D68-23D2D1B9A37D}"/>
+                <a16:creationId xmlns:a16="http://schemas.microsoft.com/office/drawing/2014/main" id="{E530CC21-29D4-472D-9D68-23D2D1B9A37D}"/>
               </a:ext>
             </a:extLst>
           </p:cNvPr>
@@ -18774,7 +21893,7 @@
           <p:cNvPr id="3" name="Text Placeholder 2">
             <a:extLst>
               <a:ext uri="{FF2B5EF4-FFF2-40B4-BE49-F238E27FC236}">
-                <a16:creationId xmlns="" xmlns:a16="http://schemas.microsoft.com/office/drawing/2014/main" id="{F4D91ACE-D78E-4D57-8152-2AA121AA2C48}"/>
+                <a16:creationId xmlns:a16="http://schemas.microsoft.com/office/drawing/2014/main" id="{F4D91ACE-D78E-4D57-8152-2AA121AA2C48}"/>
               </a:ext>
             </a:extLst>
           </p:cNvPr>
@@ -18810,7 +21929,7 @@
           <p:cNvPr id="4" name="Picture 3">
             <a:extLst>
               <a:ext uri="{FF2B5EF4-FFF2-40B4-BE49-F238E27FC236}">
-                <a16:creationId xmlns="" xmlns:a16="http://schemas.microsoft.com/office/drawing/2014/main" id="{487B6DCE-5629-4EF5-A7D6-59E4C4473FC2}"/>
+                <a16:creationId xmlns:a16="http://schemas.microsoft.com/office/drawing/2014/main" id="{487B6DCE-5629-4EF5-A7D6-59E4C4473FC2}"/>
               </a:ext>
             </a:extLst>
           </p:cNvPr>
@@ -18845,17 +21964,297 @@
   <p:clrMapOvr>
     <a:masterClrMapping/>
   </p:clrMapOvr>
-  <p:timing>
-    <p:tnLst>
-      <p:par>
-        <p:cTn id="1" dur="indefinite" restart="never" nodeType="tmRoot"/>
-      </p:par>
-    </p:tnLst>
-  </p:timing>
 </p:sld>
 </file>
 
-<file path=ppt/slides/slide35.xml><?xml version="1.0" encoding="utf-8"?>
+<file path=ppt/slides/slide41.xml><?xml version="1.0" encoding="utf-8"?>
+<p:sld xmlns:a="http://schemas.openxmlformats.org/drawingml/2006/main" xmlns:r="http://schemas.openxmlformats.org/officeDocument/2006/relationships" xmlns:p="http://schemas.openxmlformats.org/presentationml/2006/main">
+  <p:cSld>
+    <p:spTree>
+      <p:nvGrpSpPr>
+        <p:cNvPr id="1" name="Shape 351"/>
+        <p:cNvGrpSpPr/>
+        <p:nvPr/>
+      </p:nvGrpSpPr>
+      <p:grpSpPr>
+        <a:xfrm>
+          <a:off x="0" y="0"/>
+          <a:ext cx="0" cy="0"/>
+          <a:chOff x="0" y="0"/>
+          <a:chExt cx="0" cy="0"/>
+        </a:xfrm>
+      </p:grpSpPr>
+      <p:sp>
+        <p:nvSpPr>
+          <p:cNvPr id="352" name="Google Shape;352;p41"/>
+          <p:cNvSpPr txBox="1">
+            <a:spLocks noGrp="1"/>
+          </p:cNvSpPr>
+          <p:nvPr>
+            <p:ph type="title"/>
+          </p:nvPr>
+        </p:nvSpPr>
+        <p:spPr>
+          <a:xfrm>
+            <a:off x="723901" y="286789"/>
+            <a:ext cx="7810500" cy="684761"/>
+          </a:xfrm>
+          <a:prstGeom prst="rect">
+            <a:avLst/>
+          </a:prstGeom>
+          <a:noFill/>
+          <a:ln>
+            <a:noFill/>
+          </a:ln>
+        </p:spPr>
+        <p:txBody>
+          <a:bodyPr spcFirstLastPara="1" wrap="square" lIns="68575" tIns="68575" rIns="68575" bIns="68575" anchor="ctr" anchorCtr="0">
+            <a:normAutofit/>
+          </a:bodyPr>
+          <a:lstStyle/>
+          <a:p>
+            <a:pPr marL="0" marR="0" lvl="0" indent="0" algn="r" rtl="0">
+              <a:lnSpc>
+                <a:spcPct val="90000"/>
+              </a:lnSpc>
+              <a:spcBef>
+                <a:spcPts val="0"/>
+              </a:spcBef>
+              <a:spcAft>
+                <a:spcPts val="0"/>
+              </a:spcAft>
+              <a:buClr>
+                <a:schemeClr val="dk1"/>
+              </a:buClr>
+              <a:buSzPts val="1100"/>
+              <a:buFont typeface="Calibri"/>
+              <a:buNone/>
+            </a:pPr>
+            <a:r>
+              <a:rPr lang="en-US" sz="2700">
+                <a:solidFill>
+                  <a:srgbClr val="FF0000"/>
+                </a:solidFill>
+                <a:latin typeface="Tahoma"/>
+                <a:ea typeface="Tahoma"/>
+                <a:cs typeface="Tahoma"/>
+                <a:sym typeface="Tahoma"/>
+              </a:rPr>
+              <a:t>Lab 5</a:t>
+            </a:r>
+            <a:endParaRPr sz="3000" i="1">
+              <a:solidFill>
+                <a:srgbClr val="FF0000"/>
+              </a:solidFill>
+              <a:latin typeface="Tahoma"/>
+              <a:ea typeface="Tahoma"/>
+              <a:cs typeface="Tahoma"/>
+              <a:sym typeface="Tahoma"/>
+            </a:endParaRPr>
+          </a:p>
+        </p:txBody>
+      </p:sp>
+      <p:sp>
+        <p:nvSpPr>
+          <p:cNvPr id="353" name="Google Shape;353;p41"/>
+          <p:cNvSpPr txBox="1">
+            <a:spLocks noGrp="1"/>
+          </p:cNvSpPr>
+          <p:nvPr>
+            <p:ph type="body" idx="1"/>
+          </p:nvPr>
+        </p:nvSpPr>
+        <p:spPr>
+          <a:xfrm>
+            <a:off x="938750" y="882850"/>
+            <a:ext cx="7595700" cy="3526800"/>
+          </a:xfrm>
+          <a:prstGeom prst="rect">
+            <a:avLst/>
+          </a:prstGeom>
+          <a:noFill/>
+          <a:ln>
+            <a:noFill/>
+          </a:ln>
+        </p:spPr>
+        <p:txBody>
+          <a:bodyPr spcFirstLastPara="1" wrap="square" lIns="68575" tIns="68575" rIns="68575" bIns="68575" anchor="t" anchorCtr="0">
+            <a:normAutofit/>
+          </a:bodyPr>
+          <a:lstStyle/>
+          <a:p>
+            <a:pPr marL="457200" marR="0" lvl="0" indent="-228600" algn="l" rtl="0">
+              <a:lnSpc>
+                <a:spcPct val="90000"/>
+              </a:lnSpc>
+              <a:spcBef>
+                <a:spcPts val="800"/>
+              </a:spcBef>
+              <a:spcAft>
+                <a:spcPts val="0"/>
+              </a:spcAft>
+              <a:buClr>
+                <a:schemeClr val="dk1"/>
+              </a:buClr>
+              <a:buSzPts val="2100"/>
+              <a:buFont typeface="Arial"/>
+              <a:buNone/>
+            </a:pPr>
+            <a:r>
+              <a:rPr lang="en-US">
+                <a:latin typeface="Tahoma"/>
+                <a:ea typeface="Tahoma"/>
+                <a:cs typeface="Tahoma"/>
+                <a:sym typeface="Tahoma"/>
+              </a:rPr>
+              <a:t>Tạo package </a:t>
+            </a:r>
+            <a:r>
+              <a:rPr lang="en-US" b="1"/>
+              <a:t>com.demo.core.lab5</a:t>
+            </a:r>
+            <a:endParaRPr b="1">
+              <a:latin typeface="Tahoma"/>
+              <a:ea typeface="Tahoma"/>
+              <a:cs typeface="Tahoma"/>
+              <a:sym typeface="Tahoma"/>
+            </a:endParaRPr>
+          </a:p>
+          <a:p>
+            <a:pPr marL="457200" marR="0" lvl="0" indent="-228600" algn="l" rtl="0">
+              <a:lnSpc>
+                <a:spcPct val="90000"/>
+              </a:lnSpc>
+              <a:spcBef>
+                <a:spcPts val="800"/>
+              </a:spcBef>
+              <a:spcAft>
+                <a:spcPts val="0"/>
+              </a:spcAft>
+              <a:buClr>
+                <a:schemeClr val="dk1"/>
+              </a:buClr>
+              <a:buSzPts val="2100"/>
+              <a:buFont typeface="Arial"/>
+              <a:buNone/>
+            </a:pPr>
+            <a:r>
+              <a:rPr lang="en-US">
+                <a:solidFill>
+                  <a:schemeClr val="dk1"/>
+                </a:solidFill>
+                <a:latin typeface="Tahoma"/>
+                <a:ea typeface="Tahoma"/>
+                <a:cs typeface="Tahoma"/>
+                <a:sym typeface="Tahoma"/>
+              </a:rPr>
+              <a:t>Tạo 1 Interface có tên ATM</a:t>
+            </a:r>
+            <a:endParaRPr/>
+          </a:p>
+          <a:p>
+            <a:pPr marL="457200" marR="0" lvl="0" indent="-228600" algn="l" rtl="0">
+              <a:lnSpc>
+                <a:spcPct val="90000"/>
+              </a:lnSpc>
+              <a:spcBef>
+                <a:spcPts val="800"/>
+              </a:spcBef>
+              <a:spcAft>
+                <a:spcPts val="0"/>
+              </a:spcAft>
+              <a:buClr>
+                <a:schemeClr val="dk1"/>
+              </a:buClr>
+              <a:buSzPts val="2100"/>
+              <a:buFont typeface="Arial"/>
+              <a:buNone/>
+            </a:pPr>
+            <a:r>
+              <a:rPr lang="en-US">
+                <a:solidFill>
+                  <a:schemeClr val="dk1"/>
+                </a:solidFill>
+                <a:latin typeface="Tahoma"/>
+                <a:ea typeface="Tahoma"/>
+                <a:cs typeface="Tahoma"/>
+                <a:sym typeface="Tahoma"/>
+              </a:rPr>
+              <a:t>Và class implement nó có tên ATMImpl.</a:t>
+            </a:r>
+            <a:endParaRPr/>
+          </a:p>
+          <a:p>
+            <a:pPr marL="457200" lvl="0" indent="-228600" algn="l" rtl="0">
+              <a:lnSpc>
+                <a:spcPct val="90000"/>
+              </a:lnSpc>
+              <a:spcBef>
+                <a:spcPts val="800"/>
+              </a:spcBef>
+              <a:spcAft>
+                <a:spcPts val="0"/>
+              </a:spcAft>
+              <a:buSzPts val="2100"/>
+              <a:buNone/>
+            </a:pPr>
+            <a:r>
+              <a:rPr lang="en-US" u="sng">
+                <a:solidFill>
+                  <a:schemeClr val="hlink"/>
+                </a:solidFill>
+                <a:hlinkClick r:id="rId3"/>
+              </a:rPr>
+              <a:t>https://www.w3schools.com/java/java_interface.asp</a:t>
+            </a:r>
+            <a:endParaRPr>
+              <a:solidFill>
+                <a:schemeClr val="dk1"/>
+              </a:solidFill>
+              <a:latin typeface="Tahoma"/>
+              <a:ea typeface="Tahoma"/>
+              <a:cs typeface="Tahoma"/>
+              <a:sym typeface="Tahoma"/>
+            </a:endParaRPr>
+          </a:p>
+        </p:txBody>
+      </p:sp>
+      <p:pic>
+        <p:nvPicPr>
+          <p:cNvPr id="354" name="Google Shape;354;p41" descr="C:\Users\thanhtran\Desktop\fdcvb.PNG"/>
+          <p:cNvPicPr preferRelativeResize="0"/>
+          <p:nvPr/>
+        </p:nvPicPr>
+        <p:blipFill rotWithShape="1">
+          <a:blip r:embed="rId4">
+            <a:alphaModFix/>
+          </a:blip>
+          <a:srcRect/>
+          <a:stretch/>
+        </p:blipFill>
+        <p:spPr>
+          <a:xfrm>
+            <a:off x="1919332" y="2689681"/>
+            <a:ext cx="5634470" cy="2361335"/>
+          </a:xfrm>
+          <a:prstGeom prst="rect">
+            <a:avLst/>
+          </a:prstGeom>
+          <a:noFill/>
+          <a:ln>
+            <a:noFill/>
+          </a:ln>
+        </p:spPr>
+      </p:pic>
+    </p:spTree>
+  </p:cSld>
+  <p:clrMapOvr>
+    <a:masterClrMapping/>
+  </p:clrMapOvr>
+</p:sld>
+</file>
+
+<file path=ppt/slides/slide42.xml><?xml version="1.0" encoding="utf-8"?>
 <p:sld xmlns:a="http://schemas.openxmlformats.org/drawingml/2006/main" xmlns:r="http://schemas.openxmlformats.org/officeDocument/2006/relationships" xmlns:p="http://schemas.openxmlformats.org/presentationml/2006/main">
   <p:cSld>
     <p:spTree>
@@ -18958,17 +22357,10 @@
   <p:clrMapOvr>
     <a:masterClrMapping/>
   </p:clrMapOvr>
-  <p:timing>
-    <p:tnLst>
-      <p:par>
-        <p:cTn id="1" dur="indefinite" restart="never" nodeType="tmRoot"/>
-      </p:par>
-    </p:tnLst>
-  </p:timing>
 </p:sld>
 </file>
 
-<file path=ppt/slides/slide36.xml><?xml version="1.0" encoding="utf-8"?>
+<file path=ppt/slides/slide43.xml><?xml version="1.0" encoding="utf-8"?>
 <p:sld xmlns:a="http://schemas.openxmlformats.org/drawingml/2006/main" xmlns:r="http://schemas.openxmlformats.org/officeDocument/2006/relationships" xmlns:p="http://schemas.openxmlformats.org/presentationml/2006/main">
   <p:cSld>
     <p:spTree>
@@ -19070,17 +22462,10 @@
   <p:clrMapOvr>
     <a:masterClrMapping/>
   </p:clrMapOvr>
-  <p:timing>
-    <p:tnLst>
-      <p:par>
-        <p:cTn id="1" dur="indefinite" restart="never" nodeType="tmRoot"/>
-      </p:par>
-    </p:tnLst>
-  </p:timing>
 </p:sld>
 </file>
 
-<file path=ppt/slides/slide37.xml><?xml version="1.0" encoding="utf-8"?>
+<file path=ppt/slides/slide44.xml><?xml version="1.0" encoding="utf-8"?>
 <p:sld xmlns:a="http://schemas.openxmlformats.org/drawingml/2006/main" xmlns:r="http://schemas.openxmlformats.org/officeDocument/2006/relationships" xmlns:p="http://schemas.openxmlformats.org/presentationml/2006/main">
   <p:cSld>
     <p:spTree>
@@ -19250,17 +22635,10 @@
   <p:clrMapOvr>
     <a:masterClrMapping/>
   </p:clrMapOvr>
-  <p:timing>
-    <p:tnLst>
-      <p:par>
-        <p:cTn id="1" dur="indefinite" restart="never" nodeType="tmRoot"/>
-      </p:par>
-    </p:tnLst>
-  </p:timing>
 </p:sld>
 </file>
 
-<file path=ppt/slides/slide38.xml><?xml version="1.0" encoding="utf-8"?>
+<file path=ppt/slides/slide45.xml><?xml version="1.0" encoding="utf-8"?>
 <p:sld xmlns:a="http://schemas.openxmlformats.org/drawingml/2006/main" xmlns:r="http://schemas.openxmlformats.org/officeDocument/2006/relationships" xmlns:p="http://schemas.openxmlformats.org/presentationml/2006/main">
   <p:cSld>
     <p:spTree>
@@ -19400,17 +22778,10 @@
   <p:clrMapOvr>
     <a:masterClrMapping/>
   </p:clrMapOvr>
-  <p:timing>
-    <p:tnLst>
-      <p:par>
-        <p:cTn id="1" dur="indefinite" restart="never" nodeType="tmRoot"/>
-      </p:par>
-    </p:tnLst>
-  </p:timing>
 </p:sld>
 </file>
 
-<file path=ppt/slides/slide39.xml><?xml version="1.0" encoding="utf-8"?>
+<file path=ppt/slides/slide46.xml><?xml version="1.0" encoding="utf-8"?>
 <p:sld xmlns:a="http://schemas.openxmlformats.org/drawingml/2006/main" xmlns:r="http://schemas.openxmlformats.org/officeDocument/2006/relationships" xmlns:p="http://schemas.openxmlformats.org/presentationml/2006/main">
   <p:cSld>
     <p:spTree>
@@ -19578,17 +22949,604 @@
   <p:clrMapOvr>
     <a:masterClrMapping/>
   </p:clrMapOvr>
-  <p:timing>
-    <p:tnLst>
-      <p:par>
-        <p:cTn id="1" dur="indefinite" restart="never" nodeType="tmRoot"/>
-      </p:par>
-    </p:tnLst>
-  </p:timing>
 </p:sld>
 </file>
 
-<file path=ppt/slides/slide4.xml><?xml version="1.0" encoding="utf-8"?>
+<file path=ppt/slides/slide47.xml><?xml version="1.0" encoding="utf-8"?>
+<p:sld xmlns:a="http://schemas.openxmlformats.org/drawingml/2006/main" xmlns:r="http://schemas.openxmlformats.org/officeDocument/2006/relationships" xmlns:p="http://schemas.openxmlformats.org/presentationml/2006/main">
+  <p:cSld>
+    <p:spTree>
+      <p:nvGrpSpPr>
+        <p:cNvPr id="1" name="Shape 385"/>
+        <p:cNvGrpSpPr/>
+        <p:nvPr/>
+      </p:nvGrpSpPr>
+      <p:grpSpPr>
+        <a:xfrm>
+          <a:off x="0" y="0"/>
+          <a:ext cx="0" cy="0"/>
+          <a:chOff x="0" y="0"/>
+          <a:chExt cx="0" cy="0"/>
+        </a:xfrm>
+      </p:grpSpPr>
+      <p:sp>
+        <p:nvSpPr>
+          <p:cNvPr id="386" name="Google Shape;386;p46"/>
+          <p:cNvSpPr txBox="1">
+            <a:spLocks noGrp="1"/>
+          </p:cNvSpPr>
+          <p:nvPr>
+            <p:ph type="title"/>
+          </p:nvPr>
+        </p:nvSpPr>
+        <p:spPr>
+          <a:xfrm>
+            <a:off x="3436705" y="273844"/>
+            <a:ext cx="5078700" cy="640200"/>
+          </a:xfrm>
+          <a:prstGeom prst="rect">
+            <a:avLst/>
+          </a:prstGeom>
+          <a:noFill/>
+          <a:ln>
+            <a:noFill/>
+          </a:ln>
+        </p:spPr>
+        <p:txBody>
+          <a:bodyPr spcFirstLastPara="1" wrap="square" lIns="68575" tIns="68575" rIns="68575" bIns="68575" anchor="ctr" anchorCtr="0">
+            <a:noAutofit/>
+          </a:bodyPr>
+          <a:lstStyle/>
+          <a:p>
+            <a:pPr marL="0" marR="0" lvl="0" indent="0" algn="r" rtl="0">
+              <a:lnSpc>
+                <a:spcPct val="90000"/>
+              </a:lnSpc>
+              <a:spcBef>
+                <a:spcPts val="0"/>
+              </a:spcBef>
+              <a:spcAft>
+                <a:spcPts val="0"/>
+              </a:spcAft>
+              <a:buClr>
+                <a:schemeClr val="dk1"/>
+              </a:buClr>
+              <a:buSzPts val="1100"/>
+              <a:buFont typeface="Calibri"/>
+              <a:buNone/>
+            </a:pPr>
+            <a:r>
+              <a:rPr lang="en-US" sz="3200" b="1"/>
+              <a:t>Map</a:t>
+            </a:r>
+            <a:endParaRPr/>
+          </a:p>
+        </p:txBody>
+      </p:sp>
+      <p:sp>
+        <p:nvSpPr>
+          <p:cNvPr id="387" name="Google Shape;387;p46"/>
+          <p:cNvSpPr txBox="1">
+            <a:spLocks noGrp="1"/>
+          </p:cNvSpPr>
+          <p:nvPr>
+            <p:ph type="body" idx="1"/>
+          </p:nvPr>
+        </p:nvSpPr>
+        <p:spPr>
+          <a:xfrm>
+            <a:off x="628650" y="1369219"/>
+            <a:ext cx="7886700" cy="3263400"/>
+          </a:xfrm>
+          <a:prstGeom prst="rect">
+            <a:avLst/>
+          </a:prstGeom>
+          <a:noFill/>
+          <a:ln>
+            <a:noFill/>
+          </a:ln>
+        </p:spPr>
+        <p:txBody>
+          <a:bodyPr spcFirstLastPara="1" wrap="square" lIns="68575" tIns="68575" rIns="68575" bIns="68575" anchor="t" anchorCtr="0">
+            <a:noAutofit/>
+          </a:bodyPr>
+          <a:lstStyle/>
+          <a:p>
+            <a:pPr marL="457200" marR="0" lvl="0" indent="-361950" algn="l" rtl="0">
+              <a:lnSpc>
+                <a:spcPct val="90000"/>
+              </a:lnSpc>
+              <a:spcBef>
+                <a:spcPts val="800"/>
+              </a:spcBef>
+              <a:spcAft>
+                <a:spcPts val="0"/>
+              </a:spcAft>
+              <a:buClr>
+                <a:schemeClr val="dk1"/>
+              </a:buClr>
+              <a:buSzPts val="2100"/>
+              <a:buFont typeface="Arial"/>
+              <a:buChar char="•"/>
+            </a:pPr>
+            <a:r>
+              <a:rPr lang="en-US" sz="2000">
+                <a:solidFill>
+                  <a:schemeClr val="dk1"/>
+                </a:solidFill>
+                <a:latin typeface="Cambria"/>
+                <a:ea typeface="Cambria"/>
+                <a:cs typeface="Cambria"/>
+                <a:sym typeface="Cambria"/>
+              </a:rPr>
+              <a:t>Map</a:t>
+            </a:r>
+            <a:endParaRPr/>
+          </a:p>
+          <a:p>
+            <a:pPr marL="914400" lvl="1" indent="-342900" algn="l" rtl="0">
+              <a:lnSpc>
+                <a:spcPct val="90000"/>
+              </a:lnSpc>
+              <a:spcBef>
+                <a:spcPts val="400"/>
+              </a:spcBef>
+              <a:spcAft>
+                <a:spcPts val="0"/>
+              </a:spcAft>
+              <a:buSzPts val="1800"/>
+              <a:buChar char="•"/>
+            </a:pPr>
+            <a:r>
+              <a:rPr lang="en-US" b="1"/>
+              <a:t>Map là</a:t>
+            </a:r>
+            <a:r>
+              <a:rPr lang="en-US"/>
+              <a:t> interface thiết kế để lưu trữ cấu trúc dữ liệu theo dạng (key, value). Cả key và value đều </a:t>
+            </a:r>
+            <a:r>
+              <a:rPr lang="en-US" b="1"/>
+              <a:t>là</a:t>
+            </a:r>
+            <a:r>
+              <a:rPr lang="en-US"/>
+              <a:t> object (không chấp nhận kiểu dữ liệu primitives).</a:t>
+            </a:r>
+            <a:endParaRPr>
+              <a:latin typeface="Cambria"/>
+              <a:ea typeface="Cambria"/>
+              <a:cs typeface="Cambria"/>
+              <a:sym typeface="Cambria"/>
+            </a:endParaRPr>
+          </a:p>
+        </p:txBody>
+      </p:sp>
+      <p:pic>
+        <p:nvPicPr>
+          <p:cNvPr id="388" name="Google Shape;388;p46"/>
+          <p:cNvPicPr preferRelativeResize="0"/>
+          <p:nvPr/>
+        </p:nvPicPr>
+        <p:blipFill rotWithShape="1">
+          <a:blip r:embed="rId3">
+            <a:alphaModFix/>
+          </a:blip>
+          <a:srcRect/>
+          <a:stretch/>
+        </p:blipFill>
+        <p:spPr>
+          <a:xfrm>
+            <a:off x="2057400" y="2647950"/>
+            <a:ext cx="3353590" cy="1688306"/>
+          </a:xfrm>
+          <a:prstGeom prst="rect">
+            <a:avLst/>
+          </a:prstGeom>
+          <a:noFill/>
+          <a:ln>
+            <a:noFill/>
+          </a:ln>
+        </p:spPr>
+      </p:pic>
+    </p:spTree>
+  </p:cSld>
+  <p:clrMapOvr>
+    <a:masterClrMapping/>
+  </p:clrMapOvr>
+</p:sld>
+</file>
+
+<file path=ppt/slides/slide48.xml><?xml version="1.0" encoding="utf-8"?>
+<p:sld xmlns:a="http://schemas.openxmlformats.org/drawingml/2006/main" xmlns:r="http://schemas.openxmlformats.org/officeDocument/2006/relationships" xmlns:p="http://schemas.openxmlformats.org/presentationml/2006/main">
+  <p:cSld>
+    <p:spTree>
+      <p:nvGrpSpPr>
+        <p:cNvPr id="1" name="Shape 392"/>
+        <p:cNvGrpSpPr/>
+        <p:nvPr/>
+      </p:nvGrpSpPr>
+      <p:grpSpPr>
+        <a:xfrm>
+          <a:off x="0" y="0"/>
+          <a:ext cx="0" cy="0"/>
+          <a:chOff x="0" y="0"/>
+          <a:chExt cx="0" cy="0"/>
+        </a:xfrm>
+      </p:grpSpPr>
+      <p:sp>
+        <p:nvSpPr>
+          <p:cNvPr id="393" name="Google Shape;393;p47"/>
+          <p:cNvSpPr txBox="1">
+            <a:spLocks noGrp="1"/>
+          </p:cNvSpPr>
+          <p:nvPr>
+            <p:ph type="title"/>
+          </p:nvPr>
+        </p:nvSpPr>
+        <p:spPr>
+          <a:xfrm>
+            <a:off x="3436705" y="273844"/>
+            <a:ext cx="5078700" cy="640200"/>
+          </a:xfrm>
+          <a:prstGeom prst="rect">
+            <a:avLst/>
+          </a:prstGeom>
+          <a:noFill/>
+          <a:ln>
+            <a:noFill/>
+          </a:ln>
+        </p:spPr>
+        <p:txBody>
+          <a:bodyPr spcFirstLastPara="1" wrap="square" lIns="68575" tIns="68575" rIns="68575" bIns="68575" anchor="ctr" anchorCtr="0">
+            <a:noAutofit/>
+          </a:bodyPr>
+          <a:lstStyle/>
+          <a:p>
+            <a:pPr marL="0" marR="0" lvl="0" indent="0" algn="r" rtl="0">
+              <a:lnSpc>
+                <a:spcPct val="90000"/>
+              </a:lnSpc>
+              <a:spcBef>
+                <a:spcPts val="0"/>
+              </a:spcBef>
+              <a:spcAft>
+                <a:spcPts val="0"/>
+              </a:spcAft>
+              <a:buClr>
+                <a:schemeClr val="dk1"/>
+              </a:buClr>
+              <a:buSzPts val="1100"/>
+              <a:buFont typeface="Calibri"/>
+              <a:buNone/>
+            </a:pPr>
+            <a:r>
+              <a:rPr lang="en-US" sz="3200" b="1"/>
+              <a:t>Map</a:t>
+            </a:r>
+            <a:endParaRPr/>
+          </a:p>
+        </p:txBody>
+      </p:sp>
+      <p:sp>
+        <p:nvSpPr>
+          <p:cNvPr id="394" name="Google Shape;394;p47"/>
+          <p:cNvSpPr txBox="1">
+            <a:spLocks noGrp="1"/>
+          </p:cNvSpPr>
+          <p:nvPr>
+            <p:ph type="body" idx="1"/>
+          </p:nvPr>
+        </p:nvSpPr>
+        <p:spPr>
+          <a:xfrm>
+            <a:off x="628650" y="1369219"/>
+            <a:ext cx="7886700" cy="3263400"/>
+          </a:xfrm>
+          <a:prstGeom prst="rect">
+            <a:avLst/>
+          </a:prstGeom>
+          <a:noFill/>
+          <a:ln>
+            <a:noFill/>
+          </a:ln>
+        </p:spPr>
+        <p:txBody>
+          <a:bodyPr spcFirstLastPara="1" wrap="square" lIns="68575" tIns="68575" rIns="68575" bIns="68575" anchor="t" anchorCtr="0">
+            <a:noAutofit/>
+          </a:bodyPr>
+          <a:lstStyle/>
+          <a:p>
+            <a:pPr marL="914400" lvl="1" indent="-342900" algn="l" rtl="0">
+              <a:lnSpc>
+                <a:spcPct val="90000"/>
+              </a:lnSpc>
+              <a:spcBef>
+                <a:spcPts val="400"/>
+              </a:spcBef>
+              <a:spcAft>
+                <a:spcPts val="0"/>
+              </a:spcAft>
+              <a:buSzPts val="1800"/>
+              <a:buChar char="•"/>
+            </a:pPr>
+            <a:r>
+              <a:rPr lang="en-US">
+                <a:latin typeface="Cambria"/>
+                <a:ea typeface="Cambria"/>
+                <a:cs typeface="Cambria"/>
+                <a:sym typeface="Cambria"/>
+              </a:rPr>
+              <a:t>HashMap được sử dụng để lưu trữ các phần tử dưới dạng "</a:t>
+            </a:r>
+            <a:r>
+              <a:rPr lang="en-US" b="1">
+                <a:latin typeface="Cambria"/>
+                <a:ea typeface="Cambria"/>
+                <a:cs typeface="Cambria"/>
+                <a:sym typeface="Cambria"/>
+              </a:rPr>
+              <a:t>key/value</a:t>
+            </a:r>
+            <a:r>
+              <a:rPr lang="en-US">
+                <a:latin typeface="Cambria"/>
+                <a:ea typeface="Cambria"/>
+                <a:cs typeface="Cambria"/>
+                <a:sym typeface="Cambria"/>
+              </a:rPr>
+              <a:t>".</a:t>
+            </a:r>
+            <a:endParaRPr/>
+          </a:p>
+          <a:p>
+            <a:pPr marL="1371600" lvl="2" indent="-323850" algn="l" rtl="0">
+              <a:lnSpc>
+                <a:spcPct val="90000"/>
+              </a:lnSpc>
+              <a:spcBef>
+                <a:spcPts val="400"/>
+              </a:spcBef>
+              <a:spcAft>
+                <a:spcPts val="0"/>
+              </a:spcAft>
+              <a:buSzPts val="1500"/>
+              <a:buChar char="•"/>
+            </a:pPr>
+            <a:r>
+              <a:rPr lang="en-US">
+                <a:latin typeface="Cambria"/>
+                <a:ea typeface="Cambria"/>
+                <a:cs typeface="Cambria"/>
+                <a:sym typeface="Cambria"/>
+              </a:rPr>
+              <a:t>HashMap lưu trữ dữ liệu dưới dạng cặp key và value.</a:t>
+            </a:r>
+            <a:endParaRPr/>
+          </a:p>
+          <a:p>
+            <a:pPr marL="1371600" lvl="2" indent="-323850" algn="l" rtl="0">
+              <a:lnSpc>
+                <a:spcPct val="90000"/>
+              </a:lnSpc>
+              <a:spcBef>
+                <a:spcPts val="400"/>
+              </a:spcBef>
+              <a:spcAft>
+                <a:spcPts val="0"/>
+              </a:spcAft>
+              <a:buSzPts val="1500"/>
+              <a:buChar char="•"/>
+            </a:pPr>
+            <a:r>
+              <a:rPr lang="en-US">
+                <a:latin typeface="Cambria"/>
+                <a:ea typeface="Cambria"/>
+                <a:cs typeface="Cambria"/>
+                <a:sym typeface="Cambria"/>
+              </a:rPr>
+              <a:t>Nó chứa các key duy nhất.</a:t>
+            </a:r>
+            <a:endParaRPr/>
+          </a:p>
+          <a:p>
+            <a:pPr marL="1371600" lvl="2" indent="-323850" algn="l" rtl="0">
+              <a:lnSpc>
+                <a:spcPct val="90000"/>
+              </a:lnSpc>
+              <a:spcBef>
+                <a:spcPts val="400"/>
+              </a:spcBef>
+              <a:spcAft>
+                <a:spcPts val="0"/>
+              </a:spcAft>
+              <a:buSzPts val="1500"/>
+              <a:buChar char="•"/>
+            </a:pPr>
+            <a:r>
+              <a:rPr lang="en-US">
+                <a:latin typeface="Cambria"/>
+                <a:ea typeface="Cambria"/>
+                <a:cs typeface="Cambria"/>
+                <a:sym typeface="Cambria"/>
+              </a:rPr>
+              <a:t>Nó có thể có 1 key là null và nhiều giá trị null.</a:t>
+            </a:r>
+            <a:endParaRPr/>
+          </a:p>
+          <a:p>
+            <a:pPr marL="1371600" lvl="2" indent="-323850" algn="l" rtl="0">
+              <a:lnSpc>
+                <a:spcPct val="90000"/>
+              </a:lnSpc>
+              <a:spcBef>
+                <a:spcPts val="400"/>
+              </a:spcBef>
+              <a:spcAft>
+                <a:spcPts val="0"/>
+              </a:spcAft>
+              <a:buSzPts val="1500"/>
+              <a:buChar char="•"/>
+            </a:pPr>
+            <a:r>
+              <a:rPr lang="en-US">
+                <a:latin typeface="Cambria"/>
+                <a:ea typeface="Cambria"/>
+                <a:cs typeface="Cambria"/>
+                <a:sym typeface="Cambria"/>
+              </a:rPr>
+              <a:t>Nó duy trì các phần tử KHÔNG theo thứ tự.</a:t>
+            </a:r>
+            <a:endParaRPr/>
+          </a:p>
+          <a:p>
+            <a:pPr marL="1371600" lvl="2" indent="-228600" algn="l" rtl="0">
+              <a:lnSpc>
+                <a:spcPct val="90000"/>
+              </a:lnSpc>
+              <a:spcBef>
+                <a:spcPts val="400"/>
+              </a:spcBef>
+              <a:spcAft>
+                <a:spcPts val="0"/>
+              </a:spcAft>
+              <a:buSzPts val="1500"/>
+              <a:buNone/>
+            </a:pPr>
+            <a:endParaRPr>
+              <a:latin typeface="Cambria"/>
+              <a:ea typeface="Cambria"/>
+              <a:cs typeface="Cambria"/>
+              <a:sym typeface="Cambria"/>
+            </a:endParaRPr>
+          </a:p>
+        </p:txBody>
+      </p:sp>
+      <p:pic>
+        <p:nvPicPr>
+          <p:cNvPr id="395" name="Google Shape;395;p47"/>
+          <p:cNvPicPr preferRelativeResize="0"/>
+          <p:nvPr/>
+        </p:nvPicPr>
+        <p:blipFill rotWithShape="1">
+          <a:blip r:embed="rId3">
+            <a:alphaModFix/>
+          </a:blip>
+          <a:srcRect/>
+          <a:stretch/>
+        </p:blipFill>
+        <p:spPr>
+          <a:xfrm>
+            <a:off x="5715000" y="2800350"/>
+            <a:ext cx="2559478" cy="1905000"/>
+          </a:xfrm>
+          <a:prstGeom prst="rect">
+            <a:avLst/>
+          </a:prstGeom>
+          <a:noFill/>
+          <a:ln>
+            <a:noFill/>
+          </a:ln>
+        </p:spPr>
+      </p:pic>
+    </p:spTree>
+  </p:cSld>
+  <p:clrMapOvr>
+    <a:masterClrMapping/>
+  </p:clrMapOvr>
+</p:sld>
+</file>
+
+<file path=ppt/slides/slide49.xml><?xml version="1.0" encoding="utf-8"?>
+<p:sld xmlns:a="http://schemas.openxmlformats.org/drawingml/2006/main" xmlns:r="http://schemas.openxmlformats.org/officeDocument/2006/relationships" xmlns:p="http://schemas.openxmlformats.org/presentationml/2006/main">
+  <p:cSld>
+    <p:spTree>
+      <p:nvGrpSpPr>
+        <p:cNvPr id="1" name=""/>
+        <p:cNvGrpSpPr/>
+        <p:nvPr/>
+      </p:nvGrpSpPr>
+      <p:grpSpPr>
+        <a:xfrm>
+          <a:off x="0" y="0"/>
+          <a:ext cx="0" cy="0"/>
+          <a:chOff x="0" y="0"/>
+          <a:chExt cx="0" cy="0"/>
+        </a:xfrm>
+      </p:grpSpPr>
+      <p:sp>
+        <p:nvSpPr>
+          <p:cNvPr id="2" name="Title 1">
+            <a:extLst>
+              <a:ext uri="{FF2B5EF4-FFF2-40B4-BE49-F238E27FC236}">
+                <a16:creationId xmlns:a16="http://schemas.microsoft.com/office/drawing/2014/main" id="{16F309FD-39AB-4383-AAE1-ADBA18364B6D}"/>
+              </a:ext>
+            </a:extLst>
+          </p:cNvPr>
+          <p:cNvSpPr>
+            <a:spLocks noGrp="1"/>
+          </p:cNvSpPr>
+          <p:nvPr>
+            <p:ph type="title"/>
+          </p:nvPr>
+        </p:nvSpPr>
+        <p:spPr/>
+        <p:txBody>
+          <a:bodyPr/>
+          <a:lstStyle/>
+          <a:p>
+            <a:endParaRPr lang="en-US"/>
+          </a:p>
+        </p:txBody>
+      </p:sp>
+      <p:sp>
+        <p:nvSpPr>
+          <p:cNvPr id="3" name="Text Placeholder 2">
+            <a:extLst>
+              <a:ext uri="{FF2B5EF4-FFF2-40B4-BE49-F238E27FC236}">
+                <a16:creationId xmlns:a16="http://schemas.microsoft.com/office/drawing/2014/main" id="{86E72FF2-AEF4-40C2-A4F6-303597B41CBC}"/>
+              </a:ext>
+            </a:extLst>
+          </p:cNvPr>
+          <p:cNvSpPr>
+            <a:spLocks noGrp="1"/>
+          </p:cNvSpPr>
+          <p:nvPr>
+            <p:ph type="body" idx="1"/>
+          </p:nvPr>
+        </p:nvSpPr>
+        <p:spPr/>
+        <p:txBody>
+          <a:bodyPr/>
+          <a:lstStyle/>
+          <a:p>
+            <a:r>
+              <a:rPr lang="en-US" dirty="0">
+                <a:hlinkClick r:id="rId2"/>
+              </a:rPr>
+              <a:t>https://topdev.vn/blog/loai-bo-cac-phan-tu-trung-trong-mot-arraylist-nhu-the-nao-trong-java-8/</a:t>
+            </a:r>
+            <a:endParaRPr lang="vi-VN" dirty="0"/>
+          </a:p>
+          <a:p>
+            <a:endParaRPr lang="en-US" dirty="0"/>
+          </a:p>
+        </p:txBody>
+      </p:sp>
+    </p:spTree>
+    <p:extLst>
+      <p:ext uri="{BB962C8B-B14F-4D97-AF65-F5344CB8AC3E}">
+        <p14:creationId xmlns:p14="http://schemas.microsoft.com/office/powerpoint/2010/main" val="2807853096"/>
+      </p:ext>
+    </p:extLst>
+  </p:cSld>
+  <p:clrMapOvr>
+    <a:masterClrMapping/>
+  </p:clrMapOvr>
+</p:sld>
+</file>
+
+<file path=ppt/slides/slide5.xml><?xml version="1.0" encoding="utf-8"?>
 <p:sld xmlns:a="http://schemas.openxmlformats.org/drawingml/2006/main" xmlns:r="http://schemas.openxmlformats.org/officeDocument/2006/relationships" xmlns:p="http://schemas.openxmlformats.org/presentationml/2006/main">
   <p:cSld>
     <p:spTree>
@@ -19621,13 +23579,13 @@
           <a:lstStyle/>
           <a:p>
             <a:r>
-              <a:rPr lang="vi-VN" sz="3600" b="1" dirty="0">
+              <a:rPr lang="vi-VN" sz="3200" b="1" dirty="0">
                 <a:cs typeface="Calibri" panose="020F0502020204030204" pitchFamily="34" charset="0"/>
               </a:rPr>
               <a:t>Overview</a:t>
             </a:r>
             <a:r>
-              <a:rPr lang="en-US" sz="3600" b="1" dirty="0">
+              <a:rPr lang="en-US" sz="3200" b="1" dirty="0">
                 <a:cs typeface="Calibri" panose="020F0502020204030204" pitchFamily="34" charset="0"/>
               </a:rPr>
               <a:t> and setup</a:t>
@@ -19651,106 +23609,445 @@
           <a:bodyPr/>
           <a:lstStyle/>
           <a:p>
-            <a:r>
-              <a:rPr lang="en-US" dirty="0">
-                <a:solidFill>
-                  <a:schemeClr val="tx1"/>
-                </a:solidFill>
-                <a:latin typeface="Cambria" panose="02040503050406030204" pitchFamily="18" charset="0"/>
-                <a:ea typeface="Cambria" panose="02040503050406030204" pitchFamily="18" charset="0"/>
-                <a:cs typeface="Tahoma" panose="020B0604030504040204" pitchFamily="34" charset="0"/>
-              </a:rPr>
-              <a:t>Java programming language was originally developed by Sun Microsystems</a:t>
-            </a:r>
-          </a:p>
-          <a:p>
-            <a:r>
-              <a:rPr lang="en-US" dirty="0">
-                <a:solidFill>
-                  <a:schemeClr val="tx1"/>
-                </a:solidFill>
-                <a:latin typeface="Cambria" panose="02040503050406030204" pitchFamily="18" charset="0"/>
-                <a:ea typeface="Cambria" panose="02040503050406030204" pitchFamily="18" charset="0"/>
-                <a:cs typeface="Tahoma" panose="020B0604030504040204" pitchFamily="34" charset="0"/>
-              </a:rPr>
-              <a:t>Java built to suit various types of platforms. </a:t>
-            </a:r>
-          </a:p>
-          <a:p>
-            <a:pPr lvl="1"/>
-            <a:r>
-              <a:rPr lang="en-US" sz="2000" dirty="0">
-                <a:solidFill>
-                  <a:schemeClr val="tx1"/>
-                </a:solidFill>
-                <a:latin typeface="Cambria" panose="02040503050406030204" pitchFamily="18" charset="0"/>
-                <a:ea typeface="Cambria" panose="02040503050406030204" pitchFamily="18" charset="0"/>
-                <a:cs typeface="Tahoma" panose="020B0604030504040204" pitchFamily="34" charset="0"/>
-              </a:rPr>
-              <a:t>For example: J2EE for Enterprise Applications, J2ME for Mobile Applications.</a:t>
-            </a:r>
-          </a:p>
-          <a:p>
-            <a:r>
-              <a:rPr lang="en-US" dirty="0">
-                <a:solidFill>
-                  <a:schemeClr val="tx1"/>
-                </a:solidFill>
-                <a:latin typeface="Cambria" panose="02040503050406030204" pitchFamily="18" charset="0"/>
-                <a:ea typeface="Cambria" panose="02040503050406030204" pitchFamily="18" charset="0"/>
-                <a:cs typeface="Tahoma" panose="020B0604030504040204" pitchFamily="34" charset="0"/>
-              </a:rPr>
-              <a:t>Java is guaranteed to be </a:t>
-            </a:r>
-            <a:r>
-              <a:rPr lang="en-US" b="1" dirty="0">
-                <a:solidFill>
-                  <a:schemeClr val="tx1"/>
-                </a:solidFill>
-                <a:latin typeface="Cambria" panose="02040503050406030204" pitchFamily="18" charset="0"/>
-                <a:ea typeface="Cambria" panose="02040503050406030204" pitchFamily="18" charset="0"/>
-                <a:cs typeface="Tahoma" panose="020B0604030504040204" pitchFamily="34" charset="0"/>
-              </a:rPr>
-              <a:t>Write Once, Run Anywhere</a:t>
-            </a:r>
-            <a:r>
-              <a:rPr lang="en-US" dirty="0">
-                <a:solidFill>
-                  <a:schemeClr val="tx1"/>
-                </a:solidFill>
-                <a:latin typeface="Cambria" panose="02040503050406030204" pitchFamily="18" charset="0"/>
-                <a:ea typeface="Cambria" panose="02040503050406030204" pitchFamily="18" charset="0"/>
-                <a:cs typeface="Tahoma" panose="020B0604030504040204" pitchFamily="34" charset="0"/>
-              </a:rPr>
-              <a:t>.</a:t>
-            </a:r>
-          </a:p>
-          <a:p>
             <a:endParaRPr lang="en-US" dirty="0"/>
           </a:p>
         </p:txBody>
       </p:sp>
+      <p:pic>
+        <p:nvPicPr>
+          <p:cNvPr id="4" name="Picture 2" descr="C:\Users\thanhtran\Desktop\cp2.jpg"/>
+          <p:cNvPicPr>
+            <a:picLocks noChangeAspect="1" noChangeArrowheads="1"/>
+          </p:cNvPicPr>
+          <p:nvPr/>
+        </p:nvPicPr>
+        <p:blipFill>
+          <a:blip r:embed="rId2"/>
+          <a:srcRect/>
+          <a:stretch>
+            <a:fillRect/>
+          </a:stretch>
+        </p:blipFill>
+        <p:spPr bwMode="auto">
+          <a:xfrm>
+            <a:off x="2667000" y="1428750"/>
+            <a:ext cx="3142893" cy="3313155"/>
+          </a:xfrm>
+          <a:prstGeom prst="rect">
+            <a:avLst/>
+          </a:prstGeom>
+          <a:noFill/>
+          <a:ln>
+            <a:noFill/>
+          </a:ln>
+        </p:spPr>
+      </p:pic>
     </p:spTree>
     <p:extLst>
       <p:ext uri="{BB962C8B-B14F-4D97-AF65-F5344CB8AC3E}">
-        <p14:creationId xmlns:p14="http://schemas.microsoft.com/office/powerpoint/2010/main" val="385554257"/>
+        <p14:creationId xmlns:p14="http://schemas.microsoft.com/office/powerpoint/2010/main" val="1924892174"/>
       </p:ext>
     </p:extLst>
   </p:cSld>
   <p:clrMapOvr>
     <a:masterClrMapping/>
   </p:clrMapOvr>
-  <p:timing>
-    <p:tnLst>
-      <p:par>
-        <p:cTn id="1" dur="indefinite" restart="never" nodeType="tmRoot"/>
-      </p:par>
-    </p:tnLst>
-  </p:timing>
 </p:sld>
 </file>
 
-<file path=ppt/slides/slide40.xml><?xml version="1.0" encoding="utf-8"?>
+<file path=ppt/slides/slide50.xml><?xml version="1.0" encoding="utf-8"?>
+<p:sld xmlns:a="http://schemas.openxmlformats.org/drawingml/2006/main" xmlns:r="http://schemas.openxmlformats.org/officeDocument/2006/relationships" xmlns:p="http://schemas.openxmlformats.org/presentationml/2006/main">
+  <p:cSld>
+    <p:spTree>
+      <p:nvGrpSpPr>
+        <p:cNvPr id="1" name="Shape 399"/>
+        <p:cNvGrpSpPr/>
+        <p:nvPr/>
+      </p:nvGrpSpPr>
+      <p:grpSpPr>
+        <a:xfrm>
+          <a:off x="0" y="0"/>
+          <a:ext cx="0" cy="0"/>
+          <a:chOff x="0" y="0"/>
+          <a:chExt cx="0" cy="0"/>
+        </a:xfrm>
+      </p:grpSpPr>
+      <p:sp>
+        <p:nvSpPr>
+          <p:cNvPr id="400" name="Google Shape;400;p48"/>
+          <p:cNvSpPr txBox="1">
+            <a:spLocks noGrp="1"/>
+          </p:cNvSpPr>
+          <p:nvPr>
+            <p:ph type="title"/>
+          </p:nvPr>
+        </p:nvSpPr>
+        <p:spPr>
+          <a:xfrm>
+            <a:off x="3436705" y="273844"/>
+            <a:ext cx="5078700" cy="640200"/>
+          </a:xfrm>
+          <a:prstGeom prst="rect">
+            <a:avLst/>
+          </a:prstGeom>
+          <a:noFill/>
+          <a:ln>
+            <a:noFill/>
+          </a:ln>
+        </p:spPr>
+        <p:txBody>
+          <a:bodyPr spcFirstLastPara="1" wrap="square" lIns="68575" tIns="68575" rIns="68575" bIns="68575" anchor="ctr" anchorCtr="0">
+            <a:noAutofit/>
+          </a:bodyPr>
+          <a:lstStyle/>
+          <a:p>
+            <a:pPr marL="0" marR="0" lvl="0" indent="0" algn="r" rtl="0">
+              <a:lnSpc>
+                <a:spcPct val="90000"/>
+              </a:lnSpc>
+              <a:spcBef>
+                <a:spcPts val="0"/>
+              </a:spcBef>
+              <a:spcAft>
+                <a:spcPts val="0"/>
+              </a:spcAft>
+              <a:buClr>
+                <a:schemeClr val="dk1"/>
+              </a:buClr>
+              <a:buSzPts val="1100"/>
+              <a:buFont typeface="Calibri"/>
+              <a:buNone/>
+            </a:pPr>
+            <a:r>
+              <a:rPr lang="en-US">
+                <a:solidFill>
+                  <a:srgbClr val="FF0000"/>
+                </a:solidFill>
+              </a:rPr>
+              <a:t>Lab 6</a:t>
+            </a:r>
+            <a:endParaRPr>
+              <a:solidFill>
+                <a:srgbClr val="FF0000"/>
+              </a:solidFill>
+            </a:endParaRPr>
+          </a:p>
+        </p:txBody>
+      </p:sp>
+      <p:sp>
+        <p:nvSpPr>
+          <p:cNvPr id="401" name="Google Shape;401;p48"/>
+          <p:cNvSpPr txBox="1">
+            <a:spLocks noGrp="1"/>
+          </p:cNvSpPr>
+          <p:nvPr>
+            <p:ph type="body" idx="1"/>
+          </p:nvPr>
+        </p:nvSpPr>
+        <p:spPr>
+          <a:xfrm>
+            <a:off x="628705" y="1101590"/>
+            <a:ext cx="7886700" cy="3263400"/>
+          </a:xfrm>
+          <a:prstGeom prst="rect">
+            <a:avLst/>
+          </a:prstGeom>
+          <a:noFill/>
+          <a:ln>
+            <a:noFill/>
+          </a:ln>
+        </p:spPr>
+        <p:txBody>
+          <a:bodyPr spcFirstLastPara="1" wrap="square" lIns="68575" tIns="68575" rIns="68575" bIns="68575" anchor="t" anchorCtr="0">
+            <a:noAutofit/>
+          </a:bodyPr>
+          <a:lstStyle/>
+          <a:p>
+            <a:pPr marL="457200" marR="0" lvl="0" indent="-361950" algn="l" rtl="0">
+              <a:lnSpc>
+                <a:spcPct val="90000"/>
+              </a:lnSpc>
+              <a:spcBef>
+                <a:spcPts val="800"/>
+              </a:spcBef>
+              <a:spcAft>
+                <a:spcPts val="0"/>
+              </a:spcAft>
+              <a:buClr>
+                <a:schemeClr val="dk1"/>
+              </a:buClr>
+              <a:buSzPts val="2100"/>
+              <a:buFont typeface="Arial"/>
+              <a:buChar char="•"/>
+            </a:pPr>
+            <a:r>
+              <a:rPr lang="en-US"/>
+              <a:t>Tạo package </a:t>
+            </a:r>
+            <a:r>
+              <a:rPr lang="en-US" b="1"/>
+              <a:t>com.demo.core.lab6</a:t>
+            </a:r>
+            <a:endParaRPr b="1"/>
+          </a:p>
+          <a:p>
+            <a:pPr marL="457200" marR="0" lvl="0" indent="-361950" algn="l" rtl="0">
+              <a:lnSpc>
+                <a:spcPct val="90000"/>
+              </a:lnSpc>
+              <a:spcBef>
+                <a:spcPts val="800"/>
+              </a:spcBef>
+              <a:spcAft>
+                <a:spcPts val="0"/>
+              </a:spcAft>
+              <a:buClr>
+                <a:schemeClr val="dk1"/>
+              </a:buClr>
+              <a:buSzPts val="2100"/>
+              <a:buFont typeface="Arial"/>
+              <a:buChar char="•"/>
+            </a:pPr>
+            <a:r>
+              <a:rPr lang="en-US"/>
+              <a:t>Quản lý khách hàng xếp hàng mua vé tại nhà ga. Thông tin lưu trữ cho khách hàng gồm: số CMND khác hàng (String), Tên khách hàng, Ga đến, giá tiền (double).  </a:t>
+            </a:r>
+            <a:endParaRPr/>
+          </a:p>
+          <a:p>
+            <a:pPr marL="457200" marR="0" lvl="0" indent="-361950" algn="l" rtl="0">
+              <a:lnSpc>
+                <a:spcPct val="90000"/>
+              </a:lnSpc>
+              <a:spcBef>
+                <a:spcPts val="800"/>
+              </a:spcBef>
+              <a:spcAft>
+                <a:spcPts val="0"/>
+              </a:spcAft>
+              <a:buClr>
+                <a:schemeClr val="dk1"/>
+              </a:buClr>
+              <a:buSzPts val="2100"/>
+              <a:buFont typeface="Arial"/>
+              <a:buChar char="•"/>
+            </a:pPr>
+            <a:r>
+              <a:rPr lang="en-US"/>
+              <a:t>Quản lý các mục: </a:t>
+            </a:r>
+            <a:endParaRPr/>
+          </a:p>
+          <a:p>
+            <a:pPr marL="914400" lvl="1" indent="-342900" algn="l" rtl="0">
+              <a:lnSpc>
+                <a:spcPct val="90000"/>
+              </a:lnSpc>
+              <a:spcBef>
+                <a:spcPts val="400"/>
+              </a:spcBef>
+              <a:spcAft>
+                <a:spcPts val="0"/>
+              </a:spcAft>
+              <a:buSzPts val="1800"/>
+              <a:buChar char="•"/>
+            </a:pPr>
+            <a:r>
+              <a:rPr lang="en-US"/>
+              <a:t>Thêm một khách hàng mới vào hàng đợi mua vé. </a:t>
+            </a:r>
+            <a:endParaRPr/>
+          </a:p>
+          <a:p>
+            <a:pPr marL="914400" lvl="1" indent="-342900" algn="l" rtl="0">
+              <a:lnSpc>
+                <a:spcPct val="90000"/>
+              </a:lnSpc>
+              <a:spcBef>
+                <a:spcPts val="400"/>
+              </a:spcBef>
+              <a:spcAft>
+                <a:spcPts val="0"/>
+              </a:spcAft>
+              <a:buSzPts val="1800"/>
+              <a:buChar char="•"/>
+            </a:pPr>
+            <a:r>
+              <a:rPr lang="en-US"/>
+              <a:t>Hiển thị các khách hàng đang xếp hàng mua vé.</a:t>
+            </a:r>
+            <a:endParaRPr/>
+          </a:p>
+          <a:p>
+            <a:pPr marL="914400" lvl="1" indent="-342900" algn="l" rtl="0">
+              <a:lnSpc>
+                <a:spcPct val="90000"/>
+              </a:lnSpc>
+              <a:spcBef>
+                <a:spcPts val="400"/>
+              </a:spcBef>
+              <a:spcAft>
+                <a:spcPts val="0"/>
+              </a:spcAft>
+              <a:buSzPts val="1800"/>
+              <a:buChar char="•"/>
+            </a:pPr>
+            <a:r>
+              <a:rPr lang="en-US"/>
+              <a:t>Tìm một khách hàng theo CMND (thực hiện theo hai cách dùng list và map)</a:t>
+            </a:r>
+            <a:endParaRPr/>
+          </a:p>
+          <a:p>
+            <a:pPr marL="914400" lvl="1" indent="-342900" algn="l" rtl="0">
+              <a:lnSpc>
+                <a:spcPct val="90000"/>
+              </a:lnSpc>
+              <a:spcBef>
+                <a:spcPts val="400"/>
+              </a:spcBef>
+              <a:spcAft>
+                <a:spcPts val="0"/>
+              </a:spcAft>
+              <a:buSzPts val="1800"/>
+              <a:buChar char="•"/>
+            </a:pPr>
+            <a:r>
+              <a:rPr lang="en-US"/>
+              <a:t>Khi một khách hàng đã mua vé,  thì loại khách hàng này ra khỏi </a:t>
+            </a:r>
+            <a:endParaRPr/>
+          </a:p>
+          <a:p>
+            <a:pPr marL="457200" marR="0" lvl="0" indent="-361950" algn="l" rtl="0">
+              <a:lnSpc>
+                <a:spcPct val="90000"/>
+              </a:lnSpc>
+              <a:spcBef>
+                <a:spcPts val="800"/>
+              </a:spcBef>
+              <a:spcAft>
+                <a:spcPts val="0"/>
+              </a:spcAft>
+              <a:buClr>
+                <a:schemeClr val="dk1"/>
+              </a:buClr>
+              <a:buSzPts val="2100"/>
+              <a:buFont typeface="Arial"/>
+              <a:buChar char="•"/>
+            </a:pPr>
+            <a:r>
+              <a:rPr lang="en-US" sz="1800" u="sng">
+                <a:solidFill>
+                  <a:schemeClr val="hlink"/>
+                </a:solidFill>
+                <a:hlinkClick r:id="rId3"/>
+              </a:rPr>
+              <a:t>https://www.w3schools.com/java/java_user_input.asp</a:t>
+            </a:r>
+            <a:endParaRPr sz="1800"/>
+          </a:p>
+          <a:p>
+            <a:pPr marL="457200" marR="0" lvl="0" indent="-361950" algn="l" rtl="0">
+              <a:lnSpc>
+                <a:spcPct val="90000"/>
+              </a:lnSpc>
+              <a:spcBef>
+                <a:spcPts val="800"/>
+              </a:spcBef>
+              <a:spcAft>
+                <a:spcPts val="0"/>
+              </a:spcAft>
+              <a:buClr>
+                <a:schemeClr val="dk1"/>
+              </a:buClr>
+              <a:buSzPts val="2100"/>
+              <a:buFont typeface="Arial"/>
+              <a:buChar char="•"/>
+            </a:pPr>
+            <a:r>
+              <a:rPr lang="en-US" sz="1800" u="sng">
+                <a:solidFill>
+                  <a:schemeClr val="hlink"/>
+                </a:solidFill>
+                <a:hlinkClick r:id="rId4"/>
+              </a:rPr>
+              <a:t>https://www.w3schools.com/java/java_arraylist.asp</a:t>
+            </a:r>
+            <a:endParaRPr sz="1800"/>
+          </a:p>
+          <a:p>
+            <a:pPr marL="457200" marR="0" lvl="0" indent="-361950" algn="l" rtl="0">
+              <a:lnSpc>
+                <a:spcPct val="90000"/>
+              </a:lnSpc>
+              <a:spcBef>
+                <a:spcPts val="800"/>
+              </a:spcBef>
+              <a:spcAft>
+                <a:spcPts val="0"/>
+              </a:spcAft>
+              <a:buClr>
+                <a:schemeClr val="dk1"/>
+              </a:buClr>
+              <a:buSzPts val="2100"/>
+              <a:buFont typeface="Arial"/>
+              <a:buChar char="•"/>
+            </a:pPr>
+            <a:r>
+              <a:rPr lang="en-US" sz="1800" u="sng">
+                <a:solidFill>
+                  <a:schemeClr val="hlink"/>
+                </a:solidFill>
+                <a:hlinkClick r:id="rId5"/>
+              </a:rPr>
+              <a:t>https://www.w3schools.com/java/java_for_loop.asp</a:t>
+            </a:r>
+            <a:endParaRPr sz="1800"/>
+          </a:p>
+          <a:p>
+            <a:pPr marL="571500" lvl="1" indent="0" algn="l" rtl="0">
+              <a:lnSpc>
+                <a:spcPct val="90000"/>
+              </a:lnSpc>
+              <a:spcBef>
+                <a:spcPts val="400"/>
+              </a:spcBef>
+              <a:spcAft>
+                <a:spcPts val="0"/>
+              </a:spcAft>
+              <a:buSzPts val="1800"/>
+              <a:buNone/>
+            </a:pPr>
+            <a:endParaRPr/>
+          </a:p>
+          <a:p>
+            <a:pPr marL="914400" lvl="1" indent="-228600" algn="l" rtl="0">
+              <a:lnSpc>
+                <a:spcPct val="90000"/>
+              </a:lnSpc>
+              <a:spcBef>
+                <a:spcPts val="400"/>
+              </a:spcBef>
+              <a:spcAft>
+                <a:spcPts val="0"/>
+              </a:spcAft>
+              <a:buSzPts val="1800"/>
+              <a:buNone/>
+            </a:pPr>
+            <a:endParaRPr/>
+          </a:p>
+        </p:txBody>
+      </p:sp>
+    </p:spTree>
+  </p:cSld>
+  <p:clrMapOvr>
+    <a:masterClrMapping/>
+  </p:clrMapOvr>
+</p:sld>
+</file>
+
+<file path=ppt/slides/slide51.xml><?xml version="1.0" encoding="utf-8"?>
 <p:sld xmlns:a="http://schemas.openxmlformats.org/drawingml/2006/main" xmlns:r="http://schemas.openxmlformats.org/officeDocument/2006/relationships" xmlns:p="http://schemas.openxmlformats.org/presentationml/2006/main">
   <p:cSld>
     <p:spTree>
@@ -19851,17 +24148,10 @@
   <p:clrMapOvr>
     <a:masterClrMapping/>
   </p:clrMapOvr>
-  <p:timing>
-    <p:tnLst>
-      <p:par>
-        <p:cTn id="1" dur="indefinite" restart="never" nodeType="tmRoot"/>
-      </p:par>
-    </p:tnLst>
-  </p:timing>
 </p:sld>
 </file>
 
-<file path=ppt/slides/slide41.xml><?xml version="1.0" encoding="utf-8"?>
+<file path=ppt/slides/slide52.xml><?xml version="1.0" encoding="utf-8"?>
 <p:sld xmlns:a="http://schemas.openxmlformats.org/drawingml/2006/main" xmlns:r="http://schemas.openxmlformats.org/officeDocument/2006/relationships" xmlns:p="http://schemas.openxmlformats.org/presentationml/2006/main">
   <p:cSld>
     <p:spTree>
@@ -19984,17 +24274,10 @@
   <p:clrMapOvr>
     <a:masterClrMapping/>
   </p:clrMapOvr>
-  <p:timing>
-    <p:tnLst>
-      <p:par>
-        <p:cTn id="1" dur="indefinite" restart="never" nodeType="tmRoot"/>
-      </p:par>
-    </p:tnLst>
-  </p:timing>
 </p:sld>
 </file>
 
-<file path=ppt/slides/slide42.xml><?xml version="1.0" encoding="utf-8"?>
+<file path=ppt/slides/slide53.xml><?xml version="1.0" encoding="utf-8"?>
 <p:sld xmlns:a="http://schemas.openxmlformats.org/drawingml/2006/main" xmlns:r="http://schemas.openxmlformats.org/officeDocument/2006/relationships" xmlns:p="http://schemas.openxmlformats.org/presentationml/2006/main">
   <p:cSld>
     <p:spTree>
@@ -20173,17 +24456,10 @@
   <p:clrMapOvr>
     <a:masterClrMapping/>
   </p:clrMapOvr>
-  <p:timing>
-    <p:tnLst>
-      <p:par>
-        <p:cTn id="1" dur="indefinite" restart="never" nodeType="tmRoot"/>
-      </p:par>
-    </p:tnLst>
-  </p:timing>
 </p:sld>
 </file>
 
-<file path=ppt/slides/slide43.xml><?xml version="1.0" encoding="utf-8"?>
+<file path=ppt/slides/slide54.xml><?xml version="1.0" encoding="utf-8"?>
 <p:sld xmlns:a="http://schemas.openxmlformats.org/drawingml/2006/main" xmlns:r="http://schemas.openxmlformats.org/officeDocument/2006/relationships" xmlns:p="http://schemas.openxmlformats.org/presentationml/2006/main">
   <p:cSld>
     <p:spTree>
@@ -20474,17 +24750,10 @@
   <p:clrMapOvr>
     <a:masterClrMapping/>
   </p:clrMapOvr>
-  <p:timing>
-    <p:tnLst>
-      <p:par>
-        <p:cTn id="1" dur="indefinite" restart="never" nodeType="tmRoot"/>
-      </p:par>
-    </p:tnLst>
-  </p:timing>
 </p:sld>
 </file>
 
-<file path=ppt/slides/slide44.xml><?xml version="1.0" encoding="utf-8"?>
+<file path=ppt/slides/slide55.xml><?xml version="1.0" encoding="utf-8"?>
 <p:sld xmlns:a="http://schemas.openxmlformats.org/drawingml/2006/main" xmlns:r="http://schemas.openxmlformats.org/officeDocument/2006/relationships" xmlns:p="http://schemas.openxmlformats.org/presentationml/2006/main">
   <p:cSld>
     <p:spTree>
@@ -20710,17 +24979,10 @@
   <p:clrMapOvr>
     <a:masterClrMapping/>
   </p:clrMapOvr>
-  <p:timing>
-    <p:tnLst>
-      <p:par>
-        <p:cTn id="1" dur="indefinite" restart="never" nodeType="tmRoot"/>
-      </p:par>
-    </p:tnLst>
-  </p:timing>
 </p:sld>
 </file>
 
-<file path=ppt/slides/slide45.xml><?xml version="1.0" encoding="utf-8"?>
+<file path=ppt/slides/slide56.xml><?xml version="1.0" encoding="utf-8"?>
 <p:sld xmlns:a="http://schemas.openxmlformats.org/drawingml/2006/main" xmlns:r="http://schemas.openxmlformats.org/officeDocument/2006/relationships" xmlns:p="http://schemas.openxmlformats.org/presentationml/2006/main">
   <p:cSld>
     <p:spTree>
@@ -20926,17 +25188,10 @@
   <p:clrMapOvr>
     <a:masterClrMapping/>
   </p:clrMapOvr>
-  <p:timing>
-    <p:tnLst>
-      <p:par>
-        <p:cTn id="1" dur="indefinite" restart="never" nodeType="tmRoot"/>
-      </p:par>
-    </p:tnLst>
-  </p:timing>
 </p:sld>
 </file>
 
-<file path=ppt/slides/slide46.xml><?xml version="1.0" encoding="utf-8"?>
+<file path=ppt/slides/slide57.xml><?xml version="1.0" encoding="utf-8"?>
 <p:sld xmlns:a="http://schemas.openxmlformats.org/drawingml/2006/main" xmlns:r="http://schemas.openxmlformats.org/officeDocument/2006/relationships" xmlns:p="http://schemas.openxmlformats.org/presentationml/2006/main">
   <p:cSld>
     <p:spTree>
@@ -21104,17 +25359,10 @@
   <p:clrMapOvr>
     <a:masterClrMapping/>
   </p:clrMapOvr>
-  <p:timing>
-    <p:tnLst>
-      <p:par>
-        <p:cTn id="1" dur="indefinite" restart="never" nodeType="tmRoot"/>
-      </p:par>
-    </p:tnLst>
-  </p:timing>
 </p:sld>
 </file>
 
-<file path=ppt/slides/slide47.xml><?xml version="1.0" encoding="utf-8"?>
+<file path=ppt/slides/slide58.xml><?xml version="1.0" encoding="utf-8"?>
 <p:sld xmlns:a="http://schemas.openxmlformats.org/drawingml/2006/main" xmlns:r="http://schemas.openxmlformats.org/officeDocument/2006/relationships" xmlns:p="http://schemas.openxmlformats.org/presentationml/2006/main">
   <p:cSld>
     <p:spTree>
@@ -21325,17 +25573,124 @@
   <p:clrMapOvr>
     <a:masterClrMapping/>
   </p:clrMapOvr>
-  <p:timing>
-    <p:tnLst>
-      <p:par>
-        <p:cTn id="1" dur="indefinite" restart="never" nodeType="tmRoot"/>
-      </p:par>
-    </p:tnLst>
-  </p:timing>
 </p:sld>
 </file>
 
-<file path=ppt/slides/slide48.xml><?xml version="1.0" encoding="utf-8"?>
+<file path=ppt/slides/slide59.xml><?xml version="1.0" encoding="utf-8"?>
+<p:sld xmlns:a="http://schemas.openxmlformats.org/drawingml/2006/main" xmlns:r="http://schemas.openxmlformats.org/officeDocument/2006/relationships" xmlns:p="http://schemas.openxmlformats.org/presentationml/2006/main">
+  <p:cSld>
+    <p:spTree>
+      <p:nvGrpSpPr>
+        <p:cNvPr id="1" name=""/>
+        <p:cNvGrpSpPr/>
+        <p:nvPr/>
+      </p:nvGrpSpPr>
+      <p:grpSpPr>
+        <a:xfrm>
+          <a:off x="0" y="0"/>
+          <a:ext cx="0" cy="0"/>
+          <a:chOff x="0" y="0"/>
+          <a:chExt cx="0" cy="0"/>
+        </a:xfrm>
+      </p:grpSpPr>
+      <p:sp>
+        <p:nvSpPr>
+          <p:cNvPr id="2" name="Title 1">
+            <a:extLst>
+              <a:ext uri="{FF2B5EF4-FFF2-40B4-BE49-F238E27FC236}">
+                <a16:creationId xmlns:a16="http://schemas.microsoft.com/office/drawing/2014/main" id="{C8552D0E-ADCF-4098-A343-4DD91106EB75}"/>
+              </a:ext>
+            </a:extLst>
+          </p:cNvPr>
+          <p:cNvSpPr>
+            <a:spLocks noGrp="1"/>
+          </p:cNvSpPr>
+          <p:nvPr>
+            <p:ph type="title"/>
+          </p:nvPr>
+        </p:nvSpPr>
+        <p:spPr/>
+        <p:txBody>
+          <a:bodyPr/>
+          <a:lstStyle/>
+          <a:p>
+            <a:r>
+              <a:rPr lang="vi-VN" dirty="0"/>
+              <a:t>Thread</a:t>
+            </a:r>
+            <a:endParaRPr lang="en-US" dirty="0"/>
+          </a:p>
+        </p:txBody>
+      </p:sp>
+      <p:sp>
+        <p:nvSpPr>
+          <p:cNvPr id="3" name="Text Placeholder 2">
+            <a:extLst>
+              <a:ext uri="{FF2B5EF4-FFF2-40B4-BE49-F238E27FC236}">
+                <a16:creationId xmlns:a16="http://schemas.microsoft.com/office/drawing/2014/main" id="{2414D371-C3F1-410A-B139-1B1ACFA03A5F}"/>
+              </a:ext>
+            </a:extLst>
+          </p:cNvPr>
+          <p:cNvSpPr>
+            <a:spLocks noGrp="1"/>
+          </p:cNvSpPr>
+          <p:nvPr>
+            <p:ph type="body" idx="1"/>
+          </p:nvPr>
+        </p:nvSpPr>
+        <p:spPr/>
+        <p:txBody>
+          <a:bodyPr/>
+          <a:lstStyle/>
+          <a:p>
+            <a:r>
+              <a:rPr lang="en-US" dirty="0">
+                <a:hlinkClick r:id="rId2"/>
+              </a:rPr>
+              <a:t>https://topdev.vn/blog/lap-trinh-da-luong-trong-java-java-multi-threading/</a:t>
+            </a:r>
+            <a:endParaRPr lang="vi-VN" dirty="0"/>
+          </a:p>
+          <a:p>
+            <a:r>
+              <a:rPr lang="vi-VN" dirty="0">
+                <a:hlinkClick r:id="rId3"/>
+              </a:rPr>
+              <a:t>https://www.javatpoint.com/multithreading-in-java</a:t>
+            </a:r>
+            <a:endParaRPr lang="vi-VN" dirty="0"/>
+          </a:p>
+          <a:p>
+            <a:r>
+              <a:rPr lang="vi-VN" dirty="0">
+                <a:hlinkClick r:id="rId4"/>
+              </a:rPr>
+              <a:t>https://www.baeldung.com/cs/async-vs-multi-threading</a:t>
+            </a:r>
+            <a:endParaRPr lang="vi-VN" dirty="0"/>
+          </a:p>
+          <a:p>
+            <a:endParaRPr lang="vi-VN" dirty="0"/>
+          </a:p>
+          <a:p>
+            <a:endParaRPr lang="en-US" dirty="0"/>
+          </a:p>
+        </p:txBody>
+      </p:sp>
+    </p:spTree>
+    <p:extLst>
+      <p:ext uri="{BB962C8B-B14F-4D97-AF65-F5344CB8AC3E}">
+        <p14:creationId xmlns:p14="http://schemas.microsoft.com/office/powerpoint/2010/main" val="4292840442"/>
+      </p:ext>
+    </p:extLst>
+  </p:cSld>
+  <p:clrMapOvr>
+    <a:masterClrMapping/>
+  </p:clrMapOvr>
+</p:sld>
+</file>
+
+<file path=ppt/slides/slide6.xml><?xml version="1.0" encoding="utf-8"?>
 <p:sld xmlns:a="http://schemas.openxmlformats.org/drawingml/2006/main" xmlns:r="http://schemas.openxmlformats.org/officeDocument/2006/relationships" xmlns:p="http://schemas.openxmlformats.org/presentationml/2006/main">
   <p:cSld>
     <p:spTree>
@@ -21368,8 +25723,1686 @@
           <a:lstStyle/>
           <a:p>
             <a:r>
-              <a:rPr lang="en-US" dirty="0" smtClean="0"/>
-              <a:t>DAO &amp; DTO</a:t>
+              <a:rPr lang="vi-VN" sz="3200" b="1" dirty="0">
+                <a:cs typeface="Calibri" panose="020F0502020204030204" pitchFamily="34" charset="0"/>
+              </a:rPr>
+              <a:t>Overview</a:t>
+            </a:r>
+            <a:r>
+              <a:rPr lang="en-US" sz="3200" b="1" dirty="0">
+                <a:cs typeface="Calibri" panose="020F0502020204030204" pitchFamily="34" charset="0"/>
+              </a:rPr>
+              <a:t> and setup</a:t>
+            </a:r>
+            <a:endParaRPr lang="en-US" dirty="0"/>
+          </a:p>
+        </p:txBody>
+      </p:sp>
+      <p:sp>
+        <p:nvSpPr>
+          <p:cNvPr id="3" name="Text Placeholder 2"/>
+          <p:cNvSpPr>
+            <a:spLocks noGrp="1"/>
+          </p:cNvSpPr>
+          <p:nvPr>
+            <p:ph type="body" idx="1"/>
+          </p:nvPr>
+        </p:nvSpPr>
+        <p:spPr>
+          <a:xfrm>
+            <a:off x="381000" y="1200150"/>
+            <a:ext cx="7886700" cy="3263400"/>
+          </a:xfrm>
+        </p:spPr>
+        <p:txBody>
+          <a:bodyPr/>
+          <a:lstStyle/>
+          <a:p>
+            <a:r>
+              <a:rPr lang="en-US" sz="2000" dirty="0" err="1"/>
+              <a:t>Jdk</a:t>
+            </a:r>
+            <a:r>
+              <a:rPr lang="en-US" sz="2000" dirty="0"/>
+              <a:t> </a:t>
+            </a:r>
+            <a:r>
+              <a:rPr lang="vi-VN" sz="2000" dirty="0"/>
+              <a:t>8</a:t>
+            </a:r>
+          </a:p>
+          <a:p>
+            <a:pPr lvl="1"/>
+            <a:r>
+              <a:rPr lang="en-US" dirty="0">
+                <a:latin typeface="Cambria" panose="02040503050406030204" pitchFamily="18" charset="0"/>
+                <a:ea typeface="Cambria" panose="02040503050406030204" pitchFamily="18" charset="0"/>
+                <a:hlinkClick r:id="rId2"/>
+              </a:rPr>
+              <a:t>https://www.oracle.com/java/technologies/javase/javase-jdk8-downloads.html</a:t>
+            </a:r>
+            <a:endParaRPr lang="en-US" dirty="0">
+              <a:latin typeface="Cambria" panose="02040503050406030204" pitchFamily="18" charset="0"/>
+              <a:ea typeface="Cambria" panose="02040503050406030204" pitchFamily="18" charset="0"/>
+            </a:endParaRPr>
+          </a:p>
+          <a:p>
+            <a:pPr lvl="1" fontAlgn="base"/>
+            <a:r>
+              <a:rPr lang="vi-VN" sz="1600" dirty="0">
+                <a:latin typeface="Cambria" panose="02040503050406030204" pitchFamily="18" charset="0"/>
+                <a:ea typeface="Cambria" panose="02040503050406030204" pitchFamily="18" charset="0"/>
+              </a:rPr>
+              <a:t>Install</a:t>
+            </a:r>
+            <a:r>
+              <a:rPr lang="en-US" sz="1600" dirty="0">
+                <a:latin typeface="Cambria" panose="02040503050406030204" pitchFamily="18" charset="0"/>
+                <a:ea typeface="Cambria" panose="02040503050406030204" pitchFamily="18" charset="0"/>
+              </a:rPr>
+              <a:t> </a:t>
+            </a:r>
+          </a:p>
+          <a:p>
+            <a:pPr lvl="1" fontAlgn="base"/>
+            <a:r>
+              <a:rPr lang="en-US" sz="1600" dirty="0">
+                <a:latin typeface="Cambria" panose="02040503050406030204" pitchFamily="18" charset="0"/>
+                <a:ea typeface="Cambria" panose="02040503050406030204" pitchFamily="18" charset="0"/>
+              </a:rPr>
+              <a:t>Set JAVA_HOME:</a:t>
+            </a:r>
+            <a:endParaRPr lang="vi-VN" sz="1600" dirty="0">
+              <a:latin typeface="Cambria" panose="02040503050406030204" pitchFamily="18" charset="0"/>
+              <a:ea typeface="Cambria" panose="02040503050406030204" pitchFamily="18" charset="0"/>
+            </a:endParaRPr>
+          </a:p>
+          <a:p>
+            <a:pPr lvl="2" fontAlgn="base"/>
+            <a:r>
+              <a:rPr lang="en-US" sz="1400" dirty="0">
+                <a:latin typeface="Cambria" panose="02040503050406030204" pitchFamily="18" charset="0"/>
+                <a:ea typeface="Cambria" panose="02040503050406030204" pitchFamily="18" charset="0"/>
+              </a:rPr>
+              <a:t>Select Control Panel and then System.</a:t>
+            </a:r>
+          </a:p>
+          <a:p>
+            <a:pPr lvl="2" fontAlgn="base"/>
+            <a:r>
+              <a:rPr lang="en-US" sz="1400" dirty="0">
+                <a:latin typeface="Cambria" panose="02040503050406030204" pitchFamily="18" charset="0"/>
+                <a:ea typeface="Cambria" panose="02040503050406030204" pitchFamily="18" charset="0"/>
+              </a:rPr>
+              <a:t>Click Advanced and then Environment Variables.</a:t>
+            </a:r>
+          </a:p>
+          <a:p>
+            <a:pPr lvl="2" fontAlgn="base"/>
+            <a:r>
+              <a:rPr lang="en-US" sz="1400" dirty="0">
+                <a:latin typeface="Cambria" panose="02040503050406030204" pitchFamily="18" charset="0"/>
+                <a:ea typeface="Cambria" panose="02040503050406030204" pitchFamily="18" charset="0"/>
+              </a:rPr>
+              <a:t>Under System Variables, click New.</a:t>
+            </a:r>
+          </a:p>
+          <a:p>
+            <a:pPr lvl="2" fontAlgn="base"/>
+            <a:r>
+              <a:rPr lang="en-US" sz="1400" dirty="0">
+                <a:latin typeface="Cambria" panose="02040503050406030204" pitchFamily="18" charset="0"/>
+                <a:ea typeface="Cambria" panose="02040503050406030204" pitchFamily="18" charset="0"/>
+              </a:rPr>
+              <a:t>Enter the variable name as JAVA_HOME.</a:t>
+            </a:r>
+          </a:p>
+          <a:p>
+            <a:pPr lvl="2" fontAlgn="base"/>
+            <a:r>
+              <a:rPr lang="en-US" sz="1400" dirty="0">
+                <a:latin typeface="Cambria" panose="02040503050406030204" pitchFamily="18" charset="0"/>
+                <a:ea typeface="Cambria" panose="02040503050406030204" pitchFamily="18" charset="0"/>
+              </a:rPr>
+              <a:t>Enter the variable value as the installation path of the </a:t>
+            </a:r>
+            <a:r>
+              <a:rPr lang="vi-VN" sz="1400" dirty="0">
+                <a:latin typeface="Cambria" panose="02040503050406030204" pitchFamily="18" charset="0"/>
+                <a:ea typeface="Cambria" panose="02040503050406030204" pitchFamily="18" charset="0"/>
+              </a:rPr>
+              <a:t>JDK</a:t>
+            </a:r>
+          </a:p>
+          <a:p>
+            <a:pPr lvl="3" fontAlgn="base"/>
+            <a:r>
+              <a:rPr lang="vi-VN" sz="1300" dirty="0">
+                <a:latin typeface="Cambria" panose="02040503050406030204" pitchFamily="18" charset="0"/>
+                <a:ea typeface="Cambria" panose="02040503050406030204" pitchFamily="18" charset="0"/>
+              </a:rPr>
+              <a:t>Ex: </a:t>
+            </a:r>
+            <a:r>
+              <a:rPr lang="vi-VN" sz="1300" dirty="0">
+                <a:solidFill>
+                  <a:srgbClr val="FF0000"/>
+                </a:solidFill>
+                <a:latin typeface="Cambria" panose="02040503050406030204" pitchFamily="18" charset="0"/>
+                <a:ea typeface="Cambria" panose="02040503050406030204" pitchFamily="18" charset="0"/>
+              </a:rPr>
+              <a:t>JAVA_HOME = C:\Program Files\Java\jdk1.8.0_251</a:t>
+            </a:r>
+            <a:endParaRPr lang="en-US" sz="1300" dirty="0">
+              <a:solidFill>
+                <a:srgbClr val="FF0000"/>
+              </a:solidFill>
+              <a:latin typeface="Cambria" panose="02040503050406030204" pitchFamily="18" charset="0"/>
+              <a:ea typeface="Cambria" panose="02040503050406030204" pitchFamily="18" charset="0"/>
+            </a:endParaRPr>
+          </a:p>
+          <a:p>
+            <a:pPr lvl="2" fontAlgn="base"/>
+            <a:r>
+              <a:rPr lang="en-US" sz="1400" dirty="0">
+                <a:latin typeface="Cambria" panose="02040503050406030204" pitchFamily="18" charset="0"/>
+                <a:ea typeface="Cambria" panose="02040503050406030204" pitchFamily="18" charset="0"/>
+              </a:rPr>
+              <a:t>Click OK.</a:t>
+            </a:r>
+          </a:p>
+          <a:p>
+            <a:pPr lvl="2" fontAlgn="base"/>
+            <a:r>
+              <a:rPr lang="en-US" sz="1400" dirty="0">
+                <a:latin typeface="Cambria" panose="02040503050406030204" pitchFamily="18" charset="0"/>
+                <a:ea typeface="Cambria" panose="02040503050406030204" pitchFamily="18" charset="0"/>
+              </a:rPr>
+              <a:t>Click Apply Changes.</a:t>
+            </a:r>
+          </a:p>
+        </p:txBody>
+      </p:sp>
+    </p:spTree>
+    <p:extLst>
+      <p:ext uri="{BB962C8B-B14F-4D97-AF65-F5344CB8AC3E}">
+        <p14:creationId xmlns:p14="http://schemas.microsoft.com/office/powerpoint/2010/main" val="2905830678"/>
+      </p:ext>
+    </p:extLst>
+  </p:cSld>
+  <p:clrMapOvr>
+    <a:masterClrMapping/>
+  </p:clrMapOvr>
+</p:sld>
+</file>
+
+<file path=ppt/slides/slide60.xml><?xml version="1.0" encoding="utf-8"?>
+<p:sld xmlns:a="http://schemas.openxmlformats.org/drawingml/2006/main" xmlns:r="http://schemas.openxmlformats.org/officeDocument/2006/relationships" xmlns:p="http://schemas.openxmlformats.org/presentationml/2006/main">
+  <p:cSld>
+    <p:spTree>
+      <p:nvGrpSpPr>
+        <p:cNvPr id="1" name=""/>
+        <p:cNvGrpSpPr/>
+        <p:nvPr/>
+      </p:nvGrpSpPr>
+      <p:grpSpPr>
+        <a:xfrm>
+          <a:off x="0" y="0"/>
+          <a:ext cx="0" cy="0"/>
+          <a:chOff x="0" y="0"/>
+          <a:chExt cx="0" cy="0"/>
+        </a:xfrm>
+      </p:grpSpPr>
+      <p:sp>
+        <p:nvSpPr>
+          <p:cNvPr id="2" name="Title 1">
+            <a:extLst>
+              <a:ext uri="{FF2B5EF4-FFF2-40B4-BE49-F238E27FC236}">
+                <a16:creationId xmlns:a16="http://schemas.microsoft.com/office/drawing/2014/main" id="{3804C084-165B-4B5C-BC54-79A539004990}"/>
+              </a:ext>
+            </a:extLst>
+          </p:cNvPr>
+          <p:cNvSpPr>
+            <a:spLocks noGrp="1"/>
+          </p:cNvSpPr>
+          <p:nvPr>
+            <p:ph type="title"/>
+          </p:nvPr>
+        </p:nvSpPr>
+        <p:spPr/>
+        <p:txBody>
+          <a:bodyPr/>
+          <a:lstStyle/>
+          <a:p>
+            <a:r>
+              <a:rPr lang="en-US" dirty="0"/>
+              <a:t>Thread</a:t>
+            </a:r>
+          </a:p>
+        </p:txBody>
+      </p:sp>
+      <p:sp>
+        <p:nvSpPr>
+          <p:cNvPr id="3" name="Text Placeholder 2">
+            <a:extLst>
+              <a:ext uri="{FF2B5EF4-FFF2-40B4-BE49-F238E27FC236}">
+                <a16:creationId xmlns:a16="http://schemas.microsoft.com/office/drawing/2014/main" id="{D98CE0B1-45EF-400E-8C14-3AD6DB0B2B9C}"/>
+              </a:ext>
+            </a:extLst>
+          </p:cNvPr>
+          <p:cNvSpPr>
+            <a:spLocks noGrp="1"/>
+          </p:cNvSpPr>
+          <p:nvPr>
+            <p:ph type="body" idx="1"/>
+          </p:nvPr>
+        </p:nvSpPr>
+        <p:spPr/>
+        <p:txBody>
+          <a:bodyPr/>
+          <a:lstStyle/>
+          <a:p>
+            <a:r>
+              <a:rPr lang="vi-VN" dirty="0"/>
+              <a:t>Thread (luồng) về cơ bản là một tiến trình con (sub-process). Một đơn vị xử lý nhỏ nhất của máy tính có thể thực hiện một công việc riêng biệt. Trong Java, các luồng được quản lý bởi máy ảo Java (JVM)</a:t>
+            </a:r>
+            <a:endParaRPr lang="en-US" dirty="0"/>
+          </a:p>
+          <a:p>
+            <a:r>
+              <a:rPr lang="en-US" dirty="0"/>
+              <a:t>Multithreading</a:t>
+            </a:r>
+          </a:p>
+          <a:p>
+            <a:pPr lvl="1"/>
+            <a:r>
+              <a:rPr lang="en-US" dirty="0"/>
+              <a:t>Multithreading in Java is a process of executing multiple threads simultaneously.</a:t>
+            </a:r>
+          </a:p>
+          <a:p>
+            <a:pPr lvl="1"/>
+            <a:r>
+              <a:rPr lang="en-US" dirty="0"/>
+              <a:t>Multiprocessing and multithreading, both are used to achieve multitasking.</a:t>
+            </a:r>
+          </a:p>
+          <a:p>
+            <a:pPr lvl="1"/>
+            <a:r>
+              <a:rPr lang="vi-VN" dirty="0"/>
+              <a:t>Một ứng dụng Java ngoài luồng chính có thể có các luồng khác thực thi đồng thời làm ứng dụng chạy nhanh và hiệu quả hơn.</a:t>
+            </a:r>
+            <a:endParaRPr lang="en-US" dirty="0"/>
+          </a:p>
+        </p:txBody>
+      </p:sp>
+    </p:spTree>
+    <p:extLst>
+      <p:ext uri="{BB962C8B-B14F-4D97-AF65-F5344CB8AC3E}">
+        <p14:creationId xmlns:p14="http://schemas.microsoft.com/office/powerpoint/2010/main" val="977404344"/>
+      </p:ext>
+    </p:extLst>
+  </p:cSld>
+  <p:clrMapOvr>
+    <a:masterClrMapping/>
+  </p:clrMapOvr>
+</p:sld>
+</file>
+
+<file path=ppt/slides/slide61.xml><?xml version="1.0" encoding="utf-8"?>
+<p:sld xmlns:a="http://schemas.openxmlformats.org/drawingml/2006/main" xmlns:r="http://schemas.openxmlformats.org/officeDocument/2006/relationships" xmlns:p="http://schemas.openxmlformats.org/presentationml/2006/main">
+  <p:cSld>
+    <p:spTree>
+      <p:nvGrpSpPr>
+        <p:cNvPr id="1" name=""/>
+        <p:cNvGrpSpPr/>
+        <p:nvPr/>
+      </p:nvGrpSpPr>
+      <p:grpSpPr>
+        <a:xfrm>
+          <a:off x="0" y="0"/>
+          <a:ext cx="0" cy="0"/>
+          <a:chOff x="0" y="0"/>
+          <a:chExt cx="0" cy="0"/>
+        </a:xfrm>
+      </p:grpSpPr>
+      <p:sp>
+        <p:nvSpPr>
+          <p:cNvPr id="2" name="Title 1">
+            <a:extLst>
+              <a:ext uri="{FF2B5EF4-FFF2-40B4-BE49-F238E27FC236}">
+                <a16:creationId xmlns:a16="http://schemas.microsoft.com/office/drawing/2014/main" id="{B54227ED-698E-4E5B-9512-A41A08EFDC67}"/>
+              </a:ext>
+            </a:extLst>
+          </p:cNvPr>
+          <p:cNvSpPr>
+            <a:spLocks noGrp="1"/>
+          </p:cNvSpPr>
+          <p:nvPr>
+            <p:ph type="title"/>
+          </p:nvPr>
+        </p:nvSpPr>
+        <p:spPr/>
+        <p:txBody>
+          <a:bodyPr/>
+          <a:lstStyle/>
+          <a:p>
+            <a:r>
+              <a:rPr lang="en-US" dirty="0"/>
+              <a:t>Thread</a:t>
+            </a:r>
+          </a:p>
+        </p:txBody>
+      </p:sp>
+      <p:sp>
+        <p:nvSpPr>
+          <p:cNvPr id="3" name="Text Placeholder 2">
+            <a:extLst>
+              <a:ext uri="{FF2B5EF4-FFF2-40B4-BE49-F238E27FC236}">
+                <a16:creationId xmlns:a16="http://schemas.microsoft.com/office/drawing/2014/main" id="{C845CF65-C5EF-40DD-A66E-A5F588517719}"/>
+              </a:ext>
+            </a:extLst>
+          </p:cNvPr>
+          <p:cNvSpPr>
+            <a:spLocks noGrp="1"/>
+          </p:cNvSpPr>
+          <p:nvPr>
+            <p:ph type="body" idx="1"/>
+          </p:nvPr>
+        </p:nvSpPr>
+        <p:spPr/>
+        <p:txBody>
+          <a:bodyPr/>
+          <a:lstStyle/>
+          <a:p>
+            <a:r>
+              <a:rPr lang="en-US" sz="1400" dirty="0"/>
+              <a:t>Advantages of Java Multithreading</a:t>
+            </a:r>
+          </a:p>
+          <a:p>
+            <a:pPr lvl="1"/>
+            <a:r>
+              <a:rPr lang="en-US" sz="1100" dirty="0"/>
+              <a:t>It doesn't block the user because threads are independent and you can perform multiple operations at the same time.</a:t>
+            </a:r>
+          </a:p>
+          <a:p>
+            <a:pPr lvl="1"/>
+            <a:r>
+              <a:rPr lang="en-US" sz="1100" dirty="0"/>
+              <a:t>You can perform many operations together, so it saves time.</a:t>
+            </a:r>
+          </a:p>
+          <a:p>
+            <a:pPr lvl="1"/>
+            <a:r>
+              <a:rPr lang="en-US" sz="1100" dirty="0"/>
+              <a:t>Threads are independent, so it doesn't affect other threads if an exception occurs in a single thread.</a:t>
+            </a:r>
+            <a:endParaRPr lang="vi-VN" sz="1100" dirty="0"/>
+          </a:p>
+          <a:p>
+            <a:r>
+              <a:rPr lang="vi-VN" sz="1400" dirty="0"/>
+              <a:t>Nhược điểm của đa luồng</a:t>
+            </a:r>
+          </a:p>
+          <a:p>
+            <a:pPr lvl="1"/>
+            <a:r>
+              <a:rPr lang="vi-VN" sz="1100" dirty="0"/>
+              <a:t>Càng nhiều luồng thì xử lý càng phức tạp.</a:t>
+            </a:r>
+          </a:p>
+          <a:p>
+            <a:pPr lvl="1"/>
+            <a:r>
+              <a:rPr lang="vi-VN" sz="1100" dirty="0"/>
+              <a:t>Xử lý vấn đề về tranh chấp bộ nhớ, đồng bộ dữ liệu khá phức tạp.</a:t>
+            </a:r>
+          </a:p>
+          <a:p>
+            <a:pPr lvl="1"/>
+            <a:r>
+              <a:rPr lang="vi-VN" sz="1100" dirty="0"/>
+              <a:t>Cần phát hiện tránh các luồng chết (dead lock), luồng chạy mà không làm gì trong ứng dụng cả.</a:t>
+            </a:r>
+            <a:endParaRPr lang="en-US" sz="1100" dirty="0"/>
+          </a:p>
+        </p:txBody>
+      </p:sp>
+      <p:pic>
+        <p:nvPicPr>
+          <p:cNvPr id="2050" name="Picture 2" descr="Multi Thread Server">
+            <a:extLst>
+              <a:ext uri="{FF2B5EF4-FFF2-40B4-BE49-F238E27FC236}">
+                <a16:creationId xmlns:a16="http://schemas.microsoft.com/office/drawing/2014/main" id="{890EBB0A-9F83-4889-A10E-1E84B595C777}"/>
+              </a:ext>
+            </a:extLst>
+          </p:cNvPr>
+          <p:cNvPicPr>
+            <a:picLocks noChangeAspect="1" noChangeArrowheads="1"/>
+          </p:cNvPicPr>
+          <p:nvPr/>
+        </p:nvPicPr>
+        <p:blipFill>
+          <a:blip r:embed="rId2">
+            <a:extLst>
+              <a:ext uri="{28A0092B-C50C-407E-A947-70E740481C1C}">
+                <a14:useLocalDpi xmlns:a14="http://schemas.microsoft.com/office/drawing/2010/main" val="0"/>
+              </a:ext>
+            </a:extLst>
+          </a:blip>
+          <a:srcRect/>
+          <a:stretch>
+            <a:fillRect/>
+          </a:stretch>
+        </p:blipFill>
+        <p:spPr bwMode="auto">
+          <a:xfrm>
+            <a:off x="5562600" y="3333750"/>
+            <a:ext cx="2670308" cy="1677844"/>
+          </a:xfrm>
+          <a:prstGeom prst="rect">
+            <a:avLst/>
+          </a:prstGeom>
+          <a:noFill/>
+          <a:extLst>
+            <a:ext uri="{909E8E84-426E-40DD-AFC4-6F175D3DCCD1}">
+              <a14:hiddenFill xmlns:a14="http://schemas.microsoft.com/office/drawing/2010/main">
+                <a:solidFill>
+                  <a:srgbClr val="FFFFFF"/>
+                </a:solidFill>
+              </a14:hiddenFill>
+            </a:ext>
+          </a:extLst>
+        </p:spPr>
+      </p:pic>
+    </p:spTree>
+    <p:extLst>
+      <p:ext uri="{BB962C8B-B14F-4D97-AF65-F5344CB8AC3E}">
+        <p14:creationId xmlns:p14="http://schemas.microsoft.com/office/powerpoint/2010/main" val="1676317759"/>
+      </p:ext>
+    </p:extLst>
+  </p:cSld>
+  <p:clrMapOvr>
+    <a:masterClrMapping/>
+  </p:clrMapOvr>
+</p:sld>
+</file>
+
+<file path=ppt/slides/slide62.xml><?xml version="1.0" encoding="utf-8"?>
+<p:sld xmlns:a="http://schemas.openxmlformats.org/drawingml/2006/main" xmlns:r="http://schemas.openxmlformats.org/officeDocument/2006/relationships" xmlns:p="http://schemas.openxmlformats.org/presentationml/2006/main">
+  <p:cSld>
+    <p:spTree>
+      <p:nvGrpSpPr>
+        <p:cNvPr id="1" name=""/>
+        <p:cNvGrpSpPr/>
+        <p:nvPr/>
+      </p:nvGrpSpPr>
+      <p:grpSpPr>
+        <a:xfrm>
+          <a:off x="0" y="0"/>
+          <a:ext cx="0" cy="0"/>
+          <a:chOff x="0" y="0"/>
+          <a:chExt cx="0" cy="0"/>
+        </a:xfrm>
+      </p:grpSpPr>
+      <p:sp>
+        <p:nvSpPr>
+          <p:cNvPr id="2" name="Title 1">
+            <a:extLst>
+              <a:ext uri="{FF2B5EF4-FFF2-40B4-BE49-F238E27FC236}">
+                <a16:creationId xmlns:a16="http://schemas.microsoft.com/office/drawing/2014/main" id="{7DD58BA0-4F50-419E-9A66-06BE0B27F424}"/>
+              </a:ext>
+            </a:extLst>
+          </p:cNvPr>
+          <p:cNvSpPr>
+            <a:spLocks noGrp="1"/>
+          </p:cNvSpPr>
+          <p:nvPr>
+            <p:ph type="title"/>
+          </p:nvPr>
+        </p:nvSpPr>
+        <p:spPr/>
+        <p:txBody>
+          <a:bodyPr/>
+          <a:lstStyle/>
+          <a:p>
+            <a:r>
+              <a:rPr lang="en-US" dirty="0"/>
+              <a:t>Thread</a:t>
+            </a:r>
+          </a:p>
+        </p:txBody>
+      </p:sp>
+      <p:sp>
+        <p:nvSpPr>
+          <p:cNvPr id="3" name="Text Placeholder 2">
+            <a:extLst>
+              <a:ext uri="{FF2B5EF4-FFF2-40B4-BE49-F238E27FC236}">
+                <a16:creationId xmlns:a16="http://schemas.microsoft.com/office/drawing/2014/main" id="{45F9C34B-D0E6-4631-A650-CE028EC10D2D}"/>
+              </a:ext>
+            </a:extLst>
+          </p:cNvPr>
+          <p:cNvSpPr>
+            <a:spLocks noGrp="1"/>
+          </p:cNvSpPr>
+          <p:nvPr>
+            <p:ph type="body" idx="1"/>
+          </p:nvPr>
+        </p:nvSpPr>
+        <p:spPr/>
+        <p:txBody>
+          <a:bodyPr/>
+          <a:lstStyle/>
+          <a:p>
+            <a:r>
+              <a:rPr lang="en-US" dirty="0"/>
+              <a:t>1) Process-based Multitasking (Multiprocessing)</a:t>
+            </a:r>
+          </a:p>
+          <a:p>
+            <a:pPr lvl="1"/>
+            <a:r>
+              <a:rPr lang="en-US" dirty="0"/>
+              <a:t>Each process has an address in memory. In other words, each process allocates a separate memory area.</a:t>
+            </a:r>
+          </a:p>
+          <a:p>
+            <a:pPr lvl="1"/>
+            <a:r>
+              <a:rPr lang="en-US" dirty="0"/>
+              <a:t>A process is heavyweight.</a:t>
+            </a:r>
+          </a:p>
+          <a:p>
+            <a:pPr lvl="1"/>
+            <a:r>
+              <a:rPr lang="en-US" dirty="0"/>
+              <a:t>Cost of communication between the process is high.</a:t>
+            </a:r>
+          </a:p>
+          <a:p>
+            <a:pPr lvl="1"/>
+            <a:r>
+              <a:rPr lang="en-US" dirty="0"/>
+              <a:t>Switching from one process to another requires some time for saving and loading registers, memory maps, updating lists, etc.</a:t>
+            </a:r>
+          </a:p>
+          <a:p>
+            <a:r>
+              <a:rPr lang="en-US" dirty="0"/>
+              <a:t>2) Thread-based Multitasking (Multithreading)</a:t>
+            </a:r>
+          </a:p>
+          <a:p>
+            <a:pPr lvl="1"/>
+            <a:r>
+              <a:rPr lang="en-US" dirty="0"/>
+              <a:t>Threads share the same address space.</a:t>
+            </a:r>
+          </a:p>
+          <a:p>
+            <a:pPr lvl="1"/>
+            <a:r>
+              <a:rPr lang="en-US" dirty="0"/>
+              <a:t>A thread is lightweight.</a:t>
+            </a:r>
+          </a:p>
+          <a:p>
+            <a:pPr lvl="1"/>
+            <a:r>
+              <a:rPr lang="en-US" dirty="0"/>
+              <a:t>Cost of communication between the thread is low.</a:t>
+            </a:r>
+          </a:p>
+        </p:txBody>
+      </p:sp>
+    </p:spTree>
+    <p:extLst>
+      <p:ext uri="{BB962C8B-B14F-4D97-AF65-F5344CB8AC3E}">
+        <p14:creationId xmlns:p14="http://schemas.microsoft.com/office/powerpoint/2010/main" val="640079773"/>
+      </p:ext>
+    </p:extLst>
+  </p:cSld>
+  <p:clrMapOvr>
+    <a:masterClrMapping/>
+  </p:clrMapOvr>
+</p:sld>
+</file>
+
+<file path=ppt/slides/slide63.xml><?xml version="1.0" encoding="utf-8"?>
+<p:sld xmlns:a="http://schemas.openxmlformats.org/drawingml/2006/main" xmlns:r="http://schemas.openxmlformats.org/officeDocument/2006/relationships" xmlns:p="http://schemas.openxmlformats.org/presentationml/2006/main">
+  <p:cSld>
+    <p:spTree>
+      <p:nvGrpSpPr>
+        <p:cNvPr id="1" name=""/>
+        <p:cNvGrpSpPr/>
+        <p:nvPr/>
+      </p:nvGrpSpPr>
+      <p:grpSpPr>
+        <a:xfrm>
+          <a:off x="0" y="0"/>
+          <a:ext cx="0" cy="0"/>
+          <a:chOff x="0" y="0"/>
+          <a:chExt cx="0" cy="0"/>
+        </a:xfrm>
+      </p:grpSpPr>
+      <p:sp>
+        <p:nvSpPr>
+          <p:cNvPr id="2" name="Title 1">
+            <a:extLst>
+              <a:ext uri="{FF2B5EF4-FFF2-40B4-BE49-F238E27FC236}">
+                <a16:creationId xmlns:a16="http://schemas.microsoft.com/office/drawing/2014/main" id="{F95FDF74-6200-4F60-A7E9-D9E6D4F76BF9}"/>
+              </a:ext>
+            </a:extLst>
+          </p:cNvPr>
+          <p:cNvSpPr>
+            <a:spLocks noGrp="1"/>
+          </p:cNvSpPr>
+          <p:nvPr>
+            <p:ph type="title"/>
+          </p:nvPr>
+        </p:nvSpPr>
+        <p:spPr/>
+        <p:txBody>
+          <a:bodyPr/>
+          <a:lstStyle/>
+          <a:p>
+            <a:r>
+              <a:rPr lang="en-US" dirty="0"/>
+              <a:t>Thread</a:t>
+            </a:r>
+          </a:p>
+        </p:txBody>
+      </p:sp>
+      <p:sp>
+        <p:nvSpPr>
+          <p:cNvPr id="3" name="Text Placeholder 2">
+            <a:extLst>
+              <a:ext uri="{FF2B5EF4-FFF2-40B4-BE49-F238E27FC236}">
+                <a16:creationId xmlns:a16="http://schemas.microsoft.com/office/drawing/2014/main" id="{8CFF6392-F4B5-4A7C-9F35-4CAE0FBE839D}"/>
+              </a:ext>
+            </a:extLst>
+          </p:cNvPr>
+          <p:cNvSpPr>
+            <a:spLocks noGrp="1"/>
+          </p:cNvSpPr>
+          <p:nvPr>
+            <p:ph type="body" idx="1"/>
+          </p:nvPr>
+        </p:nvSpPr>
+        <p:spPr/>
+        <p:txBody>
+          <a:bodyPr/>
+          <a:lstStyle/>
+          <a:p>
+            <a:r>
+              <a:rPr lang="vi-VN" dirty="0"/>
+              <a:t>Lifecycle</a:t>
+            </a:r>
+            <a:endParaRPr lang="en-US" dirty="0"/>
+          </a:p>
+        </p:txBody>
+      </p:sp>
+      <p:pic>
+        <p:nvPicPr>
+          <p:cNvPr id="1026" name="Picture 2" descr="Java thread life cycle">
+            <a:extLst>
+              <a:ext uri="{FF2B5EF4-FFF2-40B4-BE49-F238E27FC236}">
+                <a16:creationId xmlns:a16="http://schemas.microsoft.com/office/drawing/2014/main" id="{F2D4F5C4-0DB7-406C-9F01-0E7B1EBF49C1}"/>
+              </a:ext>
+            </a:extLst>
+          </p:cNvPr>
+          <p:cNvPicPr>
+            <a:picLocks noChangeAspect="1" noChangeArrowheads="1"/>
+          </p:cNvPicPr>
+          <p:nvPr/>
+        </p:nvPicPr>
+        <p:blipFill>
+          <a:blip r:embed="rId2">
+            <a:extLst>
+              <a:ext uri="{28A0092B-C50C-407E-A947-70E740481C1C}">
+                <a14:useLocalDpi xmlns:a14="http://schemas.microsoft.com/office/drawing/2010/main" val="0"/>
+              </a:ext>
+            </a:extLst>
+          </a:blip>
+          <a:srcRect/>
+          <a:stretch>
+            <a:fillRect/>
+          </a:stretch>
+        </p:blipFill>
+        <p:spPr bwMode="auto">
+          <a:xfrm>
+            <a:off x="2971800" y="1424947"/>
+            <a:ext cx="4876800" cy="3182444"/>
+          </a:xfrm>
+          <a:prstGeom prst="rect">
+            <a:avLst/>
+          </a:prstGeom>
+          <a:noFill/>
+          <a:extLst>
+            <a:ext uri="{909E8E84-426E-40DD-AFC4-6F175D3DCCD1}">
+              <a14:hiddenFill xmlns:a14="http://schemas.microsoft.com/office/drawing/2010/main">
+                <a:solidFill>
+                  <a:srgbClr val="FFFFFF"/>
+                </a:solidFill>
+              </a14:hiddenFill>
+            </a:ext>
+          </a:extLst>
+        </p:spPr>
+      </p:pic>
+    </p:spTree>
+    <p:extLst>
+      <p:ext uri="{BB962C8B-B14F-4D97-AF65-F5344CB8AC3E}">
+        <p14:creationId xmlns:p14="http://schemas.microsoft.com/office/powerpoint/2010/main" val="2279707921"/>
+      </p:ext>
+    </p:extLst>
+  </p:cSld>
+  <p:clrMapOvr>
+    <a:masterClrMapping/>
+  </p:clrMapOvr>
+</p:sld>
+</file>
+
+<file path=ppt/slides/slide64.xml><?xml version="1.0" encoding="utf-8"?>
+<p:sld xmlns:a="http://schemas.openxmlformats.org/drawingml/2006/main" xmlns:r="http://schemas.openxmlformats.org/officeDocument/2006/relationships" xmlns:p="http://schemas.openxmlformats.org/presentationml/2006/main">
+  <p:cSld>
+    <p:spTree>
+      <p:nvGrpSpPr>
+        <p:cNvPr id="1" name=""/>
+        <p:cNvGrpSpPr/>
+        <p:nvPr/>
+      </p:nvGrpSpPr>
+      <p:grpSpPr>
+        <a:xfrm>
+          <a:off x="0" y="0"/>
+          <a:ext cx="0" cy="0"/>
+          <a:chOff x="0" y="0"/>
+          <a:chExt cx="0" cy="0"/>
+        </a:xfrm>
+      </p:grpSpPr>
+      <p:sp>
+        <p:nvSpPr>
+          <p:cNvPr id="2" name="Title 1">
+            <a:extLst>
+              <a:ext uri="{FF2B5EF4-FFF2-40B4-BE49-F238E27FC236}">
+                <a16:creationId xmlns:a16="http://schemas.microsoft.com/office/drawing/2014/main" id="{075298C3-A43B-465D-8922-BB8290960F66}"/>
+              </a:ext>
+            </a:extLst>
+          </p:cNvPr>
+          <p:cNvSpPr>
+            <a:spLocks noGrp="1"/>
+          </p:cNvSpPr>
+          <p:nvPr>
+            <p:ph type="title"/>
+          </p:nvPr>
+        </p:nvSpPr>
+        <p:spPr/>
+        <p:txBody>
+          <a:bodyPr/>
+          <a:lstStyle/>
+          <a:p>
+            <a:r>
+              <a:rPr lang="en-US" dirty="0"/>
+              <a:t>Thread</a:t>
+            </a:r>
+          </a:p>
+        </p:txBody>
+      </p:sp>
+      <p:sp>
+        <p:nvSpPr>
+          <p:cNvPr id="3" name="Text Placeholder 2">
+            <a:extLst>
+              <a:ext uri="{FF2B5EF4-FFF2-40B4-BE49-F238E27FC236}">
+                <a16:creationId xmlns:a16="http://schemas.microsoft.com/office/drawing/2014/main" id="{286D1A56-BCE5-4ABF-9578-8EFC65A57814}"/>
+              </a:ext>
+            </a:extLst>
+          </p:cNvPr>
+          <p:cNvSpPr>
+            <a:spLocks noGrp="1"/>
+          </p:cNvSpPr>
+          <p:nvPr>
+            <p:ph type="body" idx="1"/>
+          </p:nvPr>
+        </p:nvSpPr>
+        <p:spPr>
+          <a:xfrm>
+            <a:off x="628650" y="1200150"/>
+            <a:ext cx="7886700" cy="3263400"/>
+          </a:xfrm>
+        </p:spPr>
+        <p:txBody>
+          <a:bodyPr/>
+          <a:lstStyle/>
+          <a:p>
+            <a:r>
+              <a:rPr lang="en-US" dirty="0"/>
+              <a:t>There are two ways to create a thread:</a:t>
+            </a:r>
+          </a:p>
+          <a:p>
+            <a:pPr lvl="1"/>
+            <a:r>
+              <a:rPr lang="en-US" dirty="0"/>
+              <a:t>By extending Thread class</a:t>
+            </a:r>
+          </a:p>
+          <a:p>
+            <a:pPr lvl="2"/>
+            <a:r>
+              <a:rPr lang="vi-VN" dirty="0"/>
+              <a:t>Override lại phương thức run ở lớp này</a:t>
+            </a:r>
+          </a:p>
+          <a:p>
+            <a:pPr lvl="2"/>
+            <a:r>
+              <a:rPr lang="en-US" dirty="0"/>
+              <a:t>start() method of Thread class is used to start a newly created thread. It performs following tasks:</a:t>
+            </a:r>
+          </a:p>
+          <a:p>
+            <a:pPr lvl="3"/>
+            <a:r>
+              <a:rPr lang="en-US" dirty="0"/>
+              <a:t>A new thread starts(with new </a:t>
+            </a:r>
+            <a:r>
+              <a:rPr lang="en-US" dirty="0" err="1"/>
+              <a:t>callstack</a:t>
+            </a:r>
+            <a:r>
+              <a:rPr lang="en-US" dirty="0"/>
+              <a:t>).</a:t>
+            </a:r>
+          </a:p>
+          <a:p>
+            <a:pPr lvl="3"/>
+            <a:r>
+              <a:rPr lang="en-US" dirty="0"/>
+              <a:t>The thread moves from New state to the Runnable state.</a:t>
+            </a:r>
+          </a:p>
+          <a:p>
+            <a:pPr lvl="3"/>
+            <a:r>
+              <a:rPr lang="en-US" dirty="0"/>
+              <a:t>When the thread gets a chance to execute, its target run() method will run.</a:t>
+            </a:r>
+          </a:p>
+        </p:txBody>
+      </p:sp>
+      <p:pic>
+        <p:nvPicPr>
+          <p:cNvPr id="5" name="Picture 4">
+            <a:extLst>
+              <a:ext uri="{FF2B5EF4-FFF2-40B4-BE49-F238E27FC236}">
+                <a16:creationId xmlns:a16="http://schemas.microsoft.com/office/drawing/2014/main" id="{8EDE6907-B415-4BFF-ACE0-D1F0A195CC0B}"/>
+              </a:ext>
+            </a:extLst>
+          </p:cNvPr>
+          <p:cNvPicPr>
+            <a:picLocks noChangeAspect="1"/>
+          </p:cNvPicPr>
+          <p:nvPr/>
+        </p:nvPicPr>
+        <p:blipFill>
+          <a:blip r:embed="rId2"/>
+          <a:stretch>
+            <a:fillRect/>
+          </a:stretch>
+        </p:blipFill>
+        <p:spPr>
+          <a:xfrm>
+            <a:off x="5181600" y="3486150"/>
+            <a:ext cx="2383160" cy="1434414"/>
+          </a:xfrm>
+          <a:prstGeom prst="rect">
+            <a:avLst/>
+          </a:prstGeom>
+        </p:spPr>
+      </p:pic>
+    </p:spTree>
+    <p:extLst>
+      <p:ext uri="{BB962C8B-B14F-4D97-AF65-F5344CB8AC3E}">
+        <p14:creationId xmlns:p14="http://schemas.microsoft.com/office/powerpoint/2010/main" val="1723882739"/>
+      </p:ext>
+    </p:extLst>
+  </p:cSld>
+  <p:clrMapOvr>
+    <a:masterClrMapping/>
+  </p:clrMapOvr>
+</p:sld>
+</file>
+
+<file path=ppt/slides/slide65.xml><?xml version="1.0" encoding="utf-8"?>
+<p:sld xmlns:a="http://schemas.openxmlformats.org/drawingml/2006/main" xmlns:r="http://schemas.openxmlformats.org/officeDocument/2006/relationships" xmlns:p="http://schemas.openxmlformats.org/presentationml/2006/main">
+  <p:cSld>
+    <p:spTree>
+      <p:nvGrpSpPr>
+        <p:cNvPr id="1" name=""/>
+        <p:cNvGrpSpPr/>
+        <p:nvPr/>
+      </p:nvGrpSpPr>
+      <p:grpSpPr>
+        <a:xfrm>
+          <a:off x="0" y="0"/>
+          <a:ext cx="0" cy="0"/>
+          <a:chOff x="0" y="0"/>
+          <a:chExt cx="0" cy="0"/>
+        </a:xfrm>
+      </p:grpSpPr>
+      <p:sp>
+        <p:nvSpPr>
+          <p:cNvPr id="2" name="Title 1">
+            <a:extLst>
+              <a:ext uri="{FF2B5EF4-FFF2-40B4-BE49-F238E27FC236}">
+                <a16:creationId xmlns:a16="http://schemas.microsoft.com/office/drawing/2014/main" id="{58F46541-5DEA-4BD6-9C0B-BC5FBA07980F}"/>
+              </a:ext>
+            </a:extLst>
+          </p:cNvPr>
+          <p:cNvSpPr>
+            <a:spLocks noGrp="1"/>
+          </p:cNvSpPr>
+          <p:nvPr>
+            <p:ph type="title"/>
+          </p:nvPr>
+        </p:nvSpPr>
+        <p:spPr/>
+        <p:txBody>
+          <a:bodyPr/>
+          <a:lstStyle/>
+          <a:p>
+            <a:r>
+              <a:rPr lang="en-US" dirty="0"/>
+              <a:t>Thread</a:t>
+            </a:r>
+          </a:p>
+        </p:txBody>
+      </p:sp>
+      <p:sp>
+        <p:nvSpPr>
+          <p:cNvPr id="3" name="Text Placeholder 2">
+            <a:extLst>
+              <a:ext uri="{FF2B5EF4-FFF2-40B4-BE49-F238E27FC236}">
+                <a16:creationId xmlns:a16="http://schemas.microsoft.com/office/drawing/2014/main" id="{CF23520F-F325-416E-8C2E-40456F88EEEF}"/>
+              </a:ext>
+            </a:extLst>
+          </p:cNvPr>
+          <p:cNvSpPr>
+            <a:spLocks noGrp="1"/>
+          </p:cNvSpPr>
+          <p:nvPr>
+            <p:ph type="body" idx="1"/>
+          </p:nvPr>
+        </p:nvSpPr>
+        <p:spPr/>
+        <p:txBody>
+          <a:bodyPr/>
+          <a:lstStyle/>
+          <a:p>
+            <a:pPr lvl="1"/>
+            <a:r>
+              <a:rPr lang="en-US" dirty="0"/>
+              <a:t>By implementing Runnable interface.</a:t>
+            </a:r>
+          </a:p>
+          <a:p>
+            <a:pPr lvl="2"/>
+            <a:r>
+              <a:rPr lang="en-US" dirty="0"/>
+              <a:t>have only one method named run()</a:t>
+            </a:r>
+            <a:endParaRPr lang="vi-VN" dirty="0"/>
+          </a:p>
+          <a:p>
+            <a:pPr lvl="2"/>
+            <a:r>
+              <a:rPr lang="vi-VN" dirty="0"/>
+              <a:t>Cách hay được sử dụng và được yêu thích là dùng interface Runnable, bởi vì nó không yêu cầu phải tạo một lớp kế thừa từ lớp Thread. Trong trường hợp ứng dụng thiết kế yêu cầu sử dụng đa kế thừa, chỉ có interface mới có thể giúp giải quyết vấn đề. Ngoài ra, Thread Pool rất hiểu quả và có thể được cài đặt, sử dụng rất hơn giản.</a:t>
+            </a:r>
+            <a:endParaRPr lang="en-US" dirty="0"/>
+          </a:p>
+          <a:p>
+            <a:endParaRPr lang="en-US" dirty="0"/>
+          </a:p>
+        </p:txBody>
+      </p:sp>
+      <p:pic>
+        <p:nvPicPr>
+          <p:cNvPr id="5" name="Picture 4">
+            <a:extLst>
+              <a:ext uri="{FF2B5EF4-FFF2-40B4-BE49-F238E27FC236}">
+                <a16:creationId xmlns:a16="http://schemas.microsoft.com/office/drawing/2014/main" id="{C7272004-2B40-47AD-9FC6-9229EE41CA9F}"/>
+              </a:ext>
+            </a:extLst>
+          </p:cNvPr>
+          <p:cNvPicPr>
+            <a:picLocks noChangeAspect="1"/>
+          </p:cNvPicPr>
+          <p:nvPr/>
+        </p:nvPicPr>
+        <p:blipFill>
+          <a:blip r:embed="rId2"/>
+          <a:stretch>
+            <a:fillRect/>
+          </a:stretch>
+        </p:blipFill>
+        <p:spPr>
+          <a:xfrm>
+            <a:off x="4648200" y="3105150"/>
+            <a:ext cx="2920022" cy="1795462"/>
+          </a:xfrm>
+          <a:prstGeom prst="rect">
+            <a:avLst/>
+          </a:prstGeom>
+        </p:spPr>
+      </p:pic>
+    </p:spTree>
+    <p:extLst>
+      <p:ext uri="{BB962C8B-B14F-4D97-AF65-F5344CB8AC3E}">
+        <p14:creationId xmlns:p14="http://schemas.microsoft.com/office/powerpoint/2010/main" val="1568926930"/>
+      </p:ext>
+    </p:extLst>
+  </p:cSld>
+  <p:clrMapOvr>
+    <a:masterClrMapping/>
+  </p:clrMapOvr>
+</p:sld>
+</file>
+
+<file path=ppt/slides/slide66.xml><?xml version="1.0" encoding="utf-8"?>
+<p:sld xmlns:a="http://schemas.openxmlformats.org/drawingml/2006/main" xmlns:r="http://schemas.openxmlformats.org/officeDocument/2006/relationships" xmlns:p="http://schemas.openxmlformats.org/presentationml/2006/main">
+  <p:cSld>
+    <p:spTree>
+      <p:nvGrpSpPr>
+        <p:cNvPr id="1" name=""/>
+        <p:cNvGrpSpPr/>
+        <p:nvPr/>
+      </p:nvGrpSpPr>
+      <p:grpSpPr>
+        <a:xfrm>
+          <a:off x="0" y="0"/>
+          <a:ext cx="0" cy="0"/>
+          <a:chOff x="0" y="0"/>
+          <a:chExt cx="0" cy="0"/>
+        </a:xfrm>
+      </p:grpSpPr>
+      <p:sp>
+        <p:nvSpPr>
+          <p:cNvPr id="2" name="Title 1">
+            <a:extLst>
+              <a:ext uri="{FF2B5EF4-FFF2-40B4-BE49-F238E27FC236}">
+                <a16:creationId xmlns:a16="http://schemas.microsoft.com/office/drawing/2014/main" id="{91DA7B6D-5EC0-4295-8082-CA1274206CED}"/>
+              </a:ext>
+            </a:extLst>
+          </p:cNvPr>
+          <p:cNvSpPr>
+            <a:spLocks noGrp="1"/>
+          </p:cNvSpPr>
+          <p:nvPr>
+            <p:ph type="title"/>
+          </p:nvPr>
+        </p:nvSpPr>
+        <p:spPr/>
+        <p:txBody>
+          <a:bodyPr/>
+          <a:lstStyle/>
+          <a:p>
+            <a:r>
+              <a:rPr lang="en-US" dirty="0"/>
+              <a:t>Thread</a:t>
+            </a:r>
+          </a:p>
+        </p:txBody>
+      </p:sp>
+      <p:sp>
+        <p:nvSpPr>
+          <p:cNvPr id="3" name="Text Placeholder 2">
+            <a:extLst>
+              <a:ext uri="{FF2B5EF4-FFF2-40B4-BE49-F238E27FC236}">
+                <a16:creationId xmlns:a16="http://schemas.microsoft.com/office/drawing/2014/main" id="{DA88D05A-81FD-41FE-A758-3CD1D0D04461}"/>
+              </a:ext>
+            </a:extLst>
+          </p:cNvPr>
+          <p:cNvSpPr>
+            <a:spLocks noGrp="1"/>
+          </p:cNvSpPr>
+          <p:nvPr>
+            <p:ph type="body" idx="1"/>
+          </p:nvPr>
+        </p:nvSpPr>
+        <p:spPr/>
+        <p:txBody>
+          <a:bodyPr/>
+          <a:lstStyle/>
+          <a:p>
+            <a:r>
+              <a:rPr lang="vi-VN" dirty="0"/>
+              <a:t>Thread safe</a:t>
+            </a:r>
+          </a:p>
+          <a:p>
+            <a:pPr lvl="1"/>
+            <a:r>
+              <a:rPr lang="vi-VN" dirty="0"/>
+              <a:t>nhiều luồng được tạo từ cùng một biến đối tượng chia sẻ dữ liệu và điều này có thể dẫn đến sự không nhất quán dữ liệu khi các luồng được sử dụng để đọc và cập nhật dữ liệu được chia sẻ.</a:t>
+            </a:r>
+          </a:p>
+          <a:p>
+            <a:pPr lvl="1"/>
+            <a:r>
+              <a:rPr lang="vi-VN" dirty="0"/>
+              <a:t>việc cập nhật bất kỳ giá trị trường nào là một quá trình, nó đòi hỏi ba bước; đầu tiên để đọc giá trị hiện tại, thứ hai để thực hiện các thao tác cần thiết để có được giá trị cập nhật và thứ ba để gán giá trị cập nhật cho tham chiếu trường.</a:t>
+            </a:r>
+          </a:p>
+          <a:p>
+            <a:pPr lvl="2"/>
+            <a:r>
+              <a:rPr lang="vi-VN" dirty="0">
+                <a:hlinkClick r:id="rId2"/>
+              </a:rPr>
+              <a:t>https://vncoder.vn/bai-viet/thread-safety-luong-an-toan-trong-java-va-dong-bo-hoa-synchronized-cac-luong-trong-java</a:t>
+            </a:r>
+            <a:endParaRPr lang="vi-VN" dirty="0"/>
+          </a:p>
+          <a:p>
+            <a:pPr lvl="2"/>
+            <a:r>
+              <a:rPr lang="vi-VN" dirty="0">
+                <a:hlinkClick r:id="rId3"/>
+              </a:rPr>
+              <a:t>https://toihoccodeblog.wordpress.com/tag/singleton-thread-safe/</a:t>
+            </a:r>
+            <a:endParaRPr lang="vi-VN" dirty="0"/>
+          </a:p>
+          <a:p>
+            <a:pPr lvl="2"/>
+            <a:endParaRPr lang="vi-VN" dirty="0"/>
+          </a:p>
+        </p:txBody>
+      </p:sp>
+    </p:spTree>
+    <p:extLst>
+      <p:ext uri="{BB962C8B-B14F-4D97-AF65-F5344CB8AC3E}">
+        <p14:creationId xmlns:p14="http://schemas.microsoft.com/office/powerpoint/2010/main" val="2378106677"/>
+      </p:ext>
+    </p:extLst>
+  </p:cSld>
+  <p:clrMapOvr>
+    <a:masterClrMapping/>
+  </p:clrMapOvr>
+</p:sld>
+</file>
+
+<file path=ppt/slides/slide67.xml><?xml version="1.0" encoding="utf-8"?>
+<p:sld xmlns:a="http://schemas.openxmlformats.org/drawingml/2006/main" xmlns:r="http://schemas.openxmlformats.org/officeDocument/2006/relationships" xmlns:p="http://schemas.openxmlformats.org/presentationml/2006/main">
+  <p:cSld>
+    <p:spTree>
+      <p:nvGrpSpPr>
+        <p:cNvPr id="1" name=""/>
+        <p:cNvGrpSpPr/>
+        <p:nvPr/>
+      </p:nvGrpSpPr>
+      <p:grpSpPr>
+        <a:xfrm>
+          <a:off x="0" y="0"/>
+          <a:ext cx="0" cy="0"/>
+          <a:chOff x="0" y="0"/>
+          <a:chExt cx="0" cy="0"/>
+        </a:xfrm>
+      </p:grpSpPr>
+      <p:sp>
+        <p:nvSpPr>
+          <p:cNvPr id="2" name="Title 1">
+            <a:extLst>
+              <a:ext uri="{FF2B5EF4-FFF2-40B4-BE49-F238E27FC236}">
+                <a16:creationId xmlns:a16="http://schemas.microsoft.com/office/drawing/2014/main" id="{A2734A19-FD6E-4587-BFA0-7C7C67DE4269}"/>
+              </a:ext>
+            </a:extLst>
+          </p:cNvPr>
+          <p:cNvSpPr>
+            <a:spLocks noGrp="1"/>
+          </p:cNvSpPr>
+          <p:nvPr>
+            <p:ph type="title"/>
+          </p:nvPr>
+        </p:nvSpPr>
+        <p:spPr/>
+        <p:txBody>
+          <a:bodyPr/>
+          <a:lstStyle/>
+          <a:p>
+            <a:r>
+              <a:rPr lang="en-US" dirty="0"/>
+              <a:t>Thread</a:t>
+            </a:r>
+          </a:p>
+        </p:txBody>
+      </p:sp>
+      <p:sp>
+        <p:nvSpPr>
+          <p:cNvPr id="3" name="Text Placeholder 2">
+            <a:extLst>
+              <a:ext uri="{FF2B5EF4-FFF2-40B4-BE49-F238E27FC236}">
+                <a16:creationId xmlns:a16="http://schemas.microsoft.com/office/drawing/2014/main" id="{B59A7F49-8812-4B46-B74E-48268FB0A106}"/>
+              </a:ext>
+            </a:extLst>
+          </p:cNvPr>
+          <p:cNvSpPr>
+            <a:spLocks noGrp="1"/>
+          </p:cNvSpPr>
+          <p:nvPr>
+            <p:ph type="body" idx="1"/>
+          </p:nvPr>
+        </p:nvSpPr>
+        <p:spPr/>
+        <p:txBody>
+          <a:bodyPr/>
+          <a:lstStyle/>
+          <a:p>
+            <a:r>
+              <a:rPr lang="vi-VN" sz="1500" dirty="0"/>
+              <a:t>Thread Safety trong java là quá trình làm cho chương trình của chúng ta an toàn để sử dụng trong môi trường đa luồng, có nhiều cách khác nhau để chúng ta có thể làm cho luồng chương trình của mình an toàn.</a:t>
+            </a:r>
+          </a:p>
+          <a:p>
+            <a:pPr lvl="1"/>
+            <a:r>
+              <a:rPr lang="vi-VN" sz="1200" dirty="0"/>
+              <a:t>Đồng bộ hóa (Synchronization) là công cụ dễ dàng nhất và được sử dụng rộng rãi nhất cho Thread Safety trong java.</a:t>
+            </a:r>
+          </a:p>
+          <a:p>
+            <a:pPr lvl="2"/>
+            <a:r>
+              <a:rPr lang="vi-VN" sz="900" dirty="0"/>
+              <a:t>synchronized </a:t>
+            </a:r>
+          </a:p>
+          <a:p>
+            <a:pPr lvl="2"/>
+            <a:r>
+              <a:rPr lang="vi-VN" sz="900" dirty="0"/>
+              <a:t>khóa và mở khóa tài nguyên trước khi bất kỳ luồng nào đi vào mã được đồng bộ hóa, nó phải thu được khóa trên Object và khi việc thực thi mã kết thúc, nó sẽ mở khóa tài nguyên có thể bị khóa bởi các luồng khác. Trong khi đó, các luồng khác đang ở trạng thái chờ để khóa tài nguyên được đồng bộ hóa.</a:t>
+            </a:r>
+          </a:p>
+          <a:p>
+            <a:pPr lvl="1"/>
+            <a:r>
+              <a:rPr lang="vi-VN" sz="1200" dirty="0"/>
+              <a:t>Sử dụng các lớp Atomic Wrapper từ gói  java.util.concurrent.atomic. Ví dụ: AtomicInteger</a:t>
+            </a:r>
+          </a:p>
+          <a:p>
+            <a:pPr lvl="1"/>
+            <a:r>
+              <a:rPr lang="vi-VN" sz="1200" dirty="0"/>
+              <a:t>Sử dụng các khóa từ gói java.util.concurrent.locks.</a:t>
+            </a:r>
+          </a:p>
+          <a:p>
+            <a:pPr lvl="1"/>
+            <a:r>
+              <a:rPr lang="vi-VN" sz="1200" dirty="0"/>
+              <a:t>Sử dụng các lớp thread safe collection ( bộ sư tập luồng an toàn) , sử dụng ConcurrentHashMap để biết safe thread.</a:t>
+            </a:r>
+          </a:p>
+          <a:p>
+            <a:pPr lvl="1"/>
+            <a:r>
+              <a:rPr lang="vi-VN" sz="1200" dirty="0"/>
+              <a:t>Sử dụng từ khóa “volatile” với các biến để làm cho mọi luồng đọc dữ liệu từ bộ nhớ, không đọc từ bộ đệm của luồng.</a:t>
+            </a:r>
+            <a:endParaRPr lang="en-US" sz="1200" dirty="0"/>
+          </a:p>
+          <a:p>
+            <a:endParaRPr lang="en-US" dirty="0"/>
+          </a:p>
+        </p:txBody>
+      </p:sp>
+    </p:spTree>
+    <p:extLst>
+      <p:ext uri="{BB962C8B-B14F-4D97-AF65-F5344CB8AC3E}">
+        <p14:creationId xmlns:p14="http://schemas.microsoft.com/office/powerpoint/2010/main" val="3376387725"/>
+      </p:ext>
+    </p:extLst>
+  </p:cSld>
+  <p:clrMapOvr>
+    <a:masterClrMapping/>
+  </p:clrMapOvr>
+</p:sld>
+</file>
+
+<file path=ppt/slides/slide68.xml><?xml version="1.0" encoding="utf-8"?>
+<p:sld xmlns:a="http://schemas.openxmlformats.org/drawingml/2006/main" xmlns:r="http://schemas.openxmlformats.org/officeDocument/2006/relationships" xmlns:p="http://schemas.openxmlformats.org/presentationml/2006/main">
+  <p:cSld>
+    <p:spTree>
+      <p:nvGrpSpPr>
+        <p:cNvPr id="1" name=""/>
+        <p:cNvGrpSpPr/>
+        <p:nvPr/>
+      </p:nvGrpSpPr>
+      <p:grpSpPr>
+        <a:xfrm>
+          <a:off x="0" y="0"/>
+          <a:ext cx="0" cy="0"/>
+          <a:chOff x="0" y="0"/>
+          <a:chExt cx="0" cy="0"/>
+        </a:xfrm>
+      </p:grpSpPr>
+      <p:sp>
+        <p:nvSpPr>
+          <p:cNvPr id="2" name="Title 1">
+            <a:extLst>
+              <a:ext uri="{FF2B5EF4-FFF2-40B4-BE49-F238E27FC236}">
+                <a16:creationId xmlns:a16="http://schemas.microsoft.com/office/drawing/2014/main" id="{1C03B4FC-109A-4369-926C-EEAC5C5BDED3}"/>
+              </a:ext>
+            </a:extLst>
+          </p:cNvPr>
+          <p:cNvSpPr>
+            <a:spLocks noGrp="1"/>
+          </p:cNvSpPr>
+          <p:nvPr>
+            <p:ph type="title"/>
+          </p:nvPr>
+        </p:nvSpPr>
+        <p:spPr/>
+        <p:txBody>
+          <a:bodyPr/>
+          <a:lstStyle/>
+          <a:p>
+            <a:r>
+              <a:rPr lang="en-US" dirty="0"/>
+              <a:t>Thread</a:t>
+            </a:r>
+          </a:p>
+        </p:txBody>
+      </p:sp>
+      <p:sp>
+        <p:nvSpPr>
+          <p:cNvPr id="3" name="Text Placeholder 2">
+            <a:extLst>
+              <a:ext uri="{FF2B5EF4-FFF2-40B4-BE49-F238E27FC236}">
+                <a16:creationId xmlns:a16="http://schemas.microsoft.com/office/drawing/2014/main" id="{8E93EAF8-DA70-413B-BFE5-F843A4E73AB8}"/>
+              </a:ext>
+            </a:extLst>
+          </p:cNvPr>
+          <p:cNvSpPr>
+            <a:spLocks noGrp="1"/>
+          </p:cNvSpPr>
+          <p:nvPr>
+            <p:ph type="body" idx="1"/>
+          </p:nvPr>
+        </p:nvSpPr>
+        <p:spPr/>
+        <p:txBody>
+          <a:bodyPr/>
+          <a:lstStyle/>
+          <a:p>
+            <a:endParaRPr lang="en-US"/>
+          </a:p>
+        </p:txBody>
+      </p:sp>
+      <p:pic>
+        <p:nvPicPr>
+          <p:cNvPr id="4098" name="Picture 2" descr="ConcurrentHashMap in Java">
+            <a:extLst>
+              <a:ext uri="{FF2B5EF4-FFF2-40B4-BE49-F238E27FC236}">
+                <a16:creationId xmlns:a16="http://schemas.microsoft.com/office/drawing/2014/main" id="{48F036A9-FEA4-49B2-98E6-7D8AF502DACB}"/>
+              </a:ext>
+            </a:extLst>
+          </p:cNvPr>
+          <p:cNvPicPr>
+            <a:picLocks noChangeAspect="1" noChangeArrowheads="1"/>
+          </p:cNvPicPr>
+          <p:nvPr/>
+        </p:nvPicPr>
+        <p:blipFill>
+          <a:blip r:embed="rId2">
+            <a:extLst>
+              <a:ext uri="{28A0092B-C50C-407E-A947-70E740481C1C}">
+                <a14:useLocalDpi xmlns:a14="http://schemas.microsoft.com/office/drawing/2010/main" val="0"/>
+              </a:ext>
+            </a:extLst>
+          </a:blip>
+          <a:srcRect/>
+          <a:stretch>
+            <a:fillRect/>
+          </a:stretch>
+        </p:blipFill>
+        <p:spPr bwMode="auto">
+          <a:xfrm>
+            <a:off x="1828800" y="1508599"/>
+            <a:ext cx="5240338" cy="3552771"/>
+          </a:xfrm>
+          <a:prstGeom prst="rect">
+            <a:avLst/>
+          </a:prstGeom>
+          <a:noFill/>
+          <a:extLst>
+            <a:ext uri="{909E8E84-426E-40DD-AFC4-6F175D3DCCD1}">
+              <a14:hiddenFill xmlns:a14="http://schemas.microsoft.com/office/drawing/2010/main">
+                <a:solidFill>
+                  <a:srgbClr val="FFFFFF"/>
+                </a:solidFill>
+              </a14:hiddenFill>
+            </a:ext>
+          </a:extLst>
+        </p:spPr>
+      </p:pic>
+    </p:spTree>
+    <p:extLst>
+      <p:ext uri="{BB962C8B-B14F-4D97-AF65-F5344CB8AC3E}">
+        <p14:creationId xmlns:p14="http://schemas.microsoft.com/office/powerpoint/2010/main" val="2829417958"/>
+      </p:ext>
+    </p:extLst>
+  </p:cSld>
+  <p:clrMapOvr>
+    <a:masterClrMapping/>
+  </p:clrMapOvr>
+</p:sld>
+</file>
+
+<file path=ppt/slides/slide69.xml><?xml version="1.0" encoding="utf-8"?>
+<p:sld xmlns:a="http://schemas.openxmlformats.org/drawingml/2006/main" xmlns:r="http://schemas.openxmlformats.org/officeDocument/2006/relationships" xmlns:p="http://schemas.openxmlformats.org/presentationml/2006/main">
+  <p:cSld>
+    <p:spTree>
+      <p:nvGrpSpPr>
+        <p:cNvPr id="1" name=""/>
+        <p:cNvGrpSpPr/>
+        <p:nvPr/>
+      </p:nvGrpSpPr>
+      <p:grpSpPr>
+        <a:xfrm>
+          <a:off x="0" y="0"/>
+          <a:ext cx="0" cy="0"/>
+          <a:chOff x="0" y="0"/>
+          <a:chExt cx="0" cy="0"/>
+        </a:xfrm>
+      </p:grpSpPr>
+      <p:sp>
+        <p:nvSpPr>
+          <p:cNvPr id="2" name="Title 1">
+            <a:extLst>
+              <a:ext uri="{FF2B5EF4-FFF2-40B4-BE49-F238E27FC236}">
+                <a16:creationId xmlns:a16="http://schemas.microsoft.com/office/drawing/2014/main" id="{D2C89EAE-D3C1-4C4E-A2A6-7A91A97F046E}"/>
+              </a:ext>
+            </a:extLst>
+          </p:cNvPr>
+          <p:cNvSpPr>
+            <a:spLocks noGrp="1"/>
+          </p:cNvSpPr>
+          <p:nvPr>
+            <p:ph type="title"/>
+          </p:nvPr>
+        </p:nvSpPr>
+        <p:spPr>
+          <a:xfrm>
+            <a:off x="2133600" y="273844"/>
+            <a:ext cx="6381805" cy="640200"/>
+          </a:xfrm>
+        </p:spPr>
+        <p:txBody>
+          <a:bodyPr/>
+          <a:lstStyle/>
+          <a:p>
+            <a:r>
+              <a:rPr lang="en-US" dirty="0"/>
+              <a:t>Asynchronous</a:t>
+            </a:r>
+          </a:p>
+        </p:txBody>
+      </p:sp>
+      <p:sp>
+        <p:nvSpPr>
+          <p:cNvPr id="3" name="Text Placeholder 2">
+            <a:extLst>
+              <a:ext uri="{FF2B5EF4-FFF2-40B4-BE49-F238E27FC236}">
+                <a16:creationId xmlns:a16="http://schemas.microsoft.com/office/drawing/2014/main" id="{995AE9B1-E24A-478A-A555-7F1145C1FC66}"/>
+              </a:ext>
+            </a:extLst>
+          </p:cNvPr>
+          <p:cNvSpPr>
+            <a:spLocks noGrp="1"/>
+          </p:cNvSpPr>
+          <p:nvPr>
+            <p:ph type="body" idx="1"/>
+          </p:nvPr>
+        </p:nvSpPr>
+        <p:spPr/>
+        <p:txBody>
+          <a:bodyPr/>
+          <a:lstStyle/>
+          <a:p>
+            <a:r>
+              <a:rPr lang="en-US" b="1" i="0" dirty="0">
+                <a:solidFill>
+                  <a:srgbClr val="000000"/>
+                </a:solidFill>
+                <a:effectLst/>
+                <a:latin typeface="raleway"/>
+              </a:rPr>
+              <a:t>Asynchronous</a:t>
+            </a:r>
+          </a:p>
+          <a:p>
+            <a:pPr lvl="1"/>
+            <a:r>
+              <a:rPr lang="en-US" dirty="0"/>
+              <a:t>An asynchronous model allows multiple things to happen at the same time. When your program calls a long-running function, it doesn’t block the execution flow, and your program continues to run. </a:t>
+            </a:r>
+          </a:p>
+        </p:txBody>
+      </p:sp>
+      <p:pic>
+        <p:nvPicPr>
+          <p:cNvPr id="5122" name="Picture 2">
+            <a:extLst>
+              <a:ext uri="{FF2B5EF4-FFF2-40B4-BE49-F238E27FC236}">
+                <a16:creationId xmlns:a16="http://schemas.microsoft.com/office/drawing/2014/main" id="{8468BCBD-B709-4C04-A643-8F562D20C6B1}"/>
+              </a:ext>
+            </a:extLst>
+          </p:cNvPr>
+          <p:cNvPicPr>
+            <a:picLocks noChangeAspect="1" noChangeArrowheads="1"/>
+          </p:cNvPicPr>
+          <p:nvPr/>
+        </p:nvPicPr>
+        <p:blipFill>
+          <a:blip r:embed="rId2">
+            <a:extLst>
+              <a:ext uri="{28A0092B-C50C-407E-A947-70E740481C1C}">
+                <a14:useLocalDpi xmlns:a14="http://schemas.microsoft.com/office/drawing/2010/main" val="0"/>
+              </a:ext>
+            </a:extLst>
+          </a:blip>
+          <a:srcRect/>
+          <a:stretch>
+            <a:fillRect/>
+          </a:stretch>
+        </p:blipFill>
+        <p:spPr bwMode="auto">
+          <a:xfrm>
+            <a:off x="4419600" y="2833852"/>
+            <a:ext cx="3465513" cy="2228714"/>
+          </a:xfrm>
+          <a:prstGeom prst="rect">
+            <a:avLst/>
+          </a:prstGeom>
+          <a:noFill/>
+          <a:extLst>
+            <a:ext uri="{909E8E84-426E-40DD-AFC4-6F175D3DCCD1}">
+              <a14:hiddenFill xmlns:a14="http://schemas.microsoft.com/office/drawing/2010/main">
+                <a:solidFill>
+                  <a:srgbClr val="FFFFFF"/>
+                </a:solidFill>
+              </a14:hiddenFill>
+            </a:ext>
+          </a:extLst>
+        </p:spPr>
+      </p:pic>
+    </p:spTree>
+    <p:extLst>
+      <p:ext uri="{BB962C8B-B14F-4D97-AF65-F5344CB8AC3E}">
+        <p14:creationId xmlns:p14="http://schemas.microsoft.com/office/powerpoint/2010/main" val="893423053"/>
+      </p:ext>
+    </p:extLst>
+  </p:cSld>
+  <p:clrMapOvr>
+    <a:masterClrMapping/>
+  </p:clrMapOvr>
+</p:sld>
+</file>
+
+<file path=ppt/slides/slide7.xml><?xml version="1.0" encoding="utf-8"?>
+<p:sld xmlns:a="http://schemas.openxmlformats.org/drawingml/2006/main" xmlns:r="http://schemas.openxmlformats.org/officeDocument/2006/relationships" xmlns:p="http://schemas.openxmlformats.org/presentationml/2006/main">
+  <p:cSld>
+    <p:spTree>
+      <p:nvGrpSpPr>
+        <p:cNvPr id="1" name=""/>
+        <p:cNvGrpSpPr/>
+        <p:nvPr/>
+      </p:nvGrpSpPr>
+      <p:grpSpPr>
+        <a:xfrm>
+          <a:off x="0" y="0"/>
+          <a:ext cx="0" cy="0"/>
+          <a:chOff x="0" y="0"/>
+          <a:chExt cx="0" cy="0"/>
+        </a:xfrm>
+      </p:grpSpPr>
+      <p:sp>
+        <p:nvSpPr>
+          <p:cNvPr id="2" name="Title 1"/>
+          <p:cNvSpPr>
+            <a:spLocks noGrp="1"/>
+          </p:cNvSpPr>
+          <p:nvPr>
+            <p:ph type="title"/>
+          </p:nvPr>
+        </p:nvSpPr>
+        <p:spPr/>
+        <p:txBody>
+          <a:bodyPr/>
+          <a:lstStyle/>
+          <a:p>
+            <a:r>
+              <a:rPr lang="vi-VN" sz="3200" b="1" dirty="0">
+                <a:cs typeface="Calibri" panose="020F0502020204030204" pitchFamily="34" charset="0"/>
+              </a:rPr>
+              <a:t>Overview</a:t>
+            </a:r>
+            <a:r>
+              <a:rPr lang="en-US" sz="3200" b="1" dirty="0">
+                <a:cs typeface="Calibri" panose="020F0502020204030204" pitchFamily="34" charset="0"/>
+              </a:rPr>
+              <a:t> and setup</a:t>
             </a:r>
             <a:endParaRPr lang="en-US" dirty="0"/>
           </a:p>
@@ -21390,13 +27423,440 @@
           <a:bodyPr/>
           <a:lstStyle/>
           <a:p>
-            <a:r>
-              <a:rPr lang="en-US" b="1" dirty="0" smtClean="0"/>
-              <a:t>Data </a:t>
-            </a:r>
+            <a:pPr fontAlgn="base"/>
+            <a:r>
+              <a:rPr lang="en-US" sz="2000" dirty="0"/>
+              <a:t>Update PATH:</a:t>
+            </a:r>
+            <a:endParaRPr lang="vi-VN" sz="2000" dirty="0"/>
+          </a:p>
+          <a:p>
+            <a:pPr lvl="1" fontAlgn="base"/>
+            <a:r>
+              <a:rPr lang="en-US" dirty="0">
+                <a:latin typeface="Cambria" panose="02040503050406030204" pitchFamily="18" charset="0"/>
+                <a:ea typeface="Cambria" panose="02040503050406030204" pitchFamily="18" charset="0"/>
+              </a:rPr>
+              <a:t>In System variables, find PATH </a:t>
+            </a:r>
+            <a:endParaRPr lang="vi-VN" dirty="0">
+              <a:latin typeface="Cambria" panose="02040503050406030204" pitchFamily="18" charset="0"/>
+              <a:ea typeface="Cambria" panose="02040503050406030204" pitchFamily="18" charset="0"/>
+            </a:endParaRPr>
+          </a:p>
+          <a:p>
+            <a:pPr lvl="1" fontAlgn="base"/>
+            <a:r>
+              <a:rPr lang="en-US" dirty="0">
+                <a:latin typeface="Cambria" panose="02040503050406030204" pitchFamily="18" charset="0"/>
+                <a:ea typeface="Cambria" panose="02040503050406030204" pitchFamily="18" charset="0"/>
+              </a:rPr>
+              <a:t>Add: </a:t>
+            </a:r>
+            <a:r>
+              <a:rPr lang="en-US" dirty="0">
+                <a:solidFill>
+                  <a:srgbClr val="FF0000"/>
+                </a:solidFill>
+                <a:latin typeface="Cambria" panose="02040503050406030204" pitchFamily="18" charset="0"/>
+                <a:ea typeface="Cambria" panose="02040503050406030204" pitchFamily="18" charset="0"/>
+              </a:rPr>
+              <a:t>%JAVA_HOME%\bin;</a:t>
+            </a:r>
+            <a:endParaRPr lang="vi-VN" dirty="0">
+              <a:solidFill>
+                <a:srgbClr val="FF0000"/>
+              </a:solidFill>
+              <a:latin typeface="Cambria" panose="02040503050406030204" pitchFamily="18" charset="0"/>
+              <a:ea typeface="Cambria" panose="02040503050406030204" pitchFamily="18" charset="0"/>
+            </a:endParaRPr>
+          </a:p>
+          <a:p>
+            <a:pPr fontAlgn="base"/>
+            <a:r>
+              <a:rPr lang="en-US" dirty="0"/>
+              <a:t> </a:t>
+            </a:r>
+            <a:r>
+              <a:rPr lang="en-US" sz="2000" dirty="0"/>
+              <a:t>To see if it worked, open up the Command Prompt and type java -version and see if it prints your newly installed JDK.</a:t>
+            </a:r>
+            <a:endParaRPr lang="vi-VN" sz="2000" dirty="0"/>
+          </a:p>
+          <a:p>
+            <a:pPr lvl="1" fontAlgn="base"/>
+            <a:r>
+              <a:rPr lang="en-US" dirty="0">
+                <a:solidFill>
+                  <a:srgbClr val="FF0000"/>
+                </a:solidFill>
+                <a:latin typeface="Cambria" panose="02040503050406030204" pitchFamily="18" charset="0"/>
+                <a:ea typeface="Cambria" panose="02040503050406030204" pitchFamily="18" charset="0"/>
+              </a:rPr>
+              <a:t>java –version</a:t>
+            </a:r>
+          </a:p>
+          <a:p>
+            <a:pPr fontAlgn="base"/>
+            <a:endParaRPr lang="en-US" sz="2400" dirty="0"/>
+          </a:p>
+          <a:p>
+            <a:pPr fontAlgn="base"/>
+            <a:endParaRPr lang="en-US" dirty="0"/>
+          </a:p>
+        </p:txBody>
+      </p:sp>
+    </p:spTree>
+    <p:extLst>
+      <p:ext uri="{BB962C8B-B14F-4D97-AF65-F5344CB8AC3E}">
+        <p14:creationId xmlns:p14="http://schemas.microsoft.com/office/powerpoint/2010/main" val="7916273"/>
+      </p:ext>
+    </p:extLst>
+  </p:cSld>
+  <p:clrMapOvr>
+    <a:masterClrMapping/>
+  </p:clrMapOvr>
+</p:sld>
+</file>
+
+<file path=ppt/slides/slide70.xml><?xml version="1.0" encoding="utf-8"?>
+<p:sld xmlns:a="http://schemas.openxmlformats.org/drawingml/2006/main" xmlns:r="http://schemas.openxmlformats.org/officeDocument/2006/relationships" xmlns:p="http://schemas.openxmlformats.org/presentationml/2006/main">
+  <p:cSld>
+    <p:spTree>
+      <p:nvGrpSpPr>
+        <p:cNvPr id="1" name=""/>
+        <p:cNvGrpSpPr/>
+        <p:nvPr/>
+      </p:nvGrpSpPr>
+      <p:grpSpPr>
+        <a:xfrm>
+          <a:off x="0" y="0"/>
+          <a:ext cx="0" cy="0"/>
+          <a:chOff x="0" y="0"/>
+          <a:chExt cx="0" cy="0"/>
+        </a:xfrm>
+      </p:grpSpPr>
+      <p:sp>
+        <p:nvSpPr>
+          <p:cNvPr id="2" name="Title 1">
+            <a:extLst>
+              <a:ext uri="{FF2B5EF4-FFF2-40B4-BE49-F238E27FC236}">
+                <a16:creationId xmlns:a16="http://schemas.microsoft.com/office/drawing/2014/main" id="{936E6AE3-450F-4AB6-A349-99B9D4431068}"/>
+              </a:ext>
+            </a:extLst>
+          </p:cNvPr>
+          <p:cNvSpPr>
+            <a:spLocks noGrp="1"/>
+          </p:cNvSpPr>
+          <p:nvPr>
+            <p:ph type="title"/>
+          </p:nvPr>
+        </p:nvSpPr>
+        <p:spPr/>
+        <p:txBody>
+          <a:bodyPr/>
+          <a:lstStyle/>
+          <a:p>
+            <a:r>
+              <a:rPr lang="en-US" dirty="0"/>
+              <a:t>Asynchronous</a:t>
+            </a:r>
+          </a:p>
+        </p:txBody>
+      </p:sp>
+      <p:sp>
+        <p:nvSpPr>
+          <p:cNvPr id="3" name="Text Placeholder 2">
+            <a:extLst>
+              <a:ext uri="{FF2B5EF4-FFF2-40B4-BE49-F238E27FC236}">
+                <a16:creationId xmlns:a16="http://schemas.microsoft.com/office/drawing/2014/main" id="{4349771D-10C0-47AF-ACFE-496B26CF9548}"/>
+              </a:ext>
+            </a:extLst>
+          </p:cNvPr>
+          <p:cNvSpPr>
+            <a:spLocks noGrp="1"/>
+          </p:cNvSpPr>
+          <p:nvPr>
+            <p:ph type="body" idx="1"/>
+          </p:nvPr>
+        </p:nvSpPr>
+        <p:spPr/>
+        <p:txBody>
+          <a:bodyPr/>
+          <a:lstStyle/>
+          <a:p>
+            <a:r>
+              <a:rPr lang="en-US" dirty="0"/>
+              <a:t>Multithreading refers to the concurrent/parallel execution of more than one sequential set (thread) of instructions.</a:t>
+            </a:r>
+          </a:p>
+        </p:txBody>
+      </p:sp>
+      <p:pic>
+        <p:nvPicPr>
+          <p:cNvPr id="6146" name="Picture 2">
+            <a:extLst>
+              <a:ext uri="{FF2B5EF4-FFF2-40B4-BE49-F238E27FC236}">
+                <a16:creationId xmlns:a16="http://schemas.microsoft.com/office/drawing/2014/main" id="{255DB5CA-0966-4C8A-BF60-4593CF2A100B}"/>
+              </a:ext>
+            </a:extLst>
+          </p:cNvPr>
+          <p:cNvPicPr>
+            <a:picLocks noChangeAspect="1" noChangeArrowheads="1"/>
+          </p:cNvPicPr>
+          <p:nvPr/>
+        </p:nvPicPr>
+        <p:blipFill>
+          <a:blip r:embed="rId2">
+            <a:extLst>
+              <a:ext uri="{28A0092B-C50C-407E-A947-70E740481C1C}">
+                <a14:useLocalDpi xmlns:a14="http://schemas.microsoft.com/office/drawing/2010/main" val="0"/>
+              </a:ext>
+            </a:extLst>
+          </a:blip>
+          <a:srcRect/>
+          <a:stretch>
+            <a:fillRect/>
+          </a:stretch>
+        </p:blipFill>
+        <p:spPr bwMode="auto">
+          <a:xfrm>
+            <a:off x="2057400" y="2265318"/>
+            <a:ext cx="5181600" cy="2602494"/>
+          </a:xfrm>
+          <a:prstGeom prst="rect">
+            <a:avLst/>
+          </a:prstGeom>
+          <a:noFill/>
+          <a:extLst>
+            <a:ext uri="{909E8E84-426E-40DD-AFC4-6F175D3DCCD1}">
+              <a14:hiddenFill xmlns:a14="http://schemas.microsoft.com/office/drawing/2010/main">
+                <a:solidFill>
+                  <a:srgbClr val="FFFFFF"/>
+                </a:solidFill>
+              </a14:hiddenFill>
+            </a:ext>
+          </a:extLst>
+        </p:spPr>
+      </p:pic>
+    </p:spTree>
+    <p:extLst>
+      <p:ext uri="{BB962C8B-B14F-4D97-AF65-F5344CB8AC3E}">
+        <p14:creationId xmlns:p14="http://schemas.microsoft.com/office/powerpoint/2010/main" val="4004475009"/>
+      </p:ext>
+    </p:extLst>
+  </p:cSld>
+  <p:clrMapOvr>
+    <a:masterClrMapping/>
+  </p:clrMapOvr>
+</p:sld>
+</file>
+
+<file path=ppt/slides/slide71.xml><?xml version="1.0" encoding="utf-8"?>
+<p:sld xmlns:a="http://schemas.openxmlformats.org/drawingml/2006/main" xmlns:r="http://schemas.openxmlformats.org/officeDocument/2006/relationships" xmlns:p="http://schemas.openxmlformats.org/presentationml/2006/main">
+  <p:cSld>
+    <p:spTree>
+      <p:nvGrpSpPr>
+        <p:cNvPr id="1" name=""/>
+        <p:cNvGrpSpPr/>
+        <p:nvPr/>
+      </p:nvGrpSpPr>
+      <p:grpSpPr>
+        <a:xfrm>
+          <a:off x="0" y="0"/>
+          <a:ext cx="0" cy="0"/>
+          <a:chOff x="0" y="0"/>
+          <a:chExt cx="0" cy="0"/>
+        </a:xfrm>
+      </p:grpSpPr>
+      <p:sp>
+        <p:nvSpPr>
+          <p:cNvPr id="2" name="Title 1">
+            <a:extLst>
+              <a:ext uri="{FF2B5EF4-FFF2-40B4-BE49-F238E27FC236}">
+                <a16:creationId xmlns:a16="http://schemas.microsoft.com/office/drawing/2014/main" id="{377E4C31-6777-4DAE-8569-94F1B0FC3733}"/>
+              </a:ext>
+            </a:extLst>
+          </p:cNvPr>
+          <p:cNvSpPr>
+            <a:spLocks noGrp="1"/>
+          </p:cNvSpPr>
+          <p:nvPr>
+            <p:ph type="title"/>
+          </p:nvPr>
+        </p:nvSpPr>
+        <p:spPr/>
+        <p:txBody>
+          <a:bodyPr/>
+          <a:lstStyle/>
+          <a:p>
+            <a:r>
+              <a:rPr lang="en-US" dirty="0"/>
+              <a:t>Asynchronous</a:t>
+            </a:r>
+          </a:p>
+        </p:txBody>
+      </p:sp>
+      <p:sp>
+        <p:nvSpPr>
+          <p:cNvPr id="3" name="Text Placeholder 2">
+            <a:extLst>
+              <a:ext uri="{FF2B5EF4-FFF2-40B4-BE49-F238E27FC236}">
+                <a16:creationId xmlns:a16="http://schemas.microsoft.com/office/drawing/2014/main" id="{01590765-5FE9-4314-B9A3-FB33D3069FCC}"/>
+              </a:ext>
+            </a:extLst>
+          </p:cNvPr>
+          <p:cNvSpPr>
+            <a:spLocks noGrp="1"/>
+          </p:cNvSpPr>
+          <p:nvPr>
+            <p:ph type="body" idx="1"/>
+          </p:nvPr>
+        </p:nvSpPr>
+        <p:spPr/>
+        <p:txBody>
+          <a:bodyPr/>
+          <a:lstStyle/>
+          <a:p>
+            <a:pPr lvl="1"/>
+            <a:r>
+              <a:rPr lang="en-US" sz="1600" dirty="0"/>
+              <a:t>multithreading programming is all about bout non-blocking execution </a:t>
+            </a:r>
+            <a:r>
+              <a:rPr lang="en-US" sz="1600" dirty="0" err="1"/>
+              <a:t>betweconcurrent</a:t>
+            </a:r>
+            <a:r>
+              <a:rPr lang="en-US" sz="1600" dirty="0"/>
+              <a:t> execution of different functions. Async programming is </a:t>
+            </a:r>
+            <a:r>
+              <a:rPr lang="en-US" sz="1600" dirty="0" err="1"/>
+              <a:t>aen</a:t>
+            </a:r>
+            <a:r>
+              <a:rPr lang="en-US" sz="1600" dirty="0"/>
+              <a:t> functions,</a:t>
+            </a:r>
+            <a:endParaRPr lang="vi-VN" sz="1600" dirty="0"/>
+          </a:p>
+          <a:p>
+            <a:pPr lvl="1"/>
+            <a:r>
+              <a:rPr lang="en-US" sz="1600" dirty="0"/>
+              <a:t>multithreading is one form of asynchronous programming.</a:t>
+            </a:r>
+            <a:endParaRPr lang="vi-VN" sz="1600" dirty="0"/>
+          </a:p>
+          <a:p>
+            <a:pPr lvl="1"/>
+            <a:r>
+              <a:rPr lang="en-US" sz="1600" dirty="0"/>
+              <a:t>Multithreading is about workers, Asynchronous is about tasks.</a:t>
+            </a:r>
+            <a:endParaRPr lang="vi-VN" sz="1600" dirty="0"/>
+          </a:p>
+          <a:p>
+            <a:pPr lvl="1"/>
+            <a:r>
+              <a:rPr lang="vi-VN" sz="1600" dirty="0"/>
+              <a:t>Analog</a:t>
+            </a:r>
+          </a:p>
+          <a:p>
+            <a:pPr lvl="2"/>
+            <a:r>
+              <a:rPr lang="en-US" sz="1300" dirty="0"/>
+              <a:t>Synchronous: you cook the eggs, then you cook the toast.</a:t>
+            </a:r>
+          </a:p>
+          <a:p>
+            <a:pPr lvl="2"/>
+            <a:r>
+              <a:rPr lang="en-US" sz="1300" dirty="0"/>
+              <a:t>Asynchronous, single threaded: you start the eggs cooking and set a timer. You start the toast cooking, and set a timer. While they are both cooking, you clean the kitchen. When the timers go off you take the eggs off the heat and the toast out of the toaster and serve them.</a:t>
+            </a:r>
+          </a:p>
+          <a:p>
+            <a:pPr lvl="2"/>
+            <a:r>
+              <a:rPr lang="en-US" sz="1300" dirty="0"/>
+              <a:t>Asynchronous, multithreaded: you hire two more cooks, one to cook eggs and one to cook toast. Now you have the problem of coordinating the cooks so that they do not conflict with each other in the kitchen when sharing resources. And you have to pay them.</a:t>
+            </a:r>
+          </a:p>
+        </p:txBody>
+      </p:sp>
+    </p:spTree>
+    <p:extLst>
+      <p:ext uri="{BB962C8B-B14F-4D97-AF65-F5344CB8AC3E}">
+        <p14:creationId xmlns:p14="http://schemas.microsoft.com/office/powerpoint/2010/main" val="1475827226"/>
+      </p:ext>
+    </p:extLst>
+  </p:cSld>
+  <p:clrMapOvr>
+    <a:masterClrMapping/>
+  </p:clrMapOvr>
+</p:sld>
+</file>
+
+<file path=ppt/slides/slide72.xml><?xml version="1.0" encoding="utf-8"?>
+<p:sld xmlns:a="http://schemas.openxmlformats.org/drawingml/2006/main" xmlns:r="http://schemas.openxmlformats.org/officeDocument/2006/relationships" xmlns:p="http://schemas.openxmlformats.org/presentationml/2006/main">
+  <p:cSld>
+    <p:spTree>
+      <p:nvGrpSpPr>
+        <p:cNvPr id="1" name=""/>
+        <p:cNvGrpSpPr/>
+        <p:nvPr/>
+      </p:nvGrpSpPr>
+      <p:grpSpPr>
+        <a:xfrm>
+          <a:off x="0" y="0"/>
+          <a:ext cx="0" cy="0"/>
+          <a:chOff x="0" y="0"/>
+          <a:chExt cx="0" cy="0"/>
+        </a:xfrm>
+      </p:grpSpPr>
+      <p:sp>
+        <p:nvSpPr>
+          <p:cNvPr id="2" name="Title 1"/>
+          <p:cNvSpPr>
+            <a:spLocks noGrp="1"/>
+          </p:cNvSpPr>
+          <p:nvPr>
+            <p:ph type="title"/>
+          </p:nvPr>
+        </p:nvSpPr>
+        <p:spPr/>
+        <p:txBody>
+          <a:bodyPr/>
+          <a:lstStyle/>
+          <a:p>
+            <a:r>
+              <a:rPr lang="en-US" dirty="0"/>
+              <a:t>DAO &amp; DTO</a:t>
+            </a:r>
+          </a:p>
+        </p:txBody>
+      </p:sp>
+      <p:sp>
+        <p:nvSpPr>
+          <p:cNvPr id="3" name="Text Placeholder 2"/>
+          <p:cNvSpPr>
+            <a:spLocks noGrp="1"/>
+          </p:cNvSpPr>
+          <p:nvPr>
+            <p:ph type="body" idx="1"/>
+          </p:nvPr>
+        </p:nvSpPr>
+        <p:spPr/>
+        <p:txBody>
+          <a:bodyPr/>
+          <a:lstStyle/>
+          <a:p>
             <a:r>
               <a:rPr lang="en-US" b="1" dirty="0"/>
-              <a:t>Access Object (DAO)</a:t>
+              <a:t>Data Access Object (DAO)</a:t>
             </a:r>
             <a:r>
               <a:rPr lang="en-US" dirty="0"/>
@@ -21466,7 +27926,6 @@
               <a:rPr lang="en-US" dirty="0"/>
               <a:t> (Structural Pattern). </a:t>
             </a:r>
-            <a:endParaRPr lang="en-US" dirty="0" smtClean="0"/>
           </a:p>
           <a:p>
             <a:pPr lvl="1"/>
@@ -21503,16 +27962,9 @@
                 <a:latin typeface="Cambria" panose="02040503050406030204" pitchFamily="18" charset="0"/>
                 <a:ea typeface="Cambria" panose="02040503050406030204" pitchFamily="18" charset="0"/>
               </a:rPr>
-              <a:t>. Nó bảo vệ phần còn lại của ứng dụng khỏi mọi thay đổi trong lớp lưu </a:t>
-            </a:r>
-            <a:r>
-              <a:rPr lang="vi-VN" dirty="0" smtClean="0">
-                <a:latin typeface="Cambria" panose="02040503050406030204" pitchFamily="18" charset="0"/>
-                <a:ea typeface="Cambria" panose="02040503050406030204" pitchFamily="18" charset="0"/>
-              </a:rPr>
-              <a:t>trữ</a:t>
-            </a:r>
-            <a:endParaRPr lang="en-US" dirty="0" smtClean="0">
+              <a:t>. Nó bảo vệ phần còn lại của ứng dụng khỏi mọi thay đổi trong lớp lưu trữ</a:t>
+            </a:r>
+            <a:endParaRPr lang="en-US" dirty="0">
               <a:latin typeface="Cambria" panose="02040503050406030204" pitchFamily="18" charset="0"/>
               <a:ea typeface="Cambria" panose="02040503050406030204" pitchFamily="18" charset="0"/>
             </a:endParaRPr>
@@ -21524,35 +27976,21 @@
                 <a:latin typeface="Cambria" panose="02040503050406030204" pitchFamily="18" charset="0"/>
                 <a:ea typeface="Cambria" panose="02040503050406030204" pitchFamily="18" charset="0"/>
               </a:rPr>
-              <a:t>Trong Java, DAO được triển khai theo nhiều cách khác nhau như Java Persistence API,  Enterprise Java Bean (</a:t>
-            </a:r>
-            <a:r>
-              <a:rPr lang="vi-VN" dirty="0" smtClean="0">
+              <a:t>Trong Java, DAO được triển khai theo nhiều cách khác nhau như Java Persistence API,  Enterprise Java Bean (EJ</a:t>
+            </a:r>
+            <a:r>
+              <a:rPr lang="en-US" dirty="0">
                 <a:latin typeface="Cambria" panose="02040503050406030204" pitchFamily="18" charset="0"/>
                 <a:ea typeface="Cambria" panose="02040503050406030204" pitchFamily="18" charset="0"/>
               </a:rPr>
-              <a:t>EJ</a:t>
-            </a:r>
-            <a:r>
-              <a:rPr lang="en-US" dirty="0" smtClean="0">
-                <a:latin typeface="Cambria" panose="02040503050406030204" pitchFamily="18" charset="0"/>
-                <a:ea typeface="Cambria" panose="02040503050406030204" pitchFamily="18" charset="0"/>
-              </a:rPr>
               <a:t>B</a:t>
-            </a:r>
-            <a:r>
-              <a:rPr lang="vi-VN" dirty="0" smtClean="0">
-                <a:latin typeface="Cambria" panose="02040503050406030204" pitchFamily="18" charset="0"/>
-                <a:ea typeface="Cambria" panose="02040503050406030204" pitchFamily="18" charset="0"/>
-              </a:rPr>
-              <a:t>), </a:t>
             </a:r>
             <a:r>
               <a:rPr lang="vi-VN" dirty="0">
                 <a:latin typeface="Cambria" panose="02040503050406030204" pitchFamily="18" charset="0"/>
                 <a:ea typeface="Cambria" panose="02040503050406030204" pitchFamily="18" charset="0"/>
               </a:rPr>
-              <a:t>Object-relational mapping (ORM) với các implement cụ thể như Hibernate, iBATIS, Spring JPA, …</a:t>
+              <a:t>), Object-relational mapping (ORM) với các implement cụ thể như Hibernate, iBATIS, Spring JPA, …</a:t>
             </a:r>
             <a:endParaRPr lang="en-US" dirty="0">
               <a:latin typeface="Cambria" panose="02040503050406030204" pitchFamily="18" charset="0"/>
@@ -21612,17 +28050,10 @@
   <p:clrMapOvr>
     <a:masterClrMapping/>
   </p:clrMapOvr>
-  <p:timing>
-    <p:tnLst>
-      <p:par>
-        <p:cTn id="1" dur="indefinite" restart="never" nodeType="tmRoot"/>
-      </p:par>
-    </p:tnLst>
-  </p:timing>
 </p:sld>
 </file>
 
-<file path=ppt/slides/slide49.xml><?xml version="1.0" encoding="utf-8"?>
+<file path=ppt/slides/slide73.xml><?xml version="1.0" encoding="utf-8"?>
 <p:sld xmlns:a="http://schemas.openxmlformats.org/drawingml/2006/main" xmlns:r="http://schemas.openxmlformats.org/officeDocument/2006/relationships" xmlns:p="http://schemas.openxmlformats.org/presentationml/2006/main">
   <p:cSld>
     <p:spTree>
@@ -21655,10 +28086,9 @@
           <a:lstStyle/>
           <a:p>
             <a:r>
-              <a:rPr lang="en-US" dirty="0" smtClean="0"/>
+              <a:rPr lang="en-US" dirty="0"/>
               <a:t>DAO &amp; DTO</a:t>
             </a:r>
-            <a:endParaRPr lang="en-US" dirty="0"/>
           </a:p>
         </p:txBody>
       </p:sp>
@@ -21787,17 +28217,10 @@
   <p:clrMapOvr>
     <a:masterClrMapping/>
   </p:clrMapOvr>
-  <p:timing>
-    <p:tnLst>
-      <p:par>
-        <p:cTn id="1" dur="indefinite" restart="never" nodeType="tmRoot"/>
-      </p:par>
-    </p:tnLst>
-  </p:timing>
 </p:sld>
 </file>
 
-<file path=ppt/slides/slide5.xml><?xml version="1.0" encoding="utf-8"?>
+<file path=ppt/slides/slide74.xml><?xml version="1.0" encoding="utf-8"?>
 <p:sld xmlns:a="http://schemas.openxmlformats.org/drawingml/2006/main" xmlns:r="http://schemas.openxmlformats.org/officeDocument/2006/relationships" xmlns:p="http://schemas.openxmlformats.org/presentationml/2006/main">
   <p:cSld>
     <p:spTree>
@@ -21830,18 +28253,9 @@
           <a:lstStyle/>
           <a:p>
             <a:r>
-              <a:rPr lang="vi-VN" sz="3200" b="1" dirty="0">
-                <a:cs typeface="Calibri" panose="020F0502020204030204" pitchFamily="34" charset="0"/>
-              </a:rPr>
-              <a:t>Overview</a:t>
-            </a:r>
-            <a:r>
-              <a:rPr lang="en-US" sz="3200" b="1" dirty="0">
-                <a:cs typeface="Calibri" panose="020F0502020204030204" pitchFamily="34" charset="0"/>
-              </a:rPr>
-              <a:t> and setup</a:t>
-            </a:r>
-            <a:endParaRPr lang="en-US" dirty="0"/>
+              <a:rPr lang="en-US" dirty="0"/>
+              <a:t>DAO &amp; DTO</a:t>
+            </a:r>
           </a:p>
         </p:txBody>
       </p:sp>
@@ -21860,114 +28274,6 @@
           <a:bodyPr/>
           <a:lstStyle/>
           <a:p>
-            <a:endParaRPr lang="en-US" dirty="0"/>
-          </a:p>
-        </p:txBody>
-      </p:sp>
-      <p:pic>
-        <p:nvPicPr>
-          <p:cNvPr id="4" name="Picture 2" descr="C:\Users\thanhtran\Desktop\cp2.jpg"/>
-          <p:cNvPicPr>
-            <a:picLocks noChangeAspect="1" noChangeArrowheads="1"/>
-          </p:cNvPicPr>
-          <p:nvPr/>
-        </p:nvPicPr>
-        <p:blipFill>
-          <a:blip r:embed="rId2"/>
-          <a:srcRect/>
-          <a:stretch>
-            <a:fillRect/>
-          </a:stretch>
-        </p:blipFill>
-        <p:spPr bwMode="auto">
-          <a:xfrm>
-            <a:off x="2667000" y="1428750"/>
-            <a:ext cx="3142893" cy="3313155"/>
-          </a:xfrm>
-          <a:prstGeom prst="rect">
-            <a:avLst/>
-          </a:prstGeom>
-          <a:noFill/>
-          <a:ln>
-            <a:noFill/>
-          </a:ln>
-        </p:spPr>
-      </p:pic>
-    </p:spTree>
-    <p:extLst>
-      <p:ext uri="{BB962C8B-B14F-4D97-AF65-F5344CB8AC3E}">
-        <p14:creationId xmlns:p14="http://schemas.microsoft.com/office/powerpoint/2010/main" val="1924892174"/>
-      </p:ext>
-    </p:extLst>
-  </p:cSld>
-  <p:clrMapOvr>
-    <a:masterClrMapping/>
-  </p:clrMapOvr>
-  <p:timing>
-    <p:tnLst>
-      <p:par>
-        <p:cTn id="1" dur="indefinite" restart="never" nodeType="tmRoot"/>
-      </p:par>
-    </p:tnLst>
-  </p:timing>
-</p:sld>
-</file>
-
-<file path=ppt/slides/slide50.xml><?xml version="1.0" encoding="utf-8"?>
-<p:sld xmlns:a="http://schemas.openxmlformats.org/drawingml/2006/main" xmlns:r="http://schemas.openxmlformats.org/officeDocument/2006/relationships" xmlns:p="http://schemas.openxmlformats.org/presentationml/2006/main">
-  <p:cSld>
-    <p:spTree>
-      <p:nvGrpSpPr>
-        <p:cNvPr id="1" name=""/>
-        <p:cNvGrpSpPr/>
-        <p:nvPr/>
-      </p:nvGrpSpPr>
-      <p:grpSpPr>
-        <a:xfrm>
-          <a:off x="0" y="0"/>
-          <a:ext cx="0" cy="0"/>
-          <a:chOff x="0" y="0"/>
-          <a:chExt cx="0" cy="0"/>
-        </a:xfrm>
-      </p:grpSpPr>
-      <p:sp>
-        <p:nvSpPr>
-          <p:cNvPr id="2" name="Title 1"/>
-          <p:cNvSpPr>
-            <a:spLocks noGrp="1"/>
-          </p:cNvSpPr>
-          <p:nvPr>
-            <p:ph type="title"/>
-          </p:nvPr>
-        </p:nvSpPr>
-        <p:spPr/>
-        <p:txBody>
-          <a:bodyPr/>
-          <a:lstStyle/>
-          <a:p>
-            <a:r>
-              <a:rPr lang="en-US" dirty="0" smtClean="0"/>
-              <a:t>DAO &amp; DTO</a:t>
-            </a:r>
-            <a:endParaRPr lang="en-US" dirty="0"/>
-          </a:p>
-        </p:txBody>
-      </p:sp>
-      <p:sp>
-        <p:nvSpPr>
-          <p:cNvPr id="3" name="Text Placeholder 2"/>
-          <p:cNvSpPr>
-            <a:spLocks noGrp="1"/>
-          </p:cNvSpPr>
-          <p:nvPr>
-            <p:ph type="body" idx="1"/>
-          </p:nvPr>
-        </p:nvSpPr>
-        <p:spPr/>
-        <p:txBody>
-          <a:bodyPr/>
-          <a:lstStyle/>
-          <a:p>
             <a:r>
               <a:rPr lang="en-US" b="1" dirty="0"/>
               <a:t>T</a:t>
@@ -22010,17 +28316,10 @@
   <p:clrMapOvr>
     <a:masterClrMapping/>
   </p:clrMapOvr>
-  <p:timing>
-    <p:tnLst>
-      <p:par>
-        <p:cTn id="1" dur="indefinite" restart="never" nodeType="tmRoot"/>
-      </p:par>
-    </p:tnLst>
-  </p:timing>
 </p:sld>
 </file>
 
-<file path=ppt/slides/slide51.xml><?xml version="1.0" encoding="utf-8"?>
+<file path=ppt/slides/slide75.xml><?xml version="1.0" encoding="utf-8"?>
 <p:sld xmlns:a="http://schemas.openxmlformats.org/drawingml/2006/main" xmlns:r="http://schemas.openxmlformats.org/officeDocument/2006/relationships" xmlns:p="http://schemas.openxmlformats.org/presentationml/2006/main">
   <p:cSld>
     <p:spTree>
@@ -22129,17 +28428,10 @@
   <p:clrMapOvr>
     <a:masterClrMapping/>
   </p:clrMapOvr>
-  <p:timing>
-    <p:tnLst>
-      <p:par>
-        <p:cTn id="1" dur="indefinite" restart="never" nodeType="tmRoot"/>
-      </p:par>
-    </p:tnLst>
-  </p:timing>
 </p:sld>
 </file>
 
-<file path=ppt/slides/slide52.xml><?xml version="1.0" encoding="utf-8"?>
+<file path=ppt/slides/slide76.xml><?xml version="1.0" encoding="utf-8"?>
 <p:sld xmlns:a="http://schemas.openxmlformats.org/drawingml/2006/main" xmlns:r="http://schemas.openxmlformats.org/officeDocument/2006/relationships" xmlns:p="http://schemas.openxmlformats.org/presentationml/2006/main">
   <p:cSld>
     <p:spTree>
@@ -22248,432 +28540,6 @@
   <p:clrMapOvr>
     <a:masterClrMapping/>
   </p:clrMapOvr>
-  <p:timing>
-    <p:tnLst>
-      <p:par>
-        <p:cTn id="1" dur="indefinite" restart="never" nodeType="tmRoot"/>
-      </p:par>
-    </p:tnLst>
-  </p:timing>
-</p:sld>
-</file>
-
-<file path=ppt/slides/slide6.xml><?xml version="1.0" encoding="utf-8"?>
-<p:sld xmlns:a="http://schemas.openxmlformats.org/drawingml/2006/main" xmlns:r="http://schemas.openxmlformats.org/officeDocument/2006/relationships" xmlns:p="http://schemas.openxmlformats.org/presentationml/2006/main">
-  <p:cSld>
-    <p:spTree>
-      <p:nvGrpSpPr>
-        <p:cNvPr id="1" name=""/>
-        <p:cNvGrpSpPr/>
-        <p:nvPr/>
-      </p:nvGrpSpPr>
-      <p:grpSpPr>
-        <a:xfrm>
-          <a:off x="0" y="0"/>
-          <a:ext cx="0" cy="0"/>
-          <a:chOff x="0" y="0"/>
-          <a:chExt cx="0" cy="0"/>
-        </a:xfrm>
-      </p:grpSpPr>
-      <p:sp>
-        <p:nvSpPr>
-          <p:cNvPr id="2" name="Title 1"/>
-          <p:cNvSpPr>
-            <a:spLocks noGrp="1"/>
-          </p:cNvSpPr>
-          <p:nvPr>
-            <p:ph type="title"/>
-          </p:nvPr>
-        </p:nvSpPr>
-        <p:spPr/>
-        <p:txBody>
-          <a:bodyPr/>
-          <a:lstStyle/>
-          <a:p>
-            <a:r>
-              <a:rPr lang="vi-VN" sz="3200" b="1" dirty="0">
-                <a:cs typeface="Calibri" panose="020F0502020204030204" pitchFamily="34" charset="0"/>
-              </a:rPr>
-              <a:t>Overview</a:t>
-            </a:r>
-            <a:r>
-              <a:rPr lang="en-US" sz="3200" b="1" dirty="0">
-                <a:cs typeface="Calibri" panose="020F0502020204030204" pitchFamily="34" charset="0"/>
-              </a:rPr>
-              <a:t> and setup</a:t>
-            </a:r>
-            <a:endParaRPr lang="en-US" dirty="0"/>
-          </a:p>
-        </p:txBody>
-      </p:sp>
-      <p:sp>
-        <p:nvSpPr>
-          <p:cNvPr id="3" name="Text Placeholder 2"/>
-          <p:cNvSpPr>
-            <a:spLocks noGrp="1"/>
-          </p:cNvSpPr>
-          <p:nvPr>
-            <p:ph type="body" idx="1"/>
-          </p:nvPr>
-        </p:nvSpPr>
-        <p:spPr>
-          <a:xfrm>
-            <a:off x="381000" y="1200150"/>
-            <a:ext cx="7886700" cy="3263400"/>
-          </a:xfrm>
-        </p:spPr>
-        <p:txBody>
-          <a:bodyPr/>
-          <a:lstStyle/>
-          <a:p>
-            <a:r>
-              <a:rPr lang="en-US" sz="2000" dirty="0" err="1"/>
-              <a:t>Jdk</a:t>
-            </a:r>
-            <a:r>
-              <a:rPr lang="en-US" sz="2000" dirty="0"/>
-              <a:t> </a:t>
-            </a:r>
-            <a:r>
-              <a:rPr lang="vi-VN" sz="2000" dirty="0"/>
-              <a:t>8</a:t>
-            </a:r>
-          </a:p>
-          <a:p>
-            <a:pPr lvl="1"/>
-            <a:r>
-              <a:rPr lang="en-US" dirty="0">
-                <a:latin typeface="Cambria" panose="02040503050406030204" pitchFamily="18" charset="0"/>
-                <a:ea typeface="Cambria" panose="02040503050406030204" pitchFamily="18" charset="0"/>
-                <a:hlinkClick r:id="rId2"/>
-              </a:rPr>
-              <a:t>https://www.oracle.com/java/technologies/javase/javase-jdk8-downloads.html</a:t>
-            </a:r>
-            <a:endParaRPr lang="en-US" dirty="0">
-              <a:latin typeface="Cambria" panose="02040503050406030204" pitchFamily="18" charset="0"/>
-              <a:ea typeface="Cambria" panose="02040503050406030204" pitchFamily="18" charset="0"/>
-            </a:endParaRPr>
-          </a:p>
-          <a:p>
-            <a:pPr lvl="1" fontAlgn="base"/>
-            <a:r>
-              <a:rPr lang="vi-VN" sz="1600" dirty="0">
-                <a:latin typeface="Cambria" panose="02040503050406030204" pitchFamily="18" charset="0"/>
-                <a:ea typeface="Cambria" panose="02040503050406030204" pitchFamily="18" charset="0"/>
-              </a:rPr>
-              <a:t>Install</a:t>
-            </a:r>
-            <a:r>
-              <a:rPr lang="en-US" sz="1600" dirty="0">
-                <a:latin typeface="Cambria" panose="02040503050406030204" pitchFamily="18" charset="0"/>
-                <a:ea typeface="Cambria" panose="02040503050406030204" pitchFamily="18" charset="0"/>
-              </a:rPr>
-              <a:t> </a:t>
-            </a:r>
-          </a:p>
-          <a:p>
-            <a:pPr lvl="1" fontAlgn="base"/>
-            <a:r>
-              <a:rPr lang="en-US" sz="1600" dirty="0">
-                <a:latin typeface="Cambria" panose="02040503050406030204" pitchFamily="18" charset="0"/>
-                <a:ea typeface="Cambria" panose="02040503050406030204" pitchFamily="18" charset="0"/>
-              </a:rPr>
-              <a:t>Set JAVA_HOME:</a:t>
-            </a:r>
-            <a:endParaRPr lang="vi-VN" sz="1600" dirty="0">
-              <a:latin typeface="Cambria" panose="02040503050406030204" pitchFamily="18" charset="0"/>
-              <a:ea typeface="Cambria" panose="02040503050406030204" pitchFamily="18" charset="0"/>
-            </a:endParaRPr>
-          </a:p>
-          <a:p>
-            <a:pPr lvl="2" fontAlgn="base"/>
-            <a:r>
-              <a:rPr lang="en-US" sz="1400" dirty="0">
-                <a:latin typeface="Cambria" panose="02040503050406030204" pitchFamily="18" charset="0"/>
-                <a:ea typeface="Cambria" panose="02040503050406030204" pitchFamily="18" charset="0"/>
-              </a:rPr>
-              <a:t>Select Control Panel and then System.</a:t>
-            </a:r>
-          </a:p>
-          <a:p>
-            <a:pPr lvl="2" fontAlgn="base"/>
-            <a:r>
-              <a:rPr lang="en-US" sz="1400" dirty="0">
-                <a:latin typeface="Cambria" panose="02040503050406030204" pitchFamily="18" charset="0"/>
-                <a:ea typeface="Cambria" panose="02040503050406030204" pitchFamily="18" charset="0"/>
-              </a:rPr>
-              <a:t>Click Advanced and then Environment Variables.</a:t>
-            </a:r>
-          </a:p>
-          <a:p>
-            <a:pPr lvl="2" fontAlgn="base"/>
-            <a:r>
-              <a:rPr lang="en-US" sz="1400" dirty="0">
-                <a:latin typeface="Cambria" panose="02040503050406030204" pitchFamily="18" charset="0"/>
-                <a:ea typeface="Cambria" panose="02040503050406030204" pitchFamily="18" charset="0"/>
-              </a:rPr>
-              <a:t>Under System Variables, click New.</a:t>
-            </a:r>
-          </a:p>
-          <a:p>
-            <a:pPr lvl="2" fontAlgn="base"/>
-            <a:r>
-              <a:rPr lang="en-US" sz="1400" dirty="0">
-                <a:latin typeface="Cambria" panose="02040503050406030204" pitchFamily="18" charset="0"/>
-                <a:ea typeface="Cambria" panose="02040503050406030204" pitchFamily="18" charset="0"/>
-              </a:rPr>
-              <a:t>Enter the variable name as JAVA_HOME.</a:t>
-            </a:r>
-          </a:p>
-          <a:p>
-            <a:pPr lvl="2" fontAlgn="base"/>
-            <a:r>
-              <a:rPr lang="en-US" sz="1400" dirty="0">
-                <a:latin typeface="Cambria" panose="02040503050406030204" pitchFamily="18" charset="0"/>
-                <a:ea typeface="Cambria" panose="02040503050406030204" pitchFamily="18" charset="0"/>
-              </a:rPr>
-              <a:t>Enter the variable value as the installation path of the </a:t>
-            </a:r>
-            <a:r>
-              <a:rPr lang="vi-VN" sz="1400" dirty="0">
-                <a:latin typeface="Cambria" panose="02040503050406030204" pitchFamily="18" charset="0"/>
-                <a:ea typeface="Cambria" panose="02040503050406030204" pitchFamily="18" charset="0"/>
-              </a:rPr>
-              <a:t>JDK</a:t>
-            </a:r>
-          </a:p>
-          <a:p>
-            <a:pPr lvl="3" fontAlgn="base"/>
-            <a:r>
-              <a:rPr lang="vi-VN" sz="1300" dirty="0">
-                <a:latin typeface="Cambria" panose="02040503050406030204" pitchFamily="18" charset="0"/>
-                <a:ea typeface="Cambria" panose="02040503050406030204" pitchFamily="18" charset="0"/>
-              </a:rPr>
-              <a:t>Ex: </a:t>
-            </a:r>
-            <a:r>
-              <a:rPr lang="vi-VN" sz="1300" dirty="0">
-                <a:solidFill>
-                  <a:srgbClr val="FF0000"/>
-                </a:solidFill>
-                <a:latin typeface="Cambria" panose="02040503050406030204" pitchFamily="18" charset="0"/>
-                <a:ea typeface="Cambria" panose="02040503050406030204" pitchFamily="18" charset="0"/>
-              </a:rPr>
-              <a:t>JAVA_HOME = C:\Program Files\Java\jdk1.8.0_251</a:t>
-            </a:r>
-            <a:endParaRPr lang="en-US" sz="1300" dirty="0">
-              <a:solidFill>
-                <a:srgbClr val="FF0000"/>
-              </a:solidFill>
-              <a:latin typeface="Cambria" panose="02040503050406030204" pitchFamily="18" charset="0"/>
-              <a:ea typeface="Cambria" panose="02040503050406030204" pitchFamily="18" charset="0"/>
-            </a:endParaRPr>
-          </a:p>
-          <a:p>
-            <a:pPr lvl="2" fontAlgn="base"/>
-            <a:r>
-              <a:rPr lang="en-US" sz="1400" dirty="0">
-                <a:latin typeface="Cambria" panose="02040503050406030204" pitchFamily="18" charset="0"/>
-                <a:ea typeface="Cambria" panose="02040503050406030204" pitchFamily="18" charset="0"/>
-              </a:rPr>
-              <a:t>Click OK.</a:t>
-            </a:r>
-          </a:p>
-          <a:p>
-            <a:pPr lvl="2" fontAlgn="base"/>
-            <a:r>
-              <a:rPr lang="en-US" sz="1400" dirty="0">
-                <a:latin typeface="Cambria" panose="02040503050406030204" pitchFamily="18" charset="0"/>
-                <a:ea typeface="Cambria" panose="02040503050406030204" pitchFamily="18" charset="0"/>
-              </a:rPr>
-              <a:t>Click Apply Changes.</a:t>
-            </a:r>
-          </a:p>
-        </p:txBody>
-      </p:sp>
-    </p:spTree>
-    <p:extLst>
-      <p:ext uri="{BB962C8B-B14F-4D97-AF65-F5344CB8AC3E}">
-        <p14:creationId xmlns:p14="http://schemas.microsoft.com/office/powerpoint/2010/main" val="2905830678"/>
-      </p:ext>
-    </p:extLst>
-  </p:cSld>
-  <p:clrMapOvr>
-    <a:masterClrMapping/>
-  </p:clrMapOvr>
-  <p:timing>
-    <p:tnLst>
-      <p:par>
-        <p:cTn id="1" dur="indefinite" restart="never" nodeType="tmRoot"/>
-      </p:par>
-    </p:tnLst>
-  </p:timing>
-</p:sld>
-</file>
-
-<file path=ppt/slides/slide7.xml><?xml version="1.0" encoding="utf-8"?>
-<p:sld xmlns:a="http://schemas.openxmlformats.org/drawingml/2006/main" xmlns:r="http://schemas.openxmlformats.org/officeDocument/2006/relationships" xmlns:p="http://schemas.openxmlformats.org/presentationml/2006/main">
-  <p:cSld>
-    <p:spTree>
-      <p:nvGrpSpPr>
-        <p:cNvPr id="1" name=""/>
-        <p:cNvGrpSpPr/>
-        <p:nvPr/>
-      </p:nvGrpSpPr>
-      <p:grpSpPr>
-        <a:xfrm>
-          <a:off x="0" y="0"/>
-          <a:ext cx="0" cy="0"/>
-          <a:chOff x="0" y="0"/>
-          <a:chExt cx="0" cy="0"/>
-        </a:xfrm>
-      </p:grpSpPr>
-      <p:sp>
-        <p:nvSpPr>
-          <p:cNvPr id="2" name="Title 1"/>
-          <p:cNvSpPr>
-            <a:spLocks noGrp="1"/>
-          </p:cNvSpPr>
-          <p:nvPr>
-            <p:ph type="title"/>
-          </p:nvPr>
-        </p:nvSpPr>
-        <p:spPr/>
-        <p:txBody>
-          <a:bodyPr/>
-          <a:lstStyle/>
-          <a:p>
-            <a:r>
-              <a:rPr lang="vi-VN" sz="3200" b="1" dirty="0">
-                <a:cs typeface="Calibri" panose="020F0502020204030204" pitchFamily="34" charset="0"/>
-              </a:rPr>
-              <a:t>Overview</a:t>
-            </a:r>
-            <a:r>
-              <a:rPr lang="en-US" sz="3200" b="1" dirty="0">
-                <a:cs typeface="Calibri" panose="020F0502020204030204" pitchFamily="34" charset="0"/>
-              </a:rPr>
-              <a:t> and setup</a:t>
-            </a:r>
-            <a:endParaRPr lang="en-US" dirty="0"/>
-          </a:p>
-        </p:txBody>
-      </p:sp>
-      <p:sp>
-        <p:nvSpPr>
-          <p:cNvPr id="3" name="Text Placeholder 2"/>
-          <p:cNvSpPr>
-            <a:spLocks noGrp="1"/>
-          </p:cNvSpPr>
-          <p:nvPr>
-            <p:ph type="body" idx="1"/>
-          </p:nvPr>
-        </p:nvSpPr>
-        <p:spPr/>
-        <p:txBody>
-          <a:bodyPr/>
-          <a:lstStyle/>
-          <a:p>
-            <a:pPr fontAlgn="base"/>
-            <a:r>
-              <a:rPr lang="en-US" sz="2000" dirty="0"/>
-              <a:t>Update PATH:</a:t>
-            </a:r>
-            <a:endParaRPr lang="vi-VN" sz="2000" dirty="0"/>
-          </a:p>
-          <a:p>
-            <a:pPr lvl="1" fontAlgn="base"/>
-            <a:r>
-              <a:rPr lang="en-US" dirty="0">
-                <a:latin typeface="Cambria" panose="02040503050406030204" pitchFamily="18" charset="0"/>
-                <a:ea typeface="Cambria" panose="02040503050406030204" pitchFamily="18" charset="0"/>
-              </a:rPr>
-              <a:t>In System variables, find PATH </a:t>
-            </a:r>
-            <a:endParaRPr lang="vi-VN" dirty="0">
-              <a:latin typeface="Cambria" panose="02040503050406030204" pitchFamily="18" charset="0"/>
-              <a:ea typeface="Cambria" panose="02040503050406030204" pitchFamily="18" charset="0"/>
-            </a:endParaRPr>
-          </a:p>
-          <a:p>
-            <a:pPr lvl="1" fontAlgn="base"/>
-            <a:r>
-              <a:rPr lang="en-US" dirty="0">
-                <a:latin typeface="Cambria" panose="02040503050406030204" pitchFamily="18" charset="0"/>
-                <a:ea typeface="Cambria" panose="02040503050406030204" pitchFamily="18" charset="0"/>
-              </a:rPr>
-              <a:t>Add: </a:t>
-            </a:r>
-            <a:r>
-              <a:rPr lang="en-US" dirty="0">
-                <a:solidFill>
-                  <a:srgbClr val="FF0000"/>
-                </a:solidFill>
-                <a:latin typeface="Cambria" panose="02040503050406030204" pitchFamily="18" charset="0"/>
-                <a:ea typeface="Cambria" panose="02040503050406030204" pitchFamily="18" charset="0"/>
-              </a:rPr>
-              <a:t>%JAVA_HOME%\bin;</a:t>
-            </a:r>
-            <a:endParaRPr lang="vi-VN" dirty="0">
-              <a:solidFill>
-                <a:srgbClr val="FF0000"/>
-              </a:solidFill>
-              <a:latin typeface="Cambria" panose="02040503050406030204" pitchFamily="18" charset="0"/>
-              <a:ea typeface="Cambria" panose="02040503050406030204" pitchFamily="18" charset="0"/>
-            </a:endParaRPr>
-          </a:p>
-          <a:p>
-            <a:pPr fontAlgn="base"/>
-            <a:r>
-              <a:rPr lang="en-US" dirty="0"/>
-              <a:t> </a:t>
-            </a:r>
-            <a:r>
-              <a:rPr lang="en-US" sz="2000" dirty="0"/>
-              <a:t>To see if it worked, open up the Command Prompt and type java -version and see if it prints your newly installed JDK.</a:t>
-            </a:r>
-            <a:endParaRPr lang="vi-VN" sz="2000" dirty="0"/>
-          </a:p>
-          <a:p>
-            <a:pPr lvl="1" fontAlgn="base"/>
-            <a:r>
-              <a:rPr lang="en-US" dirty="0">
-                <a:solidFill>
-                  <a:srgbClr val="FF0000"/>
-                </a:solidFill>
-                <a:latin typeface="Cambria" panose="02040503050406030204" pitchFamily="18" charset="0"/>
-                <a:ea typeface="Cambria" panose="02040503050406030204" pitchFamily="18" charset="0"/>
-              </a:rPr>
-              <a:t>java –version</a:t>
-            </a:r>
-          </a:p>
-          <a:p>
-            <a:pPr fontAlgn="base"/>
-            <a:endParaRPr lang="en-US" sz="2400" dirty="0"/>
-          </a:p>
-          <a:p>
-            <a:pPr fontAlgn="base"/>
-            <a:endParaRPr lang="en-US" dirty="0"/>
-          </a:p>
-        </p:txBody>
-      </p:sp>
-    </p:spTree>
-    <p:extLst>
-      <p:ext uri="{BB962C8B-B14F-4D97-AF65-F5344CB8AC3E}">
-        <p14:creationId xmlns:p14="http://schemas.microsoft.com/office/powerpoint/2010/main" val="7916273"/>
-      </p:ext>
-    </p:extLst>
-  </p:cSld>
-  <p:clrMapOvr>
-    <a:masterClrMapping/>
-  </p:clrMapOvr>
-  <p:timing>
-    <p:tnLst>
-      <p:par>
-        <p:cTn id="1" dur="indefinite" restart="never" nodeType="tmRoot"/>
-      </p:par>
-    </p:tnLst>
-  </p:timing>
 </p:sld>
 </file>
 
@@ -22778,13 +28644,6 @@
   <p:clrMapOvr>
     <a:masterClrMapping/>
   </p:clrMapOvr>
-  <p:timing>
-    <p:tnLst>
-      <p:par>
-        <p:cTn id="1" dur="indefinite" restart="never" nodeType="tmRoot"/>
-      </p:par>
-    </p:tnLst>
-  </p:timing>
 </p:sld>
 </file>
 
@@ -23078,13 +28937,6 @@
   <p:clrMapOvr>
     <a:masterClrMapping/>
   </p:clrMapOvr>
-  <p:timing>
-    <p:tnLst>
-      <p:par>
-        <p:cTn id="1" dur="indefinite" restart="never" nodeType="tmRoot"/>
-      </p:par>
-    </p:tnLst>
-  </p:timing>
 </p:sld>
 </file>
 
